--- a/CS4273-Introduce to Software Engineering/Lab 2. Analysis.pptx
+++ b/CS4273-Introduce to Software Engineering/Lab 2. Analysis.pptx
@@ -5,7 +5,7 @@
     <p:sldMasterId id="2147483648" r:id="rId1"/>
   </p:sldMasterIdLst>
   <p:notesMasterIdLst>
-    <p:notesMasterId r:id="rId33"/>
+    <p:notesMasterId r:id="rId26"/>
   </p:notesMasterIdLst>
   <p:sldIdLst>
     <p:sldId id="256" r:id="rId2"/>
@@ -32,13 +32,6 @@
     <p:sldId id="285" r:id="rId23"/>
     <p:sldId id="286" r:id="rId24"/>
     <p:sldId id="294" r:id="rId25"/>
-    <p:sldId id="287" r:id="rId26"/>
-    <p:sldId id="289" r:id="rId27"/>
-    <p:sldId id="288" r:id="rId28"/>
-    <p:sldId id="291" r:id="rId29"/>
-    <p:sldId id="292" r:id="rId30"/>
-    <p:sldId id="264" r:id="rId31"/>
-    <p:sldId id="265" r:id="rId32"/>
   </p:sldIdLst>
   <p:sldSz cx="12192000" cy="6858000"/>
   <p:notesSz cx="6858000" cy="9144000"/>
@@ -145,66 +138,6 @@
 </p:presentation>
 </file>
 
-<file path=ppt/ink/ink1.xml><?xml version="1.0" encoding="utf-8"?>
-<inkml:ink xmlns:inkml="http://www.w3.org/2003/InkML">
-  <inkml:definitions>
-    <inkml:context xml:id="ctx0">
-      <inkml:inkSource xml:id="inkSrc0">
-        <inkml:traceFormat>
-          <inkml:channel name="X" type="integer" max="1360" units="cm"/>
-          <inkml:channel name="Y" type="integer" max="768" units="cm"/>
-          <inkml:channel name="T" type="integer" max="2.14748E9" units="dev"/>
-        </inkml:traceFormat>
-        <inkml:channelProperties>
-          <inkml:channelProperty channel="X" name="resolution" value="33.49754" units="1/cm"/>
-          <inkml:channelProperty channel="Y" name="resolution" value="33.53712" units="1/cm"/>
-          <inkml:channelProperty channel="T" name="resolution" value="1" units="1/dev"/>
-        </inkml:channelProperties>
-      </inkml:inkSource>
-      <inkml:timestamp xml:id="ts0" timeString="2021-09-09T10:06:26.973"/>
-    </inkml:context>
-    <inkml:brush xml:id="br0">
-      <inkml:brushProperty name="width" value="0.05292" units="cm"/>
-      <inkml:brushProperty name="height" value="0.05292" units="cm"/>
-      <inkml:brushProperty name="color" value="#FF0000"/>
-    </inkml:brush>
-  </inkml:definitions>
-  <inkml:trace contextRef="#ctx0" brushRef="#br0">8716 7272 0,'25'25'94,"-1"25"-79,1-26-15,25 1 16,0 50 0,0-50-1,-25 0 1,0-25 0,0 25-1,-1 0 16,1 0-15,0-1 15,0-24 110,-25 25-110,-25 0-15,25 0-16,-25-25 15,-24 50 1,24 0 0,0-50-1,25 25-15,-25-25 16,0 25 15,0 24-31,0-24 31,0 0-15,25 0 31,-25-25 0,25 25-16,-25-25 78</inkml:trace>
-  <inkml:trace contextRef="#ctx0" brushRef="#br0" timeOffset="1082.08">8666 7670 0,'25'0'93,"0"0"-77,0 0 0,24 0-1,-24 0 1,25 0 15,-25 0-15,0 0-1,0 0 1,0 0 0,0 0-1,0 0 17,-1 0 218</inkml:trace>
-</inkml:ink>
-</file>
-
-<file path=ppt/ink/ink2.xml><?xml version="1.0" encoding="utf-8"?>
-<inkml:ink xmlns:inkml="http://www.w3.org/2003/InkML">
-  <inkml:definitions>
-    <inkml:context xml:id="ctx0">
-      <inkml:inkSource xml:id="inkSrc0">
-        <inkml:traceFormat>
-          <inkml:channel name="X" type="integer" max="1360" units="cm"/>
-          <inkml:channel name="Y" type="integer" max="768" units="cm"/>
-          <inkml:channel name="T" type="integer" max="2.14748E9" units="dev"/>
-        </inkml:traceFormat>
-        <inkml:channelProperties>
-          <inkml:channelProperty channel="X" name="resolution" value="33.49754" units="1/cm"/>
-          <inkml:channelProperty channel="Y" name="resolution" value="33.53712" units="1/cm"/>
-          <inkml:channelProperty channel="T" name="resolution" value="1" units="1/dev"/>
-        </inkml:channelProperties>
-      </inkml:inkSource>
-      <inkml:timestamp xml:id="ts0" timeString="2021-09-09T10:06:45.873"/>
-    </inkml:context>
-    <inkml:brush xml:id="br0">
-      <inkml:brushProperty name="width" value="0.05292" units="cm"/>
-      <inkml:brushProperty name="height" value="0.05292" units="cm"/>
-      <inkml:brushProperty name="color" value="#FF0000"/>
-    </inkml:brush>
-  </inkml:definitions>
-  <inkml:trace contextRef="#ctx0" brushRef="#br0">9189 7645 0,'-25'0'1625,"50"0"-1578,25 0 375,-25 0-422,24 0 16,1 0-1,0 0 17,-25 0-17,-25-25 79</inkml:trace>
-  <inkml:trace contextRef="#ctx0" brushRef="#br0" timeOffset="1049.83">9712 7396 0,'0'-25'32,"-25"25"-1,0 0 0,0 0-15,0 0-1,0 0 1,0 0-16,0 0 16,25 25 15,0 0-15,0 25-1,0-25 1,0 0-1,0 0 1,0 0 15,25-25 1,0 25-17,0-25-15,0 0 16,0 24-1,0-24 17,0 25-17,0-25-15,0 0 16,-1 0 0,1 0-1,0 0 16,-25-25 16,0 1-47,0-1 16,0 0 0,0 0 15,0-25-16,0 25 1,0 0 15,-25 25-31,0 0 32,25-25-17,-24 25 1,-26 0-1,25-25 1,0 25 0,0 0 15</inkml:trace>
-  <inkml:trace contextRef="#ctx0" brushRef="#br0" timeOffset="2778.14">9836 7396 0,'25'0'47,"0"0"-31,0 0 0,0 0-1,25 0-15,24 0 16,1-25-1,-25 1-15,25-1 16,-50 25 15,24-25-15,1-25 0,-25 25-1,0 0 1,25 0-1,0-50 17,24 1-17,1-1-15,0 0 16,-1 26 0,51-51-1,-75 75 16,24 0-15,1-25 0,74-24-1,-49 24 1,-50 25 0,99-25-1,-24 25 1,-1 0-1,-24 0 1,49-24 0,26 49-1,-76-50 17,26 50-17,49-50-15,50 25 16,-99 0-1,-51 25 1,101-25 15,-51 0-15,1 25 0,-26 0-1,-24-24 1,0-1-1,-1 25 1,-24 0 15,-25-25-15,0 25 0,0 0 124,0 0-124,0 0-16,25 0 15,-1-50 1,-24 50 0,0 0 15</inkml:trace>
-  <inkml:trace contextRef="#ctx0" brushRef="#br0" timeOffset="3781.52">13671 5753 0,'0'25'32,"0"24"-32,0 51 15,0 25 1,25-100-16,-25 74 16,25-74 15,-25 75-16,25-75 1,-25-1 0,0 1-1</inkml:trace>
-</inkml:ink>
-</file>
-
 <file path=ppt/notesMasters/notesMaster1.xml><?xml version="1.0" encoding="utf-8"?>
 <p:notesMaster xmlns:a="http://schemas.openxmlformats.org/drawingml/2006/main" xmlns:r="http://schemas.openxmlformats.org/officeDocument/2006/relationships" xmlns:p="http://schemas.openxmlformats.org/presentationml/2006/main">
   <p:cSld>
@@ -287,7 +220,7 @@
           <a:p>
             <a:fld id="{1DF8EB0A-3D88-47AF-8B37-7E6EB8CD0DC9}" type="datetimeFigureOut">
               <a:rPr lang="vi-VN" smtClean="0"/>
-              <a:t>16/11/2021</a:t>
+              <a:t>12/06/2022</a:t>
             </a:fld>
             <a:endParaRPr lang="vi-VN"/>
           </a:p>
@@ -701,7 +634,7 @@
           <a:p>
             <a:fld id="{EB8135D3-0DC7-472E-9E95-8EBB926A0EB6}" type="datetime1">
               <a:rPr lang="vi-VN" smtClean="0"/>
-              <a:t>16/11/2021</a:t>
+              <a:t>12/06/2022</a:t>
             </a:fld>
             <a:endParaRPr lang="vi-VN"/>
           </a:p>
@@ -899,7 +832,7 @@
           <a:p>
             <a:fld id="{8596560B-899E-429A-84F2-41ABFB82A5A9}" type="datetime1">
               <a:rPr lang="vi-VN" smtClean="0"/>
-              <a:t>16/11/2021</a:t>
+              <a:t>12/06/2022</a:t>
             </a:fld>
             <a:endParaRPr lang="vi-VN"/>
           </a:p>
@@ -1107,7 +1040,7 @@
           <a:p>
             <a:fld id="{1709AC3F-2674-49D3-A873-07AA9E5DCF06}" type="datetime1">
               <a:rPr lang="vi-VN" smtClean="0"/>
-              <a:t>16/11/2021</a:t>
+              <a:t>12/06/2022</a:t>
             </a:fld>
             <a:endParaRPr lang="vi-VN"/>
           </a:p>
@@ -1305,7 +1238,7 @@
           <a:p>
             <a:fld id="{6D500D8F-B0AE-4366-9341-7B6F0640C2BE}" type="datetime1">
               <a:rPr lang="vi-VN" smtClean="0"/>
-              <a:t>16/11/2021</a:t>
+              <a:t>12/06/2022</a:t>
             </a:fld>
             <a:endParaRPr lang="vi-VN"/>
           </a:p>
@@ -1580,7 +1513,7 @@
           <a:p>
             <a:fld id="{13C0DA7A-F9FE-4C1E-A471-7C38F755C552}" type="datetime1">
               <a:rPr lang="vi-VN" smtClean="0"/>
-              <a:t>16/11/2021</a:t>
+              <a:t>12/06/2022</a:t>
             </a:fld>
             <a:endParaRPr lang="vi-VN"/>
           </a:p>
@@ -1845,7 +1778,7 @@
           <a:p>
             <a:fld id="{D9A61B5A-4066-4776-A7F8-F246FF6DE426}" type="datetime1">
               <a:rPr lang="vi-VN" smtClean="0"/>
-              <a:t>16/11/2021</a:t>
+              <a:t>12/06/2022</a:t>
             </a:fld>
             <a:endParaRPr lang="vi-VN"/>
           </a:p>
@@ -2257,7 +2190,7 @@
           <a:p>
             <a:fld id="{431C399D-8096-48E3-98E2-6EA85002E14F}" type="datetime1">
               <a:rPr lang="vi-VN" smtClean="0"/>
-              <a:t>16/11/2021</a:t>
+              <a:t>12/06/2022</a:t>
             </a:fld>
             <a:endParaRPr lang="vi-VN"/>
           </a:p>
@@ -2398,7 +2331,7 @@
           <a:p>
             <a:fld id="{F1836DE2-13AF-4AB3-8918-00D6109ABC25}" type="datetime1">
               <a:rPr lang="vi-VN" smtClean="0"/>
-              <a:t>16/11/2021</a:t>
+              <a:t>12/06/2022</a:t>
             </a:fld>
             <a:endParaRPr lang="vi-VN"/>
           </a:p>
@@ -2511,7 +2444,7 @@
           <a:p>
             <a:fld id="{0A8FCF89-8CC3-4338-8ED2-C415082D670C}" type="datetime1">
               <a:rPr lang="vi-VN" smtClean="0"/>
-              <a:t>16/11/2021</a:t>
+              <a:t>12/06/2022</a:t>
             </a:fld>
             <a:endParaRPr lang="vi-VN"/>
           </a:p>
@@ -2822,7 +2755,7 @@
           <a:p>
             <a:fld id="{9B246DAD-E1C2-4AE1-9631-2D4DF36CDBB1}" type="datetime1">
               <a:rPr lang="vi-VN" smtClean="0"/>
-              <a:t>16/11/2021</a:t>
+              <a:t>12/06/2022</a:t>
             </a:fld>
             <a:endParaRPr lang="vi-VN"/>
           </a:p>
@@ -3110,7 +3043,7 @@
           <a:p>
             <a:fld id="{EEC90FF2-7BE5-44CC-AFD7-2A4F808E557C}" type="datetime1">
               <a:rPr lang="vi-VN" smtClean="0"/>
-              <a:t>16/11/2021</a:t>
+              <a:t>12/06/2022</a:t>
             </a:fld>
             <a:endParaRPr lang="vi-VN"/>
           </a:p>
@@ -3351,7 +3284,7 @@
           <a:p>
             <a:fld id="{BE99BEBD-4040-4E3E-861A-483E2C55E883}" type="datetime1">
               <a:rPr lang="vi-VN" smtClean="0"/>
-              <a:t>16/11/2021</a:t>
+              <a:t>12/06/2022</a:t>
             </a:fld>
             <a:endParaRPr lang="vi-VN"/>
           </a:p>
@@ -19572,5047 +19505,6 @@
 </p:sld>
 </file>
 
-<file path=ppt/slides/slide25.xml><?xml version="1.0" encoding="utf-8"?>
-<p:sld xmlns:a="http://schemas.openxmlformats.org/drawingml/2006/main" xmlns:r="http://schemas.openxmlformats.org/officeDocument/2006/relationships" xmlns:p="http://schemas.openxmlformats.org/presentationml/2006/main">
-  <p:cSld>
-    <p:spTree>
-      <p:nvGrpSpPr>
-        <p:cNvPr id="1" name=""/>
-        <p:cNvGrpSpPr/>
-        <p:nvPr/>
-      </p:nvGrpSpPr>
-      <p:grpSpPr>
-        <a:xfrm>
-          <a:off x="0" y="0"/>
-          <a:ext cx="0" cy="0"/>
-          <a:chOff x="0" y="0"/>
-          <a:chExt cx="0" cy="0"/>
-        </a:xfrm>
-      </p:grpSpPr>
-      <p:sp>
-        <p:nvSpPr>
-          <p:cNvPr id="2" name="Tiêu đề 1">
-            <a:extLst>
-              <a:ext uri="{FF2B5EF4-FFF2-40B4-BE49-F238E27FC236}">
-                <a16:creationId xmlns:a16="http://schemas.microsoft.com/office/drawing/2014/main" id="{F26B3E9E-9CC2-4E72-B69F-5A6B3EACA5BB}"/>
-              </a:ext>
-            </a:extLst>
-          </p:cNvPr>
-          <p:cNvSpPr>
-            <a:spLocks noGrp="1"/>
-          </p:cNvSpPr>
-          <p:nvPr>
-            <p:ph type="title"/>
-          </p:nvPr>
-        </p:nvSpPr>
-        <p:spPr>
-          <a:xfrm>
-            <a:off x="1298712" y="365125"/>
-            <a:ext cx="9458187" cy="1325563"/>
-          </a:xfrm>
-        </p:spPr>
-        <p:txBody>
-          <a:bodyPr/>
-          <a:lstStyle/>
-          <a:p>
-            <a:r>
-              <a:rPr lang="en-US"/>
-              <a:t>Class diagram</a:t>
-            </a:r>
-            <a:endParaRPr lang="vi-VN"/>
-          </a:p>
-        </p:txBody>
-      </p:sp>
-      <p:graphicFrame>
-        <p:nvGraphicFramePr>
-          <p:cNvPr id="3" name="Bảng 3">
-            <a:extLst>
-              <a:ext uri="{FF2B5EF4-FFF2-40B4-BE49-F238E27FC236}">
-                <a16:creationId xmlns:a16="http://schemas.microsoft.com/office/drawing/2014/main" id="{76B10348-9061-45EC-BB9B-CD02744AA8D7}"/>
-              </a:ext>
-            </a:extLst>
-          </p:cNvPr>
-          <p:cNvGraphicFramePr>
-            <a:graphicFrameLocks noGrp="1"/>
-          </p:cNvGraphicFramePr>
-          <p:nvPr>
-            <p:extLst>
-              <p:ext uri="{D42A27DB-BD31-4B8C-83A1-F6EECF244321}">
-                <p14:modId xmlns:p14="http://schemas.microsoft.com/office/powerpoint/2010/main" val="747078074"/>
-              </p:ext>
-            </p:extLst>
-          </p:nvPr>
-        </p:nvGraphicFramePr>
-        <p:xfrm>
-          <a:off x="1298712" y="1945640"/>
-          <a:ext cx="1810248" cy="1097280"/>
-        </p:xfrm>
-        <a:graphic>
-          <a:graphicData uri="http://schemas.openxmlformats.org/drawingml/2006/table">
-            <a:tbl>
-              <a:tblPr firstRow="1" bandRow="1">
-                <a:tableStyleId>{5C22544A-7EE6-4342-B048-85BDC9FD1C3A}</a:tableStyleId>
-              </a:tblPr>
-              <a:tblGrid>
-                <a:gridCol w="1810248">
-                  <a:extLst>
-                    <a:ext uri="{9D8B030D-6E8A-4147-A177-3AD203B41FA5}">
-                      <a16:colId xmlns:a16="http://schemas.microsoft.com/office/drawing/2014/main" val="2414103788"/>
-                    </a:ext>
-                  </a:extLst>
-                </a:gridCol>
-              </a:tblGrid>
-              <a:tr h="0">
-                <a:tc>
-                  <a:txBody>
-                    <a:bodyPr/>
-                    <a:lstStyle/>
-                    <a:p>
-                      <a:r>
-                        <a:rPr lang="en-US">
-                          <a:solidFill>
-                            <a:schemeClr val="tx1"/>
-                          </a:solidFill>
-                        </a:rPr>
-                        <a:t>CUSTOMER</a:t>
-                      </a:r>
-                      <a:endParaRPr lang="vi-VN">
-                        <a:solidFill>
-                          <a:schemeClr val="tx1"/>
-                        </a:solidFill>
-                      </a:endParaRPr>
-                    </a:p>
-                  </a:txBody>
-                  <a:tcPr>
-                    <a:lnL w="12700" cap="flat" cmpd="sng" algn="ctr">
-                      <a:solidFill>
-                        <a:schemeClr val="tx1"/>
-                      </a:solidFill>
-                      <a:prstDash val="solid"/>
-                      <a:round/>
-                      <a:headEnd type="none" w="med" len="med"/>
-                      <a:tailEnd type="none" w="med" len="med"/>
-                    </a:lnL>
-                    <a:lnR w="12700" cap="flat" cmpd="sng" algn="ctr">
-                      <a:solidFill>
-                        <a:schemeClr val="tx1"/>
-                      </a:solidFill>
-                      <a:prstDash val="solid"/>
-                      <a:round/>
-                      <a:headEnd type="none" w="med" len="med"/>
-                      <a:tailEnd type="none" w="med" len="med"/>
-                    </a:lnR>
-                    <a:lnT w="12700" cap="flat" cmpd="sng" algn="ctr">
-                      <a:solidFill>
-                        <a:schemeClr val="tx1"/>
-                      </a:solidFill>
-                      <a:prstDash val="solid"/>
-                      <a:round/>
-                      <a:headEnd type="none" w="med" len="med"/>
-                      <a:tailEnd type="none" w="med" len="med"/>
-                    </a:lnT>
-                    <a:lnB w="12700" cap="flat" cmpd="sng" algn="ctr">
-                      <a:solidFill>
-                        <a:schemeClr val="tx1"/>
-                      </a:solidFill>
-                      <a:prstDash val="solid"/>
-                      <a:round/>
-                      <a:headEnd type="none" w="med" len="med"/>
-                      <a:tailEnd type="none" w="med" len="med"/>
-                    </a:lnB>
-                    <a:noFill/>
-                  </a:tcPr>
-                </a:tc>
-                <a:extLst>
-                  <a:ext uri="{0D108BD9-81ED-4DB2-BD59-A6C34878D82A}">
-                    <a16:rowId xmlns:a16="http://schemas.microsoft.com/office/drawing/2014/main" val="18368608"/>
-                  </a:ext>
-                </a:extLst>
-              </a:tr>
-              <a:tr h="0">
-                <a:tc>
-                  <a:txBody>
-                    <a:bodyPr/>
-                    <a:lstStyle/>
-                    <a:p>
-                      <a:r>
-                        <a:rPr lang="en-US">
-                          <a:solidFill>
-                            <a:schemeClr val="tx1"/>
-                          </a:solidFill>
-                        </a:rPr>
-                        <a:t>Name</a:t>
-                      </a:r>
-                      <a:endParaRPr lang="vi-VN">
-                        <a:solidFill>
-                          <a:schemeClr val="tx1"/>
-                        </a:solidFill>
-                      </a:endParaRPr>
-                    </a:p>
-                  </a:txBody>
-                  <a:tcPr>
-                    <a:lnL w="12700" cap="flat" cmpd="sng" algn="ctr">
-                      <a:solidFill>
-                        <a:schemeClr val="tx1"/>
-                      </a:solidFill>
-                      <a:prstDash val="solid"/>
-                      <a:round/>
-                      <a:headEnd type="none" w="med" len="med"/>
-                      <a:tailEnd type="none" w="med" len="med"/>
-                    </a:lnL>
-                    <a:lnR w="12700" cap="flat" cmpd="sng" algn="ctr">
-                      <a:solidFill>
-                        <a:schemeClr val="tx1"/>
-                      </a:solidFill>
-                      <a:prstDash val="solid"/>
-                      <a:round/>
-                      <a:headEnd type="none" w="med" len="med"/>
-                      <a:tailEnd type="none" w="med" len="med"/>
-                    </a:lnR>
-                    <a:lnT w="12700" cap="flat" cmpd="sng" algn="ctr">
-                      <a:solidFill>
-                        <a:schemeClr val="tx1"/>
-                      </a:solidFill>
-                      <a:prstDash val="solid"/>
-                      <a:round/>
-                      <a:headEnd type="none" w="med" len="med"/>
-                      <a:tailEnd type="none" w="med" len="med"/>
-                    </a:lnT>
-                    <a:lnB w="12700" cap="flat" cmpd="sng" algn="ctr">
-                      <a:solidFill>
-                        <a:schemeClr val="tx1"/>
-                      </a:solidFill>
-                      <a:prstDash val="solid"/>
-                      <a:round/>
-                      <a:headEnd type="none" w="med" len="med"/>
-                      <a:tailEnd type="none" w="med" len="med"/>
-                    </a:lnB>
-                    <a:noFill/>
-                  </a:tcPr>
-                </a:tc>
-                <a:extLst>
-                  <a:ext uri="{0D108BD9-81ED-4DB2-BD59-A6C34878D82A}">
-                    <a16:rowId xmlns:a16="http://schemas.microsoft.com/office/drawing/2014/main" val="2369838159"/>
-                  </a:ext>
-                </a:extLst>
-              </a:tr>
-              <a:tr h="0">
-                <a:tc>
-                  <a:txBody>
-                    <a:bodyPr/>
-                    <a:lstStyle/>
-                    <a:p>
-                      <a:r>
-                        <a:rPr lang="en-US">
-                          <a:solidFill>
-                            <a:schemeClr val="tx1"/>
-                          </a:solidFill>
-                        </a:rPr>
-                        <a:t>…</a:t>
-                      </a:r>
-                      <a:endParaRPr lang="vi-VN">
-                        <a:solidFill>
-                          <a:schemeClr val="tx1"/>
-                        </a:solidFill>
-                      </a:endParaRPr>
-                    </a:p>
-                  </a:txBody>
-                  <a:tcPr>
-                    <a:lnL w="12700" cap="flat" cmpd="sng" algn="ctr">
-                      <a:solidFill>
-                        <a:schemeClr val="tx1"/>
-                      </a:solidFill>
-                      <a:prstDash val="solid"/>
-                      <a:round/>
-                      <a:headEnd type="none" w="med" len="med"/>
-                      <a:tailEnd type="none" w="med" len="med"/>
-                    </a:lnL>
-                    <a:lnR w="12700" cap="flat" cmpd="sng" algn="ctr">
-                      <a:solidFill>
-                        <a:schemeClr val="tx1"/>
-                      </a:solidFill>
-                      <a:prstDash val="solid"/>
-                      <a:round/>
-                      <a:headEnd type="none" w="med" len="med"/>
-                      <a:tailEnd type="none" w="med" len="med"/>
-                    </a:lnR>
-                    <a:lnT w="12700" cap="flat" cmpd="sng" algn="ctr">
-                      <a:solidFill>
-                        <a:schemeClr val="tx1"/>
-                      </a:solidFill>
-                      <a:prstDash val="solid"/>
-                      <a:round/>
-                      <a:headEnd type="none" w="med" len="med"/>
-                      <a:tailEnd type="none" w="med" len="med"/>
-                    </a:lnT>
-                    <a:lnB w="12700" cap="flat" cmpd="sng" algn="ctr">
-                      <a:solidFill>
-                        <a:schemeClr val="tx1"/>
-                      </a:solidFill>
-                      <a:prstDash val="solid"/>
-                      <a:round/>
-                      <a:headEnd type="none" w="med" len="med"/>
-                      <a:tailEnd type="none" w="med" len="med"/>
-                    </a:lnB>
-                    <a:noFill/>
-                  </a:tcPr>
-                </a:tc>
-                <a:extLst>
-                  <a:ext uri="{0D108BD9-81ED-4DB2-BD59-A6C34878D82A}">
-                    <a16:rowId xmlns:a16="http://schemas.microsoft.com/office/drawing/2014/main" val="571361438"/>
-                  </a:ext>
-                </a:extLst>
-              </a:tr>
-            </a:tbl>
-          </a:graphicData>
-        </a:graphic>
-      </p:graphicFrame>
-      <p:graphicFrame>
-        <p:nvGraphicFramePr>
-          <p:cNvPr id="52" name="Bảng 3">
-            <a:extLst>
-              <a:ext uri="{FF2B5EF4-FFF2-40B4-BE49-F238E27FC236}">
-                <a16:creationId xmlns:a16="http://schemas.microsoft.com/office/drawing/2014/main" id="{829FE17F-2FF4-4265-A4F3-9B8338D51DB7}"/>
-              </a:ext>
-            </a:extLst>
-          </p:cNvPr>
-          <p:cNvGraphicFramePr>
-            <a:graphicFrameLocks noGrp="1"/>
-          </p:cNvGraphicFramePr>
-          <p:nvPr>
-            <p:extLst>
-              <p:ext uri="{D42A27DB-BD31-4B8C-83A1-F6EECF244321}">
-                <p14:modId xmlns:p14="http://schemas.microsoft.com/office/powerpoint/2010/main" val="2759782474"/>
-              </p:ext>
-            </p:extLst>
-          </p:nvPr>
-        </p:nvGraphicFramePr>
-        <p:xfrm>
-          <a:off x="415152" y="3430428"/>
-          <a:ext cx="3360994" cy="1645920"/>
-        </p:xfrm>
-        <a:graphic>
-          <a:graphicData uri="http://schemas.openxmlformats.org/drawingml/2006/table">
-            <a:tbl>
-              <a:tblPr firstRow="1" bandRow="1">
-                <a:tableStyleId>{5C22544A-7EE6-4342-B048-85BDC9FD1C3A}</a:tableStyleId>
-              </a:tblPr>
-              <a:tblGrid>
-                <a:gridCol w="3360994">
-                  <a:extLst>
-                    <a:ext uri="{9D8B030D-6E8A-4147-A177-3AD203B41FA5}">
-                      <a16:colId xmlns:a16="http://schemas.microsoft.com/office/drawing/2014/main" val="2414103788"/>
-                    </a:ext>
-                  </a:extLst>
-                </a:gridCol>
-              </a:tblGrid>
-              <a:tr h="0">
-                <a:tc>
-                  <a:txBody>
-                    <a:bodyPr/>
-                    <a:lstStyle/>
-                    <a:p>
-                      <a:r>
-                        <a:rPr lang="en-US">
-                          <a:solidFill>
-                            <a:schemeClr val="tx1"/>
-                          </a:solidFill>
-                        </a:rPr>
-                        <a:t>EMPLOYEE</a:t>
-                      </a:r>
-                      <a:endParaRPr lang="vi-VN">
-                        <a:solidFill>
-                          <a:schemeClr val="tx1"/>
-                        </a:solidFill>
-                      </a:endParaRPr>
-                    </a:p>
-                  </a:txBody>
-                  <a:tcPr>
-                    <a:lnL w="12700" cap="flat" cmpd="sng" algn="ctr">
-                      <a:solidFill>
-                        <a:schemeClr val="tx1"/>
-                      </a:solidFill>
-                      <a:prstDash val="solid"/>
-                      <a:round/>
-                      <a:headEnd type="none" w="med" len="med"/>
-                      <a:tailEnd type="none" w="med" len="med"/>
-                    </a:lnL>
-                    <a:lnR w="12700" cap="flat" cmpd="sng" algn="ctr">
-                      <a:solidFill>
-                        <a:schemeClr val="tx1"/>
-                      </a:solidFill>
-                      <a:prstDash val="solid"/>
-                      <a:round/>
-                      <a:headEnd type="none" w="med" len="med"/>
-                      <a:tailEnd type="none" w="med" len="med"/>
-                    </a:lnR>
-                    <a:lnT w="12700" cap="flat" cmpd="sng" algn="ctr">
-                      <a:solidFill>
-                        <a:schemeClr val="tx1"/>
-                      </a:solidFill>
-                      <a:prstDash val="solid"/>
-                      <a:round/>
-                      <a:headEnd type="none" w="med" len="med"/>
-                      <a:tailEnd type="none" w="med" len="med"/>
-                    </a:lnT>
-                    <a:lnB w="12700" cap="flat" cmpd="sng" algn="ctr">
-                      <a:solidFill>
-                        <a:schemeClr val="tx1"/>
-                      </a:solidFill>
-                      <a:prstDash val="solid"/>
-                      <a:round/>
-                      <a:headEnd type="none" w="med" len="med"/>
-                      <a:tailEnd type="none" w="med" len="med"/>
-                    </a:lnB>
-                    <a:noFill/>
-                  </a:tcPr>
-                </a:tc>
-                <a:extLst>
-                  <a:ext uri="{0D108BD9-81ED-4DB2-BD59-A6C34878D82A}">
-                    <a16:rowId xmlns:a16="http://schemas.microsoft.com/office/drawing/2014/main" val="18368608"/>
-                  </a:ext>
-                </a:extLst>
-              </a:tr>
-              <a:tr h="0">
-                <a:tc>
-                  <a:txBody>
-                    <a:bodyPr/>
-                    <a:lstStyle/>
-                    <a:p>
-                      <a:r>
-                        <a:rPr lang="en-US">
-                          <a:solidFill>
-                            <a:schemeClr val="tx1"/>
-                          </a:solidFill>
-                        </a:rPr>
-                        <a:t>Name: String</a:t>
-                      </a:r>
-                    </a:p>
-                    <a:p>
-                      <a:r>
-                        <a:rPr lang="en-US">
-                          <a:solidFill>
-                            <a:schemeClr val="tx1"/>
-                          </a:solidFill>
-                        </a:rPr>
-                        <a:t>Manager: Employee</a:t>
-                      </a:r>
-                      <a:endParaRPr lang="vi-VN">
-                        <a:solidFill>
-                          <a:schemeClr val="tx1"/>
-                        </a:solidFill>
-                      </a:endParaRPr>
-                    </a:p>
-                  </a:txBody>
-                  <a:tcPr>
-                    <a:lnL w="12700" cap="flat" cmpd="sng" algn="ctr">
-                      <a:solidFill>
-                        <a:schemeClr val="tx1"/>
-                      </a:solidFill>
-                      <a:prstDash val="solid"/>
-                      <a:round/>
-                      <a:headEnd type="none" w="med" len="med"/>
-                      <a:tailEnd type="none" w="med" len="med"/>
-                    </a:lnL>
-                    <a:lnR w="12700" cap="flat" cmpd="sng" algn="ctr">
-                      <a:solidFill>
-                        <a:schemeClr val="tx1"/>
-                      </a:solidFill>
-                      <a:prstDash val="solid"/>
-                      <a:round/>
-                      <a:headEnd type="none" w="med" len="med"/>
-                      <a:tailEnd type="none" w="med" len="med"/>
-                    </a:lnR>
-                    <a:lnT w="12700" cap="flat" cmpd="sng" algn="ctr">
-                      <a:solidFill>
-                        <a:schemeClr val="tx1"/>
-                      </a:solidFill>
-                      <a:prstDash val="solid"/>
-                      <a:round/>
-                      <a:headEnd type="none" w="med" len="med"/>
-                      <a:tailEnd type="none" w="med" len="med"/>
-                    </a:lnT>
-                    <a:lnB w="12700" cap="flat" cmpd="sng" algn="ctr">
-                      <a:solidFill>
-                        <a:schemeClr val="tx1"/>
-                      </a:solidFill>
-                      <a:prstDash val="solid"/>
-                      <a:round/>
-                      <a:headEnd type="none" w="med" len="med"/>
-                      <a:tailEnd type="none" w="med" len="med"/>
-                    </a:lnB>
-                    <a:noFill/>
-                  </a:tcPr>
-                </a:tc>
-                <a:extLst>
-                  <a:ext uri="{0D108BD9-81ED-4DB2-BD59-A6C34878D82A}">
-                    <a16:rowId xmlns:a16="http://schemas.microsoft.com/office/drawing/2014/main" val="2369838159"/>
-                  </a:ext>
-                </a:extLst>
-              </a:tr>
-              <a:tr h="0">
-                <a:tc>
-                  <a:txBody>
-                    <a:bodyPr/>
-                    <a:lstStyle/>
-                    <a:p>
-                      <a:r>
-                        <a:rPr lang="en-US">
-                          <a:solidFill>
-                            <a:schemeClr val="tx1"/>
-                          </a:solidFill>
-                        </a:rPr>
-                        <a:t>UpdateName(String newname): Boolean</a:t>
-                      </a:r>
-                      <a:endParaRPr lang="vi-VN">
-                        <a:solidFill>
-                          <a:schemeClr val="tx1"/>
-                        </a:solidFill>
-                      </a:endParaRPr>
-                    </a:p>
-                  </a:txBody>
-                  <a:tcPr>
-                    <a:lnL w="12700" cap="flat" cmpd="sng" algn="ctr">
-                      <a:solidFill>
-                        <a:schemeClr val="tx1"/>
-                      </a:solidFill>
-                      <a:prstDash val="solid"/>
-                      <a:round/>
-                      <a:headEnd type="none" w="med" len="med"/>
-                      <a:tailEnd type="none" w="med" len="med"/>
-                    </a:lnL>
-                    <a:lnR w="12700" cap="flat" cmpd="sng" algn="ctr">
-                      <a:solidFill>
-                        <a:schemeClr val="tx1"/>
-                      </a:solidFill>
-                      <a:prstDash val="solid"/>
-                      <a:round/>
-                      <a:headEnd type="none" w="med" len="med"/>
-                      <a:tailEnd type="none" w="med" len="med"/>
-                    </a:lnR>
-                    <a:lnT w="12700" cap="flat" cmpd="sng" algn="ctr">
-                      <a:solidFill>
-                        <a:schemeClr val="tx1"/>
-                      </a:solidFill>
-                      <a:prstDash val="solid"/>
-                      <a:round/>
-                      <a:headEnd type="none" w="med" len="med"/>
-                      <a:tailEnd type="none" w="med" len="med"/>
-                    </a:lnT>
-                    <a:lnB w="12700" cap="flat" cmpd="sng" algn="ctr">
-                      <a:solidFill>
-                        <a:schemeClr val="tx1"/>
-                      </a:solidFill>
-                      <a:prstDash val="solid"/>
-                      <a:round/>
-                      <a:headEnd type="none" w="med" len="med"/>
-                      <a:tailEnd type="none" w="med" len="med"/>
-                    </a:lnB>
-                    <a:noFill/>
-                  </a:tcPr>
-                </a:tc>
-                <a:extLst>
-                  <a:ext uri="{0D108BD9-81ED-4DB2-BD59-A6C34878D82A}">
-                    <a16:rowId xmlns:a16="http://schemas.microsoft.com/office/drawing/2014/main" val="860311701"/>
-                  </a:ext>
-                </a:extLst>
-              </a:tr>
-            </a:tbl>
-          </a:graphicData>
-        </a:graphic>
-      </p:graphicFrame>
-      <p:graphicFrame>
-        <p:nvGraphicFramePr>
-          <p:cNvPr id="53" name="Bảng 3">
-            <a:extLst>
-              <a:ext uri="{FF2B5EF4-FFF2-40B4-BE49-F238E27FC236}">
-                <a16:creationId xmlns:a16="http://schemas.microsoft.com/office/drawing/2014/main" id="{703C1BA3-8886-4DB6-AAF9-2636A277FE89}"/>
-              </a:ext>
-            </a:extLst>
-          </p:cNvPr>
-          <p:cNvGraphicFramePr>
-            <a:graphicFrameLocks noGrp="1"/>
-          </p:cNvGraphicFramePr>
-          <p:nvPr>
-            <p:extLst>
-              <p:ext uri="{D42A27DB-BD31-4B8C-83A1-F6EECF244321}">
-                <p14:modId xmlns:p14="http://schemas.microsoft.com/office/powerpoint/2010/main" val="4124575387"/>
-              </p:ext>
-            </p:extLst>
-          </p:nvPr>
-        </p:nvGraphicFramePr>
-        <p:xfrm>
-          <a:off x="5103922" y="1576939"/>
-          <a:ext cx="1655503" cy="1675025"/>
-        </p:xfrm>
-        <a:graphic>
-          <a:graphicData uri="http://schemas.openxmlformats.org/drawingml/2006/table">
-            <a:tbl>
-              <a:tblPr firstRow="1" bandRow="1">
-                <a:tableStyleId>{5C22544A-7EE6-4342-B048-85BDC9FD1C3A}</a:tableStyleId>
-              </a:tblPr>
-              <a:tblGrid>
-                <a:gridCol w="1655503">
-                  <a:extLst>
-                    <a:ext uri="{9D8B030D-6E8A-4147-A177-3AD203B41FA5}">
-                      <a16:colId xmlns:a16="http://schemas.microsoft.com/office/drawing/2014/main" val="2414103788"/>
-                    </a:ext>
-                  </a:extLst>
-                </a:gridCol>
-              </a:tblGrid>
-              <a:tr h="287514">
-                <a:tc>
-                  <a:txBody>
-                    <a:bodyPr/>
-                    <a:lstStyle/>
-                    <a:p>
-                      <a:r>
-                        <a:rPr lang="en-US">
-                          <a:solidFill>
-                            <a:schemeClr val="tx1"/>
-                          </a:solidFill>
-                        </a:rPr>
-                        <a:t>ACCOUNT</a:t>
-                      </a:r>
-                      <a:endParaRPr lang="vi-VN">
-                        <a:solidFill>
-                          <a:schemeClr val="tx1"/>
-                        </a:solidFill>
-                      </a:endParaRPr>
-                    </a:p>
-                  </a:txBody>
-                  <a:tcPr>
-                    <a:lnL w="12700" cap="flat" cmpd="sng" algn="ctr">
-                      <a:solidFill>
-                        <a:schemeClr val="tx1"/>
-                      </a:solidFill>
-                      <a:prstDash val="solid"/>
-                      <a:round/>
-                      <a:headEnd type="none" w="med" len="med"/>
-                      <a:tailEnd type="none" w="med" len="med"/>
-                    </a:lnL>
-                    <a:lnR w="12700" cap="flat" cmpd="sng" algn="ctr">
-                      <a:solidFill>
-                        <a:schemeClr val="tx1"/>
-                      </a:solidFill>
-                      <a:prstDash val="solid"/>
-                      <a:round/>
-                      <a:headEnd type="none" w="med" len="med"/>
-                      <a:tailEnd type="none" w="med" len="med"/>
-                    </a:lnR>
-                    <a:lnT w="12700" cap="flat" cmpd="sng" algn="ctr">
-                      <a:solidFill>
-                        <a:schemeClr val="tx1"/>
-                      </a:solidFill>
-                      <a:prstDash val="solid"/>
-                      <a:round/>
-                      <a:headEnd type="none" w="med" len="med"/>
-                      <a:tailEnd type="none" w="med" len="med"/>
-                    </a:lnT>
-                    <a:lnB w="12700" cap="flat" cmpd="sng" algn="ctr">
-                      <a:solidFill>
-                        <a:schemeClr val="tx1"/>
-                      </a:solidFill>
-                      <a:prstDash val="solid"/>
-                      <a:round/>
-                      <a:headEnd type="none" w="med" len="med"/>
-                      <a:tailEnd type="none" w="med" len="med"/>
-                    </a:lnB>
-                    <a:noFill/>
-                  </a:tcPr>
-                </a:tc>
-                <a:extLst>
-                  <a:ext uri="{0D108BD9-81ED-4DB2-BD59-A6C34878D82A}">
-                    <a16:rowId xmlns:a16="http://schemas.microsoft.com/office/drawing/2014/main" val="18368608"/>
-                  </a:ext>
-                </a:extLst>
-              </a:tr>
-              <a:tr h="934419">
-                <a:tc>
-                  <a:txBody>
-                    <a:bodyPr/>
-                    <a:lstStyle/>
-                    <a:p>
-                      <a:r>
-                        <a:rPr lang="en-US">
-                          <a:solidFill>
-                            <a:schemeClr val="tx1"/>
-                          </a:solidFill>
-                        </a:rPr>
-                        <a:t>Username</a:t>
-                      </a:r>
-                    </a:p>
-                    <a:p>
-                      <a:r>
-                        <a:rPr lang="en-US">
-                          <a:solidFill>
-                            <a:schemeClr val="tx1"/>
-                          </a:solidFill>
-                        </a:rPr>
-                        <a:t>Hash</a:t>
-                      </a:r>
-                    </a:p>
-                    <a:p>
-                      <a:r>
-                        <a:rPr lang="en-US">
-                          <a:solidFill>
-                            <a:schemeClr val="tx1"/>
-                          </a:solidFill>
-                        </a:rPr>
-                        <a:t>Type</a:t>
-                      </a:r>
-                      <a:endParaRPr lang="vi-VN">
-                        <a:solidFill>
-                          <a:schemeClr val="tx1"/>
-                        </a:solidFill>
-                      </a:endParaRPr>
-                    </a:p>
-                  </a:txBody>
-                  <a:tcPr>
-                    <a:lnL w="12700" cap="flat" cmpd="sng" algn="ctr">
-                      <a:solidFill>
-                        <a:schemeClr val="tx1"/>
-                      </a:solidFill>
-                      <a:prstDash val="solid"/>
-                      <a:round/>
-                      <a:headEnd type="none" w="med" len="med"/>
-                      <a:tailEnd type="none" w="med" len="med"/>
-                    </a:lnL>
-                    <a:lnR w="12700" cap="flat" cmpd="sng" algn="ctr">
-                      <a:solidFill>
-                        <a:schemeClr val="tx1"/>
-                      </a:solidFill>
-                      <a:prstDash val="solid"/>
-                      <a:round/>
-                      <a:headEnd type="none" w="med" len="med"/>
-                      <a:tailEnd type="none" w="med" len="med"/>
-                    </a:lnR>
-                    <a:lnT w="12700" cap="flat" cmpd="sng" algn="ctr">
-                      <a:solidFill>
-                        <a:schemeClr val="tx1"/>
-                      </a:solidFill>
-                      <a:prstDash val="solid"/>
-                      <a:round/>
-                      <a:headEnd type="none" w="med" len="med"/>
-                      <a:tailEnd type="none" w="med" len="med"/>
-                    </a:lnT>
-                    <a:lnB w="12700" cap="flat" cmpd="sng" algn="ctr">
-                      <a:solidFill>
-                        <a:schemeClr val="tx1"/>
-                      </a:solidFill>
-                      <a:prstDash val="solid"/>
-                      <a:round/>
-                      <a:headEnd type="none" w="med" len="med"/>
-                      <a:tailEnd type="none" w="med" len="med"/>
-                    </a:lnB>
-                    <a:noFill/>
-                  </a:tcPr>
-                </a:tc>
-                <a:extLst>
-                  <a:ext uri="{0D108BD9-81ED-4DB2-BD59-A6C34878D82A}">
-                    <a16:rowId xmlns:a16="http://schemas.microsoft.com/office/drawing/2014/main" val="2369838159"/>
-                  </a:ext>
-                </a:extLst>
-              </a:tr>
-              <a:tr h="374846">
-                <a:tc>
-                  <a:txBody>
-                    <a:bodyPr/>
-                    <a:lstStyle/>
-                    <a:p>
-                      <a:r>
-                        <a:rPr lang="en-US">
-                          <a:solidFill>
-                            <a:schemeClr val="tx1"/>
-                          </a:solidFill>
-                        </a:rPr>
-                        <a:t>Update()</a:t>
-                      </a:r>
-                      <a:endParaRPr lang="vi-VN">
-                        <a:solidFill>
-                          <a:schemeClr val="tx1"/>
-                        </a:solidFill>
-                      </a:endParaRPr>
-                    </a:p>
-                  </a:txBody>
-                  <a:tcPr>
-                    <a:lnL w="12700" cap="flat" cmpd="sng" algn="ctr">
-                      <a:solidFill>
-                        <a:schemeClr val="tx1"/>
-                      </a:solidFill>
-                      <a:prstDash val="solid"/>
-                      <a:round/>
-                      <a:headEnd type="none" w="med" len="med"/>
-                      <a:tailEnd type="none" w="med" len="med"/>
-                    </a:lnL>
-                    <a:lnR w="12700" cap="flat" cmpd="sng" algn="ctr">
-                      <a:solidFill>
-                        <a:schemeClr val="tx1"/>
-                      </a:solidFill>
-                      <a:prstDash val="solid"/>
-                      <a:round/>
-                      <a:headEnd type="none" w="med" len="med"/>
-                      <a:tailEnd type="none" w="med" len="med"/>
-                    </a:lnR>
-                    <a:lnT w="12700" cap="flat" cmpd="sng" algn="ctr">
-                      <a:solidFill>
-                        <a:schemeClr val="tx1"/>
-                      </a:solidFill>
-                      <a:prstDash val="solid"/>
-                      <a:round/>
-                      <a:headEnd type="none" w="med" len="med"/>
-                      <a:tailEnd type="none" w="med" len="med"/>
-                    </a:lnT>
-                    <a:lnB w="12700" cap="flat" cmpd="sng" algn="ctr">
-                      <a:solidFill>
-                        <a:schemeClr val="tx1"/>
-                      </a:solidFill>
-                      <a:prstDash val="solid"/>
-                      <a:round/>
-                      <a:headEnd type="none" w="med" len="med"/>
-                      <a:tailEnd type="none" w="med" len="med"/>
-                    </a:lnB>
-                    <a:noFill/>
-                  </a:tcPr>
-                </a:tc>
-                <a:extLst>
-                  <a:ext uri="{0D108BD9-81ED-4DB2-BD59-A6C34878D82A}">
-                    <a16:rowId xmlns:a16="http://schemas.microsoft.com/office/drawing/2014/main" val="2241981845"/>
-                  </a:ext>
-                </a:extLst>
-              </a:tr>
-            </a:tbl>
-          </a:graphicData>
-        </a:graphic>
-      </p:graphicFrame>
-      <p:graphicFrame>
-        <p:nvGraphicFramePr>
-          <p:cNvPr id="54" name="Bảng 3">
-            <a:extLst>
-              <a:ext uri="{FF2B5EF4-FFF2-40B4-BE49-F238E27FC236}">
-                <a16:creationId xmlns:a16="http://schemas.microsoft.com/office/drawing/2014/main" id="{C2FA16F9-92E5-48CF-A243-3137436D37AB}"/>
-              </a:ext>
-            </a:extLst>
-          </p:cNvPr>
-          <p:cNvGraphicFramePr>
-            <a:graphicFrameLocks noGrp="1"/>
-          </p:cNvGraphicFramePr>
-          <p:nvPr>
-            <p:extLst>
-              <p:ext uri="{D42A27DB-BD31-4B8C-83A1-F6EECF244321}">
-                <p14:modId xmlns:p14="http://schemas.microsoft.com/office/powerpoint/2010/main" val="534068890"/>
-              </p:ext>
-            </p:extLst>
-          </p:nvPr>
-        </p:nvGraphicFramePr>
-        <p:xfrm>
-          <a:off x="6481468" y="3777978"/>
-          <a:ext cx="1927477" cy="1371600"/>
-        </p:xfrm>
-        <a:graphic>
-          <a:graphicData uri="http://schemas.openxmlformats.org/drawingml/2006/table">
-            <a:tbl>
-              <a:tblPr firstRow="1" bandRow="1">
-                <a:tableStyleId>{5C22544A-7EE6-4342-B048-85BDC9FD1C3A}</a:tableStyleId>
-              </a:tblPr>
-              <a:tblGrid>
-                <a:gridCol w="1927477">
-                  <a:extLst>
-                    <a:ext uri="{9D8B030D-6E8A-4147-A177-3AD203B41FA5}">
-                      <a16:colId xmlns:a16="http://schemas.microsoft.com/office/drawing/2014/main" val="2414103788"/>
-                    </a:ext>
-                  </a:extLst>
-                </a:gridCol>
-              </a:tblGrid>
-              <a:tr h="0">
-                <a:tc>
-                  <a:txBody>
-                    <a:bodyPr/>
-                    <a:lstStyle/>
-                    <a:p>
-                      <a:r>
-                        <a:rPr lang="en-US">
-                          <a:solidFill>
-                            <a:schemeClr val="tx1"/>
-                          </a:solidFill>
-                        </a:rPr>
-                        <a:t>BILL</a:t>
-                      </a:r>
-                      <a:endParaRPr lang="vi-VN">
-                        <a:solidFill>
-                          <a:schemeClr val="tx1"/>
-                        </a:solidFill>
-                      </a:endParaRPr>
-                    </a:p>
-                  </a:txBody>
-                  <a:tcPr>
-                    <a:lnL w="12700" cap="flat" cmpd="sng" algn="ctr">
-                      <a:solidFill>
-                        <a:schemeClr val="tx1"/>
-                      </a:solidFill>
-                      <a:prstDash val="solid"/>
-                      <a:round/>
-                      <a:headEnd type="none" w="med" len="med"/>
-                      <a:tailEnd type="none" w="med" len="med"/>
-                    </a:lnL>
-                    <a:lnR w="12700" cap="flat" cmpd="sng" algn="ctr">
-                      <a:solidFill>
-                        <a:schemeClr val="tx1"/>
-                      </a:solidFill>
-                      <a:prstDash val="solid"/>
-                      <a:round/>
-                      <a:headEnd type="none" w="med" len="med"/>
-                      <a:tailEnd type="none" w="med" len="med"/>
-                    </a:lnR>
-                    <a:lnT w="12700" cap="flat" cmpd="sng" algn="ctr">
-                      <a:solidFill>
-                        <a:schemeClr val="tx1"/>
-                      </a:solidFill>
-                      <a:prstDash val="solid"/>
-                      <a:round/>
-                      <a:headEnd type="none" w="med" len="med"/>
-                      <a:tailEnd type="none" w="med" len="med"/>
-                    </a:lnT>
-                    <a:lnB w="12700" cap="flat" cmpd="sng" algn="ctr">
-                      <a:solidFill>
-                        <a:schemeClr val="tx1"/>
-                      </a:solidFill>
-                      <a:prstDash val="solid"/>
-                      <a:round/>
-                      <a:headEnd type="none" w="med" len="med"/>
-                      <a:tailEnd type="none" w="med" len="med"/>
-                    </a:lnB>
-                    <a:noFill/>
-                  </a:tcPr>
-                </a:tc>
-                <a:extLst>
-                  <a:ext uri="{0D108BD9-81ED-4DB2-BD59-A6C34878D82A}">
-                    <a16:rowId xmlns:a16="http://schemas.microsoft.com/office/drawing/2014/main" val="18368608"/>
-                  </a:ext>
-                </a:extLst>
-              </a:tr>
-              <a:tr h="0">
-                <a:tc>
-                  <a:txBody>
-                    <a:bodyPr/>
-                    <a:lstStyle/>
-                    <a:p>
-                      <a:r>
-                        <a:rPr lang="en-US">
-                          <a:solidFill>
-                            <a:schemeClr val="tx1"/>
-                          </a:solidFill>
-                        </a:rPr>
-                        <a:t>Date</a:t>
-                      </a:r>
-                    </a:p>
-                    <a:p>
-                      <a:r>
-                        <a:rPr lang="en-US">
-                          <a:solidFill>
-                            <a:schemeClr val="tx1"/>
-                          </a:solidFill>
-                        </a:rPr>
-                        <a:t>Type</a:t>
-                      </a:r>
-                      <a:endParaRPr lang="vi-VN">
-                        <a:solidFill>
-                          <a:schemeClr val="tx1"/>
-                        </a:solidFill>
-                      </a:endParaRPr>
-                    </a:p>
-                  </a:txBody>
-                  <a:tcPr>
-                    <a:lnL w="12700" cap="flat" cmpd="sng" algn="ctr">
-                      <a:solidFill>
-                        <a:schemeClr val="tx1"/>
-                      </a:solidFill>
-                      <a:prstDash val="solid"/>
-                      <a:round/>
-                      <a:headEnd type="none" w="med" len="med"/>
-                      <a:tailEnd type="none" w="med" len="med"/>
-                    </a:lnL>
-                    <a:lnR w="12700" cap="flat" cmpd="sng" algn="ctr">
-                      <a:solidFill>
-                        <a:schemeClr val="tx1"/>
-                      </a:solidFill>
-                      <a:prstDash val="solid"/>
-                      <a:round/>
-                      <a:headEnd type="none" w="med" len="med"/>
-                      <a:tailEnd type="none" w="med" len="med"/>
-                    </a:lnR>
-                    <a:lnT w="12700" cap="flat" cmpd="sng" algn="ctr">
-                      <a:solidFill>
-                        <a:schemeClr val="tx1"/>
-                      </a:solidFill>
-                      <a:prstDash val="solid"/>
-                      <a:round/>
-                      <a:headEnd type="none" w="med" len="med"/>
-                      <a:tailEnd type="none" w="med" len="med"/>
-                    </a:lnT>
-                    <a:lnB w="12700" cap="flat" cmpd="sng" algn="ctr">
-                      <a:solidFill>
-                        <a:schemeClr val="tx1"/>
-                      </a:solidFill>
-                      <a:prstDash val="solid"/>
-                      <a:round/>
-                      <a:headEnd type="none" w="med" len="med"/>
-                      <a:tailEnd type="none" w="med" len="med"/>
-                    </a:lnB>
-                    <a:noFill/>
-                  </a:tcPr>
-                </a:tc>
-                <a:extLst>
-                  <a:ext uri="{0D108BD9-81ED-4DB2-BD59-A6C34878D82A}">
-                    <a16:rowId xmlns:a16="http://schemas.microsoft.com/office/drawing/2014/main" val="2369838159"/>
-                  </a:ext>
-                </a:extLst>
-              </a:tr>
-              <a:tr h="0">
-                <a:tc>
-                  <a:txBody>
-                    <a:bodyPr/>
-                    <a:lstStyle/>
-                    <a:p>
-                      <a:r>
-                        <a:rPr lang="en-US">
-                          <a:solidFill>
-                            <a:schemeClr val="tx1"/>
-                          </a:solidFill>
-                        </a:rPr>
-                        <a:t>…</a:t>
-                      </a:r>
-                      <a:endParaRPr lang="vi-VN">
-                        <a:solidFill>
-                          <a:schemeClr val="tx1"/>
-                        </a:solidFill>
-                      </a:endParaRPr>
-                    </a:p>
-                  </a:txBody>
-                  <a:tcPr>
-                    <a:lnL w="12700" cap="flat" cmpd="sng" algn="ctr">
-                      <a:solidFill>
-                        <a:schemeClr val="tx1"/>
-                      </a:solidFill>
-                      <a:prstDash val="solid"/>
-                      <a:round/>
-                      <a:headEnd type="none" w="med" len="med"/>
-                      <a:tailEnd type="none" w="med" len="med"/>
-                    </a:lnL>
-                    <a:lnR w="12700" cap="flat" cmpd="sng" algn="ctr">
-                      <a:solidFill>
-                        <a:schemeClr val="tx1"/>
-                      </a:solidFill>
-                      <a:prstDash val="solid"/>
-                      <a:round/>
-                      <a:headEnd type="none" w="med" len="med"/>
-                      <a:tailEnd type="none" w="med" len="med"/>
-                    </a:lnR>
-                    <a:lnT w="12700" cap="flat" cmpd="sng" algn="ctr">
-                      <a:solidFill>
-                        <a:schemeClr val="tx1"/>
-                      </a:solidFill>
-                      <a:prstDash val="solid"/>
-                      <a:round/>
-                      <a:headEnd type="none" w="med" len="med"/>
-                      <a:tailEnd type="none" w="med" len="med"/>
-                    </a:lnT>
-                    <a:lnB w="12700" cap="flat" cmpd="sng" algn="ctr">
-                      <a:solidFill>
-                        <a:schemeClr val="tx1"/>
-                      </a:solidFill>
-                      <a:prstDash val="solid"/>
-                      <a:round/>
-                      <a:headEnd type="none" w="med" len="med"/>
-                      <a:tailEnd type="none" w="med" len="med"/>
-                    </a:lnB>
-                    <a:noFill/>
-                  </a:tcPr>
-                </a:tc>
-                <a:extLst>
-                  <a:ext uri="{0D108BD9-81ED-4DB2-BD59-A6C34878D82A}">
-                    <a16:rowId xmlns:a16="http://schemas.microsoft.com/office/drawing/2014/main" val="2652804478"/>
-                  </a:ext>
-                </a:extLst>
-              </a:tr>
-            </a:tbl>
-          </a:graphicData>
-        </a:graphic>
-      </p:graphicFrame>
-      <p:graphicFrame>
-        <p:nvGraphicFramePr>
-          <p:cNvPr id="55" name="Bảng 3">
-            <a:extLst>
-              <a:ext uri="{FF2B5EF4-FFF2-40B4-BE49-F238E27FC236}">
-                <a16:creationId xmlns:a16="http://schemas.microsoft.com/office/drawing/2014/main" id="{66E37E75-46E2-4E91-AFDE-5989EEF379C9}"/>
-              </a:ext>
-            </a:extLst>
-          </p:cNvPr>
-          <p:cNvGraphicFramePr>
-            <a:graphicFrameLocks noGrp="1"/>
-          </p:cNvGraphicFramePr>
-          <p:nvPr>
-            <p:extLst>
-              <p:ext uri="{D42A27DB-BD31-4B8C-83A1-F6EECF244321}">
-                <p14:modId xmlns:p14="http://schemas.microsoft.com/office/powerpoint/2010/main" val="2881103424"/>
-              </p:ext>
-            </p:extLst>
-          </p:nvPr>
-        </p:nvGraphicFramePr>
-        <p:xfrm>
-          <a:off x="8452136" y="1490932"/>
-          <a:ext cx="1655503" cy="1097280"/>
-        </p:xfrm>
-        <a:graphic>
-          <a:graphicData uri="http://schemas.openxmlformats.org/drawingml/2006/table">
-            <a:tbl>
-              <a:tblPr firstRow="1" bandRow="1">
-                <a:tableStyleId>{5C22544A-7EE6-4342-B048-85BDC9FD1C3A}</a:tableStyleId>
-              </a:tblPr>
-              <a:tblGrid>
-                <a:gridCol w="1655503">
-                  <a:extLst>
-                    <a:ext uri="{9D8B030D-6E8A-4147-A177-3AD203B41FA5}">
-                      <a16:colId xmlns:a16="http://schemas.microsoft.com/office/drawing/2014/main" val="2414103788"/>
-                    </a:ext>
-                  </a:extLst>
-                </a:gridCol>
-              </a:tblGrid>
-              <a:tr h="0">
-                <a:tc>
-                  <a:txBody>
-                    <a:bodyPr/>
-                    <a:lstStyle/>
-                    <a:p>
-                      <a:r>
-                        <a:rPr lang="en-US">
-                          <a:solidFill>
-                            <a:schemeClr val="tx1"/>
-                          </a:solidFill>
-                        </a:rPr>
-                        <a:t>DETAIL_BILL</a:t>
-                      </a:r>
-                      <a:endParaRPr lang="vi-VN">
-                        <a:solidFill>
-                          <a:schemeClr val="tx1"/>
-                        </a:solidFill>
-                      </a:endParaRPr>
-                    </a:p>
-                  </a:txBody>
-                  <a:tcPr>
-                    <a:lnL w="12700" cap="flat" cmpd="sng" algn="ctr">
-                      <a:solidFill>
-                        <a:schemeClr val="tx1"/>
-                      </a:solidFill>
-                      <a:prstDash val="solid"/>
-                      <a:round/>
-                      <a:headEnd type="none" w="med" len="med"/>
-                      <a:tailEnd type="none" w="med" len="med"/>
-                    </a:lnL>
-                    <a:lnR w="12700" cap="flat" cmpd="sng" algn="ctr">
-                      <a:solidFill>
-                        <a:schemeClr val="tx1"/>
-                      </a:solidFill>
-                      <a:prstDash val="solid"/>
-                      <a:round/>
-                      <a:headEnd type="none" w="med" len="med"/>
-                      <a:tailEnd type="none" w="med" len="med"/>
-                    </a:lnR>
-                    <a:lnT w="12700" cap="flat" cmpd="sng" algn="ctr">
-                      <a:solidFill>
-                        <a:schemeClr val="tx1"/>
-                      </a:solidFill>
-                      <a:prstDash val="solid"/>
-                      <a:round/>
-                      <a:headEnd type="none" w="med" len="med"/>
-                      <a:tailEnd type="none" w="med" len="med"/>
-                    </a:lnT>
-                    <a:lnB w="12700" cap="flat" cmpd="sng" algn="ctr">
-                      <a:solidFill>
-                        <a:schemeClr val="tx1"/>
-                      </a:solidFill>
-                      <a:prstDash val="solid"/>
-                      <a:round/>
-                      <a:headEnd type="none" w="med" len="med"/>
-                      <a:tailEnd type="none" w="med" len="med"/>
-                    </a:lnB>
-                    <a:noFill/>
-                  </a:tcPr>
-                </a:tc>
-                <a:extLst>
-                  <a:ext uri="{0D108BD9-81ED-4DB2-BD59-A6C34878D82A}">
-                    <a16:rowId xmlns:a16="http://schemas.microsoft.com/office/drawing/2014/main" val="18368608"/>
-                  </a:ext>
-                </a:extLst>
-              </a:tr>
-              <a:tr h="0">
-                <a:tc>
-                  <a:txBody>
-                    <a:bodyPr/>
-                    <a:lstStyle/>
-                    <a:p>
-                      <a:endParaRPr lang="vi-VN">
-                        <a:solidFill>
-                          <a:schemeClr val="tx1"/>
-                        </a:solidFill>
-                      </a:endParaRPr>
-                    </a:p>
-                  </a:txBody>
-                  <a:tcPr>
-                    <a:lnL w="12700" cap="flat" cmpd="sng" algn="ctr">
-                      <a:solidFill>
-                        <a:schemeClr val="tx1"/>
-                      </a:solidFill>
-                      <a:prstDash val="solid"/>
-                      <a:round/>
-                      <a:headEnd type="none" w="med" len="med"/>
-                      <a:tailEnd type="none" w="med" len="med"/>
-                    </a:lnL>
-                    <a:lnR w="12700" cap="flat" cmpd="sng" algn="ctr">
-                      <a:solidFill>
-                        <a:schemeClr val="tx1"/>
-                      </a:solidFill>
-                      <a:prstDash val="solid"/>
-                      <a:round/>
-                      <a:headEnd type="none" w="med" len="med"/>
-                      <a:tailEnd type="none" w="med" len="med"/>
-                    </a:lnR>
-                    <a:lnT w="12700" cap="flat" cmpd="sng" algn="ctr">
-                      <a:solidFill>
-                        <a:schemeClr val="tx1"/>
-                      </a:solidFill>
-                      <a:prstDash val="solid"/>
-                      <a:round/>
-                      <a:headEnd type="none" w="med" len="med"/>
-                      <a:tailEnd type="none" w="med" len="med"/>
-                    </a:lnT>
-                    <a:lnB w="12700" cap="flat" cmpd="sng" algn="ctr">
-                      <a:solidFill>
-                        <a:schemeClr val="tx1"/>
-                      </a:solidFill>
-                      <a:prstDash val="solid"/>
-                      <a:round/>
-                      <a:headEnd type="none" w="med" len="med"/>
-                      <a:tailEnd type="none" w="med" len="med"/>
-                    </a:lnB>
-                    <a:noFill/>
-                  </a:tcPr>
-                </a:tc>
-                <a:extLst>
-                  <a:ext uri="{0D108BD9-81ED-4DB2-BD59-A6C34878D82A}">
-                    <a16:rowId xmlns:a16="http://schemas.microsoft.com/office/drawing/2014/main" val="2369838159"/>
-                  </a:ext>
-                </a:extLst>
-              </a:tr>
-              <a:tr h="0">
-                <a:tc>
-                  <a:txBody>
-                    <a:bodyPr/>
-                    <a:lstStyle/>
-                    <a:p>
-                      <a:r>
-                        <a:rPr lang="en-US">
-                          <a:solidFill>
-                            <a:schemeClr val="tx1"/>
-                          </a:solidFill>
-                        </a:rPr>
-                        <a:t>…</a:t>
-                      </a:r>
-                      <a:endParaRPr lang="vi-VN">
-                        <a:solidFill>
-                          <a:schemeClr val="tx1"/>
-                        </a:solidFill>
-                      </a:endParaRPr>
-                    </a:p>
-                  </a:txBody>
-                  <a:tcPr>
-                    <a:lnL w="12700" cap="flat" cmpd="sng" algn="ctr">
-                      <a:solidFill>
-                        <a:schemeClr val="tx1"/>
-                      </a:solidFill>
-                      <a:prstDash val="solid"/>
-                      <a:round/>
-                      <a:headEnd type="none" w="med" len="med"/>
-                      <a:tailEnd type="none" w="med" len="med"/>
-                    </a:lnL>
-                    <a:lnR w="12700" cap="flat" cmpd="sng" algn="ctr">
-                      <a:solidFill>
-                        <a:schemeClr val="tx1"/>
-                      </a:solidFill>
-                      <a:prstDash val="solid"/>
-                      <a:round/>
-                      <a:headEnd type="none" w="med" len="med"/>
-                      <a:tailEnd type="none" w="med" len="med"/>
-                    </a:lnR>
-                    <a:lnT w="12700" cap="flat" cmpd="sng" algn="ctr">
-                      <a:solidFill>
-                        <a:schemeClr val="tx1"/>
-                      </a:solidFill>
-                      <a:prstDash val="solid"/>
-                      <a:round/>
-                      <a:headEnd type="none" w="med" len="med"/>
-                      <a:tailEnd type="none" w="med" len="med"/>
-                    </a:lnT>
-                    <a:lnB w="12700" cap="flat" cmpd="sng" algn="ctr">
-                      <a:solidFill>
-                        <a:schemeClr val="tx1"/>
-                      </a:solidFill>
-                      <a:prstDash val="solid"/>
-                      <a:round/>
-                      <a:headEnd type="none" w="med" len="med"/>
-                      <a:tailEnd type="none" w="med" len="med"/>
-                    </a:lnB>
-                    <a:noFill/>
-                  </a:tcPr>
-                </a:tc>
-                <a:extLst>
-                  <a:ext uri="{0D108BD9-81ED-4DB2-BD59-A6C34878D82A}">
-                    <a16:rowId xmlns:a16="http://schemas.microsoft.com/office/drawing/2014/main" val="786058124"/>
-                  </a:ext>
-                </a:extLst>
-              </a:tr>
-            </a:tbl>
-          </a:graphicData>
-        </a:graphic>
-      </p:graphicFrame>
-      <p:graphicFrame>
-        <p:nvGraphicFramePr>
-          <p:cNvPr id="57" name="Bảng 3">
-            <a:extLst>
-              <a:ext uri="{FF2B5EF4-FFF2-40B4-BE49-F238E27FC236}">
-                <a16:creationId xmlns:a16="http://schemas.microsoft.com/office/drawing/2014/main" id="{B5AC7339-C85D-4326-8F3A-C1AC24658E44}"/>
-              </a:ext>
-            </a:extLst>
-          </p:cNvPr>
-          <p:cNvGraphicFramePr>
-            <a:graphicFrameLocks noGrp="1"/>
-          </p:cNvGraphicFramePr>
-          <p:nvPr>
-            <p:extLst>
-              <p:ext uri="{D42A27DB-BD31-4B8C-83A1-F6EECF244321}">
-                <p14:modId xmlns:p14="http://schemas.microsoft.com/office/powerpoint/2010/main" val="1176590869"/>
-              </p:ext>
-            </p:extLst>
-          </p:nvPr>
-        </p:nvGraphicFramePr>
-        <p:xfrm>
-          <a:off x="8953258" y="3429000"/>
-          <a:ext cx="2042363" cy="2225040"/>
-        </p:xfrm>
-        <a:graphic>
-          <a:graphicData uri="http://schemas.openxmlformats.org/drawingml/2006/table">
-            <a:tbl>
-              <a:tblPr firstRow="1" bandRow="1">
-                <a:tableStyleId>{5C22544A-7EE6-4342-B048-85BDC9FD1C3A}</a:tableStyleId>
-              </a:tblPr>
-              <a:tblGrid>
-                <a:gridCol w="2042363">
-                  <a:extLst>
-                    <a:ext uri="{9D8B030D-6E8A-4147-A177-3AD203B41FA5}">
-                      <a16:colId xmlns:a16="http://schemas.microsoft.com/office/drawing/2014/main" val="2414103788"/>
-                    </a:ext>
-                  </a:extLst>
-                </a:gridCol>
-              </a:tblGrid>
-              <a:tr h="370840">
-                <a:tc>
-                  <a:txBody>
-                    <a:bodyPr/>
-                    <a:lstStyle/>
-                    <a:p>
-                      <a:r>
-                        <a:rPr lang="en-US">
-                          <a:solidFill>
-                            <a:schemeClr val="tx1"/>
-                          </a:solidFill>
-                        </a:rPr>
-                        <a:t>ITEM</a:t>
-                      </a:r>
-                      <a:endParaRPr lang="vi-VN">
-                        <a:solidFill>
-                          <a:schemeClr val="tx1"/>
-                        </a:solidFill>
-                      </a:endParaRPr>
-                    </a:p>
-                  </a:txBody>
-                  <a:tcPr>
-                    <a:lnL w="12700" cap="flat" cmpd="sng" algn="ctr">
-                      <a:solidFill>
-                        <a:schemeClr val="tx1"/>
-                      </a:solidFill>
-                      <a:prstDash val="solid"/>
-                      <a:round/>
-                      <a:headEnd type="none" w="med" len="med"/>
-                      <a:tailEnd type="none" w="med" len="med"/>
-                    </a:lnL>
-                    <a:lnR w="12700" cap="flat" cmpd="sng" algn="ctr">
-                      <a:solidFill>
-                        <a:schemeClr val="tx1"/>
-                      </a:solidFill>
-                      <a:prstDash val="solid"/>
-                      <a:round/>
-                      <a:headEnd type="none" w="med" len="med"/>
-                      <a:tailEnd type="none" w="med" len="med"/>
-                    </a:lnR>
-                    <a:lnT w="12700" cap="flat" cmpd="sng" algn="ctr">
-                      <a:solidFill>
-                        <a:schemeClr val="tx1"/>
-                      </a:solidFill>
-                      <a:prstDash val="solid"/>
-                      <a:round/>
-                      <a:headEnd type="none" w="med" len="med"/>
-                      <a:tailEnd type="none" w="med" len="med"/>
-                    </a:lnT>
-                    <a:lnB w="12700" cap="flat" cmpd="sng" algn="ctr">
-                      <a:solidFill>
-                        <a:schemeClr val="tx1"/>
-                      </a:solidFill>
-                      <a:prstDash val="solid"/>
-                      <a:round/>
-                      <a:headEnd type="none" w="med" len="med"/>
-                      <a:tailEnd type="none" w="med" len="med"/>
-                    </a:lnB>
-                    <a:noFill/>
-                  </a:tcPr>
-                </a:tc>
-                <a:extLst>
-                  <a:ext uri="{0D108BD9-81ED-4DB2-BD59-A6C34878D82A}">
-                    <a16:rowId xmlns:a16="http://schemas.microsoft.com/office/drawing/2014/main" val="18368608"/>
-                  </a:ext>
-                </a:extLst>
-              </a:tr>
-              <a:tr h="1483360">
-                <a:tc>
-                  <a:txBody>
-                    <a:bodyPr/>
-                    <a:lstStyle/>
-                    <a:p>
-                      <a:r>
-                        <a:rPr lang="en-US">
-                          <a:solidFill>
-                            <a:schemeClr val="tx1"/>
-                          </a:solidFill>
-                        </a:rPr>
-                        <a:t>Name</a:t>
-                      </a:r>
-                    </a:p>
-                    <a:p>
-                      <a:r>
-                        <a:rPr lang="en-US">
-                          <a:solidFill>
-                            <a:schemeClr val="tx1"/>
-                          </a:solidFill>
-                        </a:rPr>
-                        <a:t>Price</a:t>
-                      </a:r>
-                    </a:p>
-                    <a:p>
-                      <a:r>
-                        <a:rPr lang="en-US">
-                          <a:solidFill>
-                            <a:schemeClr val="tx1"/>
-                          </a:solidFill>
-                        </a:rPr>
-                        <a:t>Type</a:t>
-                      </a:r>
-                      <a:endParaRPr lang="vi-VN">
-                        <a:solidFill>
-                          <a:schemeClr val="tx1"/>
-                        </a:solidFill>
-                      </a:endParaRPr>
-                    </a:p>
-                  </a:txBody>
-                  <a:tcPr>
-                    <a:lnL w="12700" cap="flat" cmpd="sng" algn="ctr">
-                      <a:solidFill>
-                        <a:schemeClr val="tx1"/>
-                      </a:solidFill>
-                      <a:prstDash val="solid"/>
-                      <a:round/>
-                      <a:headEnd type="none" w="med" len="med"/>
-                      <a:tailEnd type="none" w="med" len="med"/>
-                    </a:lnL>
-                    <a:lnR w="12700" cap="flat" cmpd="sng" algn="ctr">
-                      <a:solidFill>
-                        <a:schemeClr val="tx1"/>
-                      </a:solidFill>
-                      <a:prstDash val="solid"/>
-                      <a:round/>
-                      <a:headEnd type="none" w="med" len="med"/>
-                      <a:tailEnd type="none" w="med" len="med"/>
-                    </a:lnR>
-                    <a:lnT w="12700" cap="flat" cmpd="sng" algn="ctr">
-                      <a:solidFill>
-                        <a:schemeClr val="tx1"/>
-                      </a:solidFill>
-                      <a:prstDash val="solid"/>
-                      <a:round/>
-                      <a:headEnd type="none" w="med" len="med"/>
-                      <a:tailEnd type="none" w="med" len="med"/>
-                    </a:lnT>
-                    <a:lnB w="12700" cap="flat" cmpd="sng" algn="ctr">
-                      <a:solidFill>
-                        <a:schemeClr val="tx1"/>
-                      </a:solidFill>
-                      <a:prstDash val="solid"/>
-                      <a:round/>
-                      <a:headEnd type="none" w="med" len="med"/>
-                      <a:tailEnd type="none" w="med" len="med"/>
-                    </a:lnB>
-                    <a:noFill/>
-                  </a:tcPr>
-                </a:tc>
-                <a:extLst>
-                  <a:ext uri="{0D108BD9-81ED-4DB2-BD59-A6C34878D82A}">
-                    <a16:rowId xmlns:a16="http://schemas.microsoft.com/office/drawing/2014/main" val="2369838159"/>
-                  </a:ext>
-                </a:extLst>
-              </a:tr>
-              <a:tr h="370840">
-                <a:tc>
-                  <a:txBody>
-                    <a:bodyPr/>
-                    <a:lstStyle/>
-                    <a:p>
-                      <a:r>
-                        <a:rPr lang="en-US">
-                          <a:solidFill>
-                            <a:schemeClr val="tx1"/>
-                          </a:solidFill>
-                        </a:rPr>
-                        <a:t>…</a:t>
-                      </a:r>
-                      <a:endParaRPr lang="vi-VN">
-                        <a:solidFill>
-                          <a:schemeClr val="tx1"/>
-                        </a:solidFill>
-                      </a:endParaRPr>
-                    </a:p>
-                  </a:txBody>
-                  <a:tcPr>
-                    <a:lnL w="12700" cap="flat" cmpd="sng" algn="ctr">
-                      <a:solidFill>
-                        <a:schemeClr val="tx1"/>
-                      </a:solidFill>
-                      <a:prstDash val="solid"/>
-                      <a:round/>
-                      <a:headEnd type="none" w="med" len="med"/>
-                      <a:tailEnd type="none" w="med" len="med"/>
-                    </a:lnL>
-                    <a:lnR w="12700" cap="flat" cmpd="sng" algn="ctr">
-                      <a:solidFill>
-                        <a:schemeClr val="tx1"/>
-                      </a:solidFill>
-                      <a:prstDash val="solid"/>
-                      <a:round/>
-                      <a:headEnd type="none" w="med" len="med"/>
-                      <a:tailEnd type="none" w="med" len="med"/>
-                    </a:lnR>
-                    <a:lnT w="12700" cap="flat" cmpd="sng" algn="ctr">
-                      <a:solidFill>
-                        <a:schemeClr val="tx1"/>
-                      </a:solidFill>
-                      <a:prstDash val="solid"/>
-                      <a:round/>
-                      <a:headEnd type="none" w="med" len="med"/>
-                      <a:tailEnd type="none" w="med" len="med"/>
-                    </a:lnT>
-                    <a:lnB w="12700" cap="flat" cmpd="sng" algn="ctr">
-                      <a:solidFill>
-                        <a:schemeClr val="tx1"/>
-                      </a:solidFill>
-                      <a:prstDash val="solid"/>
-                      <a:round/>
-                      <a:headEnd type="none" w="med" len="med"/>
-                      <a:tailEnd type="none" w="med" len="med"/>
-                    </a:lnB>
-                    <a:noFill/>
-                  </a:tcPr>
-                </a:tc>
-                <a:extLst>
-                  <a:ext uri="{0D108BD9-81ED-4DB2-BD59-A6C34878D82A}">
-                    <a16:rowId xmlns:a16="http://schemas.microsoft.com/office/drawing/2014/main" val="3104079891"/>
-                  </a:ext>
-                </a:extLst>
-              </a:tr>
-            </a:tbl>
-          </a:graphicData>
-        </a:graphic>
-      </p:graphicFrame>
-      <p:sp>
-        <p:nvSpPr>
-          <p:cNvPr id="59" name="Hộp Văn bản 58">
-            <a:extLst>
-              <a:ext uri="{FF2B5EF4-FFF2-40B4-BE49-F238E27FC236}">
-                <a16:creationId xmlns:a16="http://schemas.microsoft.com/office/drawing/2014/main" id="{1E90D6B3-A249-4EFD-B9C7-125ABFFC2327}"/>
-              </a:ext>
-            </a:extLst>
-          </p:cNvPr>
-          <p:cNvSpPr txBox="1"/>
-          <p:nvPr/>
-        </p:nvSpPr>
-        <p:spPr>
-          <a:xfrm>
-            <a:off x="6527409" y="1027906"/>
-            <a:ext cx="1365369" cy="369332"/>
-          </a:xfrm>
-          <a:prstGeom prst="rect">
-            <a:avLst/>
-          </a:prstGeom>
-          <a:noFill/>
-        </p:spPr>
-        <p:txBody>
-          <a:bodyPr wrap="square" rtlCol="0">
-            <a:spAutoFit/>
-          </a:bodyPr>
-          <a:lstStyle/>
-          <a:p>
-            <a:r>
-              <a:rPr lang="en-US"/>
-              <a:t>Class name</a:t>
-            </a:r>
-            <a:endParaRPr lang="vi-VN"/>
-          </a:p>
-        </p:txBody>
-      </p:sp>
-      <p:cxnSp>
-        <p:nvCxnSpPr>
-          <p:cNvPr id="61" name="Đường kết nối Mũi tên Thẳng 60">
-            <a:extLst>
-              <a:ext uri="{FF2B5EF4-FFF2-40B4-BE49-F238E27FC236}">
-                <a16:creationId xmlns:a16="http://schemas.microsoft.com/office/drawing/2014/main" id="{CF08543F-7B06-4B72-B6E8-82899057C36E}"/>
-              </a:ext>
-            </a:extLst>
-          </p:cNvPr>
-          <p:cNvCxnSpPr>
-            <a:cxnSpLocks/>
-          </p:cNvCxnSpPr>
-          <p:nvPr/>
-        </p:nvCxnSpPr>
-        <p:spPr>
-          <a:xfrm flipH="1">
-            <a:off x="6260123" y="1438942"/>
-            <a:ext cx="499302" cy="421322"/>
-          </a:xfrm>
-          <a:prstGeom prst="straightConnector1">
-            <a:avLst/>
-          </a:prstGeom>
-          <a:ln>
-            <a:tailEnd type="triangle"/>
-          </a:ln>
-        </p:spPr>
-        <p:style>
-          <a:lnRef idx="1">
-            <a:schemeClr val="dk1"/>
-          </a:lnRef>
-          <a:fillRef idx="0">
-            <a:schemeClr val="dk1"/>
-          </a:fillRef>
-          <a:effectRef idx="0">
-            <a:schemeClr val="dk1"/>
-          </a:effectRef>
-          <a:fontRef idx="minor">
-            <a:schemeClr val="tx1"/>
-          </a:fontRef>
-        </p:style>
-      </p:cxnSp>
-      <p:sp>
-        <p:nvSpPr>
-          <p:cNvPr id="87" name="Hộp Văn bản 86">
-            <a:extLst>
-              <a:ext uri="{FF2B5EF4-FFF2-40B4-BE49-F238E27FC236}">
-                <a16:creationId xmlns:a16="http://schemas.microsoft.com/office/drawing/2014/main" id="{49D30896-71A3-46F5-9638-F77220B9AF54}"/>
-              </a:ext>
-            </a:extLst>
-          </p:cNvPr>
-          <p:cNvSpPr txBox="1"/>
-          <p:nvPr/>
-        </p:nvSpPr>
-        <p:spPr>
-          <a:xfrm>
-            <a:off x="6992947" y="1675598"/>
-            <a:ext cx="1365369" cy="369332"/>
-          </a:xfrm>
-          <a:prstGeom prst="rect">
-            <a:avLst/>
-          </a:prstGeom>
-          <a:noFill/>
-        </p:spPr>
-        <p:txBody>
-          <a:bodyPr wrap="square" rtlCol="0">
-            <a:spAutoFit/>
-          </a:bodyPr>
-          <a:lstStyle/>
-          <a:p>
-            <a:r>
-              <a:rPr lang="en-US"/>
-              <a:t>Attribute</a:t>
-            </a:r>
-            <a:endParaRPr lang="vi-VN"/>
-          </a:p>
-        </p:txBody>
-      </p:sp>
-      <p:cxnSp>
-        <p:nvCxnSpPr>
-          <p:cNvPr id="89" name="Đường kết nối Mũi tên Thẳng 88">
-            <a:extLst>
-              <a:ext uri="{FF2B5EF4-FFF2-40B4-BE49-F238E27FC236}">
-                <a16:creationId xmlns:a16="http://schemas.microsoft.com/office/drawing/2014/main" id="{1D2A387F-CA64-4F96-88F1-FF0E0EED946F}"/>
-              </a:ext>
-            </a:extLst>
-          </p:cNvPr>
-          <p:cNvCxnSpPr>
-            <a:cxnSpLocks/>
-          </p:cNvCxnSpPr>
-          <p:nvPr/>
-        </p:nvCxnSpPr>
-        <p:spPr>
-          <a:xfrm flipH="1">
-            <a:off x="6481468" y="2030429"/>
-            <a:ext cx="499302" cy="421322"/>
-          </a:xfrm>
-          <a:prstGeom prst="straightConnector1">
-            <a:avLst/>
-          </a:prstGeom>
-          <a:ln>
-            <a:tailEnd type="triangle"/>
-          </a:ln>
-        </p:spPr>
-        <p:style>
-          <a:lnRef idx="1">
-            <a:schemeClr val="dk1"/>
-          </a:lnRef>
-          <a:fillRef idx="0">
-            <a:schemeClr val="dk1"/>
-          </a:fillRef>
-          <a:effectRef idx="0">
-            <a:schemeClr val="dk1"/>
-          </a:effectRef>
-          <a:fontRef idx="minor">
-            <a:schemeClr val="tx1"/>
-          </a:fontRef>
-        </p:style>
-      </p:cxnSp>
-      <p:sp>
-        <p:nvSpPr>
-          <p:cNvPr id="90" name="Hộp Văn bản 89">
-            <a:extLst>
-              <a:ext uri="{FF2B5EF4-FFF2-40B4-BE49-F238E27FC236}">
-                <a16:creationId xmlns:a16="http://schemas.microsoft.com/office/drawing/2014/main" id="{5FD4EBC8-A48B-4EF7-96DF-92E93FEEE9FC}"/>
-              </a:ext>
-            </a:extLst>
-          </p:cNvPr>
-          <p:cNvSpPr txBox="1"/>
-          <p:nvPr/>
-        </p:nvSpPr>
-        <p:spPr>
-          <a:xfrm>
-            <a:off x="6790628" y="2354065"/>
-            <a:ext cx="1196379" cy="369332"/>
-          </a:xfrm>
-          <a:prstGeom prst="rect">
-            <a:avLst/>
-          </a:prstGeom>
-          <a:noFill/>
-        </p:spPr>
-        <p:txBody>
-          <a:bodyPr wrap="square" rtlCol="0">
-            <a:spAutoFit/>
-          </a:bodyPr>
-          <a:lstStyle/>
-          <a:p>
-            <a:r>
-              <a:rPr lang="en-US"/>
-              <a:t>Method</a:t>
-            </a:r>
-            <a:endParaRPr lang="vi-VN"/>
-          </a:p>
-        </p:txBody>
-      </p:sp>
-      <p:cxnSp>
-        <p:nvCxnSpPr>
-          <p:cNvPr id="91" name="Đường kết nối Mũi tên Thẳng 90">
-            <a:extLst>
-              <a:ext uri="{FF2B5EF4-FFF2-40B4-BE49-F238E27FC236}">
-                <a16:creationId xmlns:a16="http://schemas.microsoft.com/office/drawing/2014/main" id="{81CE167F-A203-4B03-A9E3-CB582D263522}"/>
-              </a:ext>
-            </a:extLst>
-          </p:cNvPr>
-          <p:cNvCxnSpPr>
-            <a:cxnSpLocks/>
-          </p:cNvCxnSpPr>
-          <p:nvPr/>
-        </p:nvCxnSpPr>
-        <p:spPr>
-          <a:xfrm flipH="1">
-            <a:off x="6618177" y="2708896"/>
-            <a:ext cx="499302" cy="421322"/>
-          </a:xfrm>
-          <a:prstGeom prst="straightConnector1">
-            <a:avLst/>
-          </a:prstGeom>
-          <a:ln>
-            <a:tailEnd type="triangle"/>
-          </a:ln>
-        </p:spPr>
-        <p:style>
-          <a:lnRef idx="1">
-            <a:schemeClr val="dk1"/>
-          </a:lnRef>
-          <a:fillRef idx="0">
-            <a:schemeClr val="dk1"/>
-          </a:fillRef>
-          <a:effectRef idx="0">
-            <a:schemeClr val="dk1"/>
-          </a:effectRef>
-          <a:fontRef idx="minor">
-            <a:schemeClr val="tx1"/>
-          </a:fontRef>
-        </p:style>
-      </p:cxnSp>
-      <p:cxnSp>
-        <p:nvCxnSpPr>
-          <p:cNvPr id="64" name="Đường nối Thẳng 63">
-            <a:extLst>
-              <a:ext uri="{FF2B5EF4-FFF2-40B4-BE49-F238E27FC236}">
-                <a16:creationId xmlns:a16="http://schemas.microsoft.com/office/drawing/2014/main" id="{C63F253C-9450-454B-AF05-76B855F9F328}"/>
-              </a:ext>
-            </a:extLst>
-          </p:cNvPr>
-          <p:cNvCxnSpPr>
-            <a:cxnSpLocks/>
-            <a:endCxn id="3" idx="3"/>
-          </p:cNvCxnSpPr>
-          <p:nvPr/>
-        </p:nvCxnSpPr>
-        <p:spPr>
-          <a:xfrm flipH="1">
-            <a:off x="3108960" y="2044930"/>
-            <a:ext cx="1994962" cy="449350"/>
-          </a:xfrm>
-          <a:prstGeom prst="line">
-            <a:avLst/>
-          </a:prstGeom>
-          <a:ln>
-            <a:solidFill>
-              <a:schemeClr val="tx1"/>
-            </a:solidFill>
-          </a:ln>
-        </p:spPr>
-        <p:style>
-          <a:lnRef idx="1">
-            <a:schemeClr val="accent1"/>
-          </a:lnRef>
-          <a:fillRef idx="0">
-            <a:schemeClr val="accent1"/>
-          </a:fillRef>
-          <a:effectRef idx="0">
-            <a:schemeClr val="accent1"/>
-          </a:effectRef>
-          <a:fontRef idx="minor">
-            <a:schemeClr val="tx1"/>
-          </a:fontRef>
-        </p:style>
-      </p:cxnSp>
-      <p:sp>
-        <p:nvSpPr>
-          <p:cNvPr id="93" name="Hộp Văn bản 92">
-            <a:extLst>
-              <a:ext uri="{FF2B5EF4-FFF2-40B4-BE49-F238E27FC236}">
-                <a16:creationId xmlns:a16="http://schemas.microsoft.com/office/drawing/2014/main" id="{AECC5605-64DC-4406-88AD-4B0BE8DE43F6}"/>
-              </a:ext>
-            </a:extLst>
-          </p:cNvPr>
-          <p:cNvSpPr txBox="1"/>
-          <p:nvPr/>
-        </p:nvSpPr>
-        <p:spPr>
-          <a:xfrm>
-            <a:off x="3380499" y="1605312"/>
-            <a:ext cx="1365369" cy="369332"/>
-          </a:xfrm>
-          <a:prstGeom prst="rect">
-            <a:avLst/>
-          </a:prstGeom>
-          <a:noFill/>
-        </p:spPr>
-        <p:txBody>
-          <a:bodyPr wrap="square" rtlCol="0">
-            <a:spAutoFit/>
-          </a:bodyPr>
-          <a:lstStyle/>
-          <a:p>
-            <a:r>
-              <a:rPr lang="en-US"/>
-              <a:t>Composition</a:t>
-            </a:r>
-            <a:endParaRPr lang="vi-VN"/>
-          </a:p>
-        </p:txBody>
-      </p:sp>
-      <p:cxnSp>
-        <p:nvCxnSpPr>
-          <p:cNvPr id="96" name="Đường kết nối Mũi tên Thẳng 95">
-            <a:extLst>
-              <a:ext uri="{FF2B5EF4-FFF2-40B4-BE49-F238E27FC236}">
-                <a16:creationId xmlns:a16="http://schemas.microsoft.com/office/drawing/2014/main" id="{09875B4F-1D70-4E1F-BF3A-8ABD15C5ABD3}"/>
-              </a:ext>
-            </a:extLst>
-          </p:cNvPr>
-          <p:cNvCxnSpPr>
-            <a:cxnSpLocks/>
-          </p:cNvCxnSpPr>
-          <p:nvPr/>
-        </p:nvCxnSpPr>
-        <p:spPr>
-          <a:xfrm>
-            <a:off x="3763380" y="2058648"/>
-            <a:ext cx="238477" cy="270238"/>
-          </a:xfrm>
-          <a:prstGeom prst="straightConnector1">
-            <a:avLst/>
-          </a:prstGeom>
-          <a:ln>
-            <a:tailEnd type="triangle"/>
-          </a:ln>
-        </p:spPr>
-        <p:style>
-          <a:lnRef idx="1">
-            <a:schemeClr val="dk1"/>
-          </a:lnRef>
-          <a:fillRef idx="0">
-            <a:schemeClr val="dk1"/>
-          </a:fillRef>
-          <a:effectRef idx="0">
-            <a:schemeClr val="dk1"/>
-          </a:effectRef>
-          <a:fontRef idx="minor">
-            <a:schemeClr val="tx1"/>
-          </a:fontRef>
-        </p:style>
-      </p:cxnSp>
-      <p:cxnSp>
-        <p:nvCxnSpPr>
-          <p:cNvPr id="98" name="Đường nối Thẳng 97">
-            <a:extLst>
-              <a:ext uri="{FF2B5EF4-FFF2-40B4-BE49-F238E27FC236}">
-                <a16:creationId xmlns:a16="http://schemas.microsoft.com/office/drawing/2014/main" id="{30889BF5-5EFC-42C5-8697-443893F926A7}"/>
-              </a:ext>
-            </a:extLst>
-          </p:cNvPr>
-          <p:cNvCxnSpPr>
-            <a:cxnSpLocks/>
-          </p:cNvCxnSpPr>
-          <p:nvPr/>
-        </p:nvCxnSpPr>
-        <p:spPr>
-          <a:xfrm>
-            <a:off x="8461220" y="2349549"/>
-            <a:ext cx="492038" cy="1645920"/>
-          </a:xfrm>
-          <a:prstGeom prst="line">
-            <a:avLst/>
-          </a:prstGeom>
-          <a:ln>
-            <a:solidFill>
-              <a:schemeClr val="tx1"/>
-            </a:solidFill>
-          </a:ln>
-        </p:spPr>
-        <p:style>
-          <a:lnRef idx="1">
-            <a:schemeClr val="accent1"/>
-          </a:lnRef>
-          <a:fillRef idx="0">
-            <a:schemeClr val="accent1"/>
-          </a:fillRef>
-          <a:effectRef idx="0">
-            <a:schemeClr val="accent1"/>
-          </a:effectRef>
-          <a:fontRef idx="minor">
-            <a:schemeClr val="tx1"/>
-          </a:fontRef>
-        </p:style>
-      </p:cxnSp>
-      <p:graphicFrame>
-        <p:nvGraphicFramePr>
-          <p:cNvPr id="101" name="Bảng 3">
-            <a:extLst>
-              <a:ext uri="{FF2B5EF4-FFF2-40B4-BE49-F238E27FC236}">
-                <a16:creationId xmlns:a16="http://schemas.microsoft.com/office/drawing/2014/main" id="{901DDF99-8C0F-4649-B81F-30149E40EE82}"/>
-              </a:ext>
-            </a:extLst>
-          </p:cNvPr>
-          <p:cNvGraphicFramePr>
-            <a:graphicFrameLocks noGrp="1"/>
-          </p:cNvGraphicFramePr>
-          <p:nvPr>
-            <p:extLst>
-              <p:ext uri="{D42A27DB-BD31-4B8C-83A1-F6EECF244321}">
-                <p14:modId xmlns:p14="http://schemas.microsoft.com/office/powerpoint/2010/main" val="2275285528"/>
-              </p:ext>
-            </p:extLst>
-          </p:nvPr>
-        </p:nvGraphicFramePr>
-        <p:xfrm>
-          <a:off x="4244639" y="5274414"/>
-          <a:ext cx="1927477" cy="1097280"/>
-        </p:xfrm>
-        <a:graphic>
-          <a:graphicData uri="http://schemas.openxmlformats.org/drawingml/2006/table">
-            <a:tbl>
-              <a:tblPr firstRow="1" bandRow="1">
-                <a:tableStyleId>{5C22544A-7EE6-4342-B048-85BDC9FD1C3A}</a:tableStyleId>
-              </a:tblPr>
-              <a:tblGrid>
-                <a:gridCol w="1927477">
-                  <a:extLst>
-                    <a:ext uri="{9D8B030D-6E8A-4147-A177-3AD203B41FA5}">
-                      <a16:colId xmlns:a16="http://schemas.microsoft.com/office/drawing/2014/main" val="2414103788"/>
-                    </a:ext>
-                  </a:extLst>
-                </a:gridCol>
-              </a:tblGrid>
-              <a:tr h="0">
-                <a:tc>
-                  <a:txBody>
-                    <a:bodyPr/>
-                    <a:lstStyle/>
-                    <a:p>
-                      <a:r>
-                        <a:rPr lang="en-US">
-                          <a:solidFill>
-                            <a:schemeClr val="tx1"/>
-                          </a:solidFill>
-                        </a:rPr>
-                        <a:t>IMPORT_BILL</a:t>
-                      </a:r>
-                      <a:endParaRPr lang="vi-VN">
-                        <a:solidFill>
-                          <a:schemeClr val="tx1"/>
-                        </a:solidFill>
-                      </a:endParaRPr>
-                    </a:p>
-                  </a:txBody>
-                  <a:tcPr>
-                    <a:lnL w="12700" cap="flat" cmpd="sng" algn="ctr">
-                      <a:solidFill>
-                        <a:schemeClr val="tx1"/>
-                      </a:solidFill>
-                      <a:prstDash val="solid"/>
-                      <a:round/>
-                      <a:headEnd type="none" w="med" len="med"/>
-                      <a:tailEnd type="none" w="med" len="med"/>
-                    </a:lnL>
-                    <a:lnR w="12700" cap="flat" cmpd="sng" algn="ctr">
-                      <a:solidFill>
-                        <a:schemeClr val="tx1"/>
-                      </a:solidFill>
-                      <a:prstDash val="solid"/>
-                      <a:round/>
-                      <a:headEnd type="none" w="med" len="med"/>
-                      <a:tailEnd type="none" w="med" len="med"/>
-                    </a:lnR>
-                    <a:lnT w="12700" cap="flat" cmpd="sng" algn="ctr">
-                      <a:solidFill>
-                        <a:schemeClr val="tx1"/>
-                      </a:solidFill>
-                      <a:prstDash val="solid"/>
-                      <a:round/>
-                      <a:headEnd type="none" w="med" len="med"/>
-                      <a:tailEnd type="none" w="med" len="med"/>
-                    </a:lnT>
-                    <a:lnB w="12700" cap="flat" cmpd="sng" algn="ctr">
-                      <a:solidFill>
-                        <a:schemeClr val="tx1"/>
-                      </a:solidFill>
-                      <a:prstDash val="solid"/>
-                      <a:round/>
-                      <a:headEnd type="none" w="med" len="med"/>
-                      <a:tailEnd type="none" w="med" len="med"/>
-                    </a:lnB>
-                    <a:noFill/>
-                  </a:tcPr>
-                </a:tc>
-                <a:extLst>
-                  <a:ext uri="{0D108BD9-81ED-4DB2-BD59-A6C34878D82A}">
-                    <a16:rowId xmlns:a16="http://schemas.microsoft.com/office/drawing/2014/main" val="18368608"/>
-                  </a:ext>
-                </a:extLst>
-              </a:tr>
-              <a:tr h="0">
-                <a:tc>
-                  <a:txBody>
-                    <a:bodyPr/>
-                    <a:lstStyle/>
-                    <a:p>
-                      <a:r>
-                        <a:rPr lang="en-US">
-                          <a:solidFill>
-                            <a:schemeClr val="tx1"/>
-                          </a:solidFill>
-                        </a:rPr>
-                        <a:t>…</a:t>
-                      </a:r>
-                      <a:endParaRPr lang="vi-VN">
-                        <a:solidFill>
-                          <a:schemeClr val="tx1"/>
-                        </a:solidFill>
-                      </a:endParaRPr>
-                    </a:p>
-                  </a:txBody>
-                  <a:tcPr>
-                    <a:lnL w="12700" cap="flat" cmpd="sng" algn="ctr">
-                      <a:solidFill>
-                        <a:schemeClr val="tx1"/>
-                      </a:solidFill>
-                      <a:prstDash val="solid"/>
-                      <a:round/>
-                      <a:headEnd type="none" w="med" len="med"/>
-                      <a:tailEnd type="none" w="med" len="med"/>
-                    </a:lnL>
-                    <a:lnR w="12700" cap="flat" cmpd="sng" algn="ctr">
-                      <a:solidFill>
-                        <a:schemeClr val="tx1"/>
-                      </a:solidFill>
-                      <a:prstDash val="solid"/>
-                      <a:round/>
-                      <a:headEnd type="none" w="med" len="med"/>
-                      <a:tailEnd type="none" w="med" len="med"/>
-                    </a:lnR>
-                    <a:lnT w="12700" cap="flat" cmpd="sng" algn="ctr">
-                      <a:solidFill>
-                        <a:schemeClr val="tx1"/>
-                      </a:solidFill>
-                      <a:prstDash val="solid"/>
-                      <a:round/>
-                      <a:headEnd type="none" w="med" len="med"/>
-                      <a:tailEnd type="none" w="med" len="med"/>
-                    </a:lnT>
-                    <a:lnB w="12700" cap="flat" cmpd="sng" algn="ctr">
-                      <a:solidFill>
-                        <a:schemeClr val="tx1"/>
-                      </a:solidFill>
-                      <a:prstDash val="solid"/>
-                      <a:round/>
-                      <a:headEnd type="none" w="med" len="med"/>
-                      <a:tailEnd type="none" w="med" len="med"/>
-                    </a:lnB>
-                    <a:noFill/>
-                  </a:tcPr>
-                </a:tc>
-                <a:extLst>
-                  <a:ext uri="{0D108BD9-81ED-4DB2-BD59-A6C34878D82A}">
-                    <a16:rowId xmlns:a16="http://schemas.microsoft.com/office/drawing/2014/main" val="2369838159"/>
-                  </a:ext>
-                </a:extLst>
-              </a:tr>
-              <a:tr h="0">
-                <a:tc>
-                  <a:txBody>
-                    <a:bodyPr/>
-                    <a:lstStyle/>
-                    <a:p>
-                      <a:r>
-                        <a:rPr lang="en-US">
-                          <a:solidFill>
-                            <a:schemeClr val="tx1"/>
-                          </a:solidFill>
-                        </a:rPr>
-                        <a:t>…</a:t>
-                      </a:r>
-                      <a:endParaRPr lang="vi-VN">
-                        <a:solidFill>
-                          <a:schemeClr val="tx1"/>
-                        </a:solidFill>
-                      </a:endParaRPr>
-                    </a:p>
-                  </a:txBody>
-                  <a:tcPr>
-                    <a:lnL w="12700" cap="flat" cmpd="sng" algn="ctr">
-                      <a:solidFill>
-                        <a:schemeClr val="tx1"/>
-                      </a:solidFill>
-                      <a:prstDash val="solid"/>
-                      <a:round/>
-                      <a:headEnd type="none" w="med" len="med"/>
-                      <a:tailEnd type="none" w="med" len="med"/>
-                    </a:lnL>
-                    <a:lnR w="12700" cap="flat" cmpd="sng" algn="ctr">
-                      <a:solidFill>
-                        <a:schemeClr val="tx1"/>
-                      </a:solidFill>
-                      <a:prstDash val="solid"/>
-                      <a:round/>
-                      <a:headEnd type="none" w="med" len="med"/>
-                      <a:tailEnd type="none" w="med" len="med"/>
-                    </a:lnR>
-                    <a:lnT w="12700" cap="flat" cmpd="sng" algn="ctr">
-                      <a:solidFill>
-                        <a:schemeClr val="tx1"/>
-                      </a:solidFill>
-                      <a:prstDash val="solid"/>
-                      <a:round/>
-                      <a:headEnd type="none" w="med" len="med"/>
-                      <a:tailEnd type="none" w="med" len="med"/>
-                    </a:lnT>
-                    <a:lnB w="12700" cap="flat" cmpd="sng" algn="ctr">
-                      <a:solidFill>
-                        <a:schemeClr val="tx1"/>
-                      </a:solidFill>
-                      <a:prstDash val="solid"/>
-                      <a:round/>
-                      <a:headEnd type="none" w="med" len="med"/>
-                      <a:tailEnd type="none" w="med" len="med"/>
-                    </a:lnB>
-                    <a:noFill/>
-                  </a:tcPr>
-                </a:tc>
-                <a:extLst>
-                  <a:ext uri="{0D108BD9-81ED-4DB2-BD59-A6C34878D82A}">
-                    <a16:rowId xmlns:a16="http://schemas.microsoft.com/office/drawing/2014/main" val="2652804478"/>
-                  </a:ext>
-                </a:extLst>
-              </a:tr>
-            </a:tbl>
-          </a:graphicData>
-        </a:graphic>
-      </p:graphicFrame>
-      <p:cxnSp>
-        <p:nvCxnSpPr>
-          <p:cNvPr id="103" name="Đường nối Thẳng 102">
-            <a:extLst>
-              <a:ext uri="{FF2B5EF4-FFF2-40B4-BE49-F238E27FC236}">
-                <a16:creationId xmlns:a16="http://schemas.microsoft.com/office/drawing/2014/main" id="{578653F1-2C82-488F-B2D9-6C34392FF854}"/>
-              </a:ext>
-            </a:extLst>
-          </p:cNvPr>
-          <p:cNvCxnSpPr>
-            <a:cxnSpLocks/>
-            <a:endCxn id="101" idx="0"/>
-          </p:cNvCxnSpPr>
-          <p:nvPr/>
-        </p:nvCxnSpPr>
-        <p:spPr>
-          <a:xfrm flipH="1">
-            <a:off x="5208377" y="4382473"/>
-            <a:ext cx="1230971" cy="891941"/>
-          </a:xfrm>
-          <a:prstGeom prst="line">
-            <a:avLst/>
-          </a:prstGeom>
-          <a:ln>
-            <a:solidFill>
-              <a:schemeClr val="tx1"/>
-            </a:solidFill>
-          </a:ln>
-        </p:spPr>
-        <p:style>
-          <a:lnRef idx="1">
-            <a:schemeClr val="accent1"/>
-          </a:lnRef>
-          <a:fillRef idx="0">
-            <a:schemeClr val="accent1"/>
-          </a:fillRef>
-          <a:effectRef idx="0">
-            <a:schemeClr val="accent1"/>
-          </a:effectRef>
-          <a:fontRef idx="minor">
-            <a:schemeClr val="tx1"/>
-          </a:fontRef>
-        </p:style>
-      </p:cxnSp>
-      <p:sp>
-        <p:nvSpPr>
-          <p:cNvPr id="73" name="Tam giác Cân 72">
-            <a:extLst>
-              <a:ext uri="{FF2B5EF4-FFF2-40B4-BE49-F238E27FC236}">
-                <a16:creationId xmlns:a16="http://schemas.microsoft.com/office/drawing/2014/main" id="{954D6579-A115-4743-BCB1-4ACEE6D7AF6B}"/>
-              </a:ext>
-            </a:extLst>
-          </p:cNvPr>
-          <p:cNvSpPr/>
-          <p:nvPr/>
-        </p:nvSpPr>
-        <p:spPr>
-          <a:xfrm rot="3311293">
-            <a:off x="6172115" y="4317413"/>
-            <a:ext cx="309352" cy="293482"/>
-          </a:xfrm>
-          <a:prstGeom prst="triangle">
-            <a:avLst/>
-          </a:prstGeom>
-          <a:solidFill>
-            <a:schemeClr val="tx1"/>
-          </a:solidFill>
-          <a:ln>
-            <a:solidFill>
-              <a:schemeClr val="tx1"/>
-            </a:solidFill>
-          </a:ln>
-        </p:spPr>
-        <p:style>
-          <a:lnRef idx="2">
-            <a:schemeClr val="accent1">
-              <a:shade val="50000"/>
-            </a:schemeClr>
-          </a:lnRef>
-          <a:fillRef idx="1">
-            <a:schemeClr val="accent1"/>
-          </a:fillRef>
-          <a:effectRef idx="0">
-            <a:schemeClr val="accent1"/>
-          </a:effectRef>
-          <a:fontRef idx="minor">
-            <a:schemeClr val="lt1"/>
-          </a:fontRef>
-        </p:style>
-        <p:txBody>
-          <a:bodyPr rtlCol="0" anchor="ctr"/>
-          <a:lstStyle/>
-          <a:p>
-            <a:pPr algn="ctr"/>
-            <a:endParaRPr lang="vi-VN"/>
-          </a:p>
-        </p:txBody>
-      </p:sp>
-      <p:sp>
-        <p:nvSpPr>
-          <p:cNvPr id="113" name="Hộp Văn bản 112">
-            <a:extLst>
-              <a:ext uri="{FF2B5EF4-FFF2-40B4-BE49-F238E27FC236}">
-                <a16:creationId xmlns:a16="http://schemas.microsoft.com/office/drawing/2014/main" id="{257A5349-2CC0-410D-8471-FE00ADB277FB}"/>
-              </a:ext>
-            </a:extLst>
-          </p:cNvPr>
-          <p:cNvSpPr txBox="1"/>
-          <p:nvPr/>
-        </p:nvSpPr>
-        <p:spPr>
-          <a:xfrm>
-            <a:off x="4360088" y="4207333"/>
-            <a:ext cx="1655502" cy="369332"/>
-          </a:xfrm>
-          <a:prstGeom prst="rect">
-            <a:avLst/>
-          </a:prstGeom>
-          <a:noFill/>
-        </p:spPr>
-        <p:txBody>
-          <a:bodyPr wrap="square" rtlCol="0">
-            <a:spAutoFit/>
-          </a:bodyPr>
-          <a:lstStyle/>
-          <a:p>
-            <a:r>
-              <a:rPr lang="en-US"/>
-              <a:t>Generalization</a:t>
-            </a:r>
-            <a:endParaRPr lang="vi-VN"/>
-          </a:p>
-        </p:txBody>
-      </p:sp>
-      <p:cxnSp>
-        <p:nvCxnSpPr>
-          <p:cNvPr id="114" name="Đường kết nối Mũi tên Thẳng 113">
-            <a:extLst>
-              <a:ext uri="{FF2B5EF4-FFF2-40B4-BE49-F238E27FC236}">
-                <a16:creationId xmlns:a16="http://schemas.microsoft.com/office/drawing/2014/main" id="{8A13E802-E584-4034-9FBF-85E4B6200F96}"/>
-              </a:ext>
-            </a:extLst>
-          </p:cNvPr>
-          <p:cNvCxnSpPr>
-            <a:cxnSpLocks/>
-          </p:cNvCxnSpPr>
-          <p:nvPr/>
-        </p:nvCxnSpPr>
-        <p:spPr>
-          <a:xfrm>
-            <a:off x="5033101" y="4660669"/>
-            <a:ext cx="238477" cy="270238"/>
-          </a:xfrm>
-          <a:prstGeom prst="straightConnector1">
-            <a:avLst/>
-          </a:prstGeom>
-          <a:ln>
-            <a:tailEnd type="triangle"/>
-          </a:ln>
-        </p:spPr>
-        <p:style>
-          <a:lnRef idx="1">
-            <a:schemeClr val="dk1"/>
-          </a:lnRef>
-          <a:fillRef idx="0">
-            <a:schemeClr val="dk1"/>
-          </a:fillRef>
-          <a:effectRef idx="0">
-            <a:schemeClr val="dk1"/>
-          </a:effectRef>
-          <a:fontRef idx="minor">
-            <a:schemeClr val="tx1"/>
-          </a:fontRef>
-        </p:style>
-      </p:cxnSp>
-      <p:sp>
-        <p:nvSpPr>
-          <p:cNvPr id="115" name="Hộp Văn bản 114">
-            <a:extLst>
-              <a:ext uri="{FF2B5EF4-FFF2-40B4-BE49-F238E27FC236}">
-                <a16:creationId xmlns:a16="http://schemas.microsoft.com/office/drawing/2014/main" id="{9FE97E05-BD31-434B-B550-149698E3DF51}"/>
-              </a:ext>
-            </a:extLst>
-          </p:cNvPr>
-          <p:cNvSpPr txBox="1"/>
-          <p:nvPr/>
-        </p:nvSpPr>
-        <p:spPr>
-          <a:xfrm>
-            <a:off x="9464837" y="2971108"/>
-            <a:ext cx="1365369" cy="369332"/>
-          </a:xfrm>
-          <a:prstGeom prst="rect">
-            <a:avLst/>
-          </a:prstGeom>
-          <a:noFill/>
-        </p:spPr>
-        <p:txBody>
-          <a:bodyPr wrap="square" rtlCol="0">
-            <a:spAutoFit/>
-          </a:bodyPr>
-          <a:lstStyle/>
-          <a:p>
-            <a:r>
-              <a:rPr lang="en-US"/>
-              <a:t>Association</a:t>
-            </a:r>
-            <a:endParaRPr lang="vi-VN"/>
-          </a:p>
-        </p:txBody>
-      </p:sp>
-      <p:cxnSp>
-        <p:nvCxnSpPr>
-          <p:cNvPr id="123" name="Đường kết nối Mũi tên Thẳng 122">
-            <a:extLst>
-              <a:ext uri="{FF2B5EF4-FFF2-40B4-BE49-F238E27FC236}">
-                <a16:creationId xmlns:a16="http://schemas.microsoft.com/office/drawing/2014/main" id="{E6CC83FB-32A5-48E4-BA0A-B5505205BA2C}"/>
-              </a:ext>
-            </a:extLst>
-          </p:cNvPr>
-          <p:cNvCxnSpPr>
-            <a:cxnSpLocks/>
-          </p:cNvCxnSpPr>
-          <p:nvPr/>
-        </p:nvCxnSpPr>
-        <p:spPr>
-          <a:xfrm flipH="1">
-            <a:off x="8800497" y="3251879"/>
-            <a:ext cx="613925" cy="0"/>
-          </a:xfrm>
-          <a:prstGeom prst="straightConnector1">
-            <a:avLst/>
-          </a:prstGeom>
-          <a:ln>
-            <a:tailEnd type="triangle"/>
-          </a:ln>
-        </p:spPr>
-        <p:style>
-          <a:lnRef idx="1">
-            <a:schemeClr val="dk1"/>
-          </a:lnRef>
-          <a:fillRef idx="0">
-            <a:schemeClr val="dk1"/>
-          </a:fillRef>
-          <a:effectRef idx="0">
-            <a:schemeClr val="dk1"/>
-          </a:effectRef>
-          <a:fontRef idx="minor">
-            <a:schemeClr val="tx1"/>
-          </a:fontRef>
-        </p:style>
-      </p:cxnSp>
-      <p:sp>
-        <p:nvSpPr>
-          <p:cNvPr id="81" name="Lưu Đồ: Quyết Định 80">
-            <a:extLst>
-              <a:ext uri="{FF2B5EF4-FFF2-40B4-BE49-F238E27FC236}">
-                <a16:creationId xmlns:a16="http://schemas.microsoft.com/office/drawing/2014/main" id="{1F55BFF6-4443-42EA-A8A6-F7B9D8478B1A}"/>
-              </a:ext>
-            </a:extLst>
-          </p:cNvPr>
-          <p:cNvSpPr/>
-          <p:nvPr/>
-        </p:nvSpPr>
-        <p:spPr>
-          <a:xfrm rot="20620166">
-            <a:off x="3117382" y="2403096"/>
-            <a:ext cx="234497" cy="136461"/>
-          </a:xfrm>
-          <a:prstGeom prst="flowChartDecision">
-            <a:avLst/>
-          </a:prstGeom>
-        </p:spPr>
-        <p:style>
-          <a:lnRef idx="2">
-            <a:schemeClr val="dk1">
-              <a:shade val="50000"/>
-            </a:schemeClr>
-          </a:lnRef>
-          <a:fillRef idx="1">
-            <a:schemeClr val="dk1"/>
-          </a:fillRef>
-          <a:effectRef idx="0">
-            <a:schemeClr val="dk1"/>
-          </a:effectRef>
-          <a:fontRef idx="minor">
-            <a:schemeClr val="lt1"/>
-          </a:fontRef>
-        </p:style>
-        <p:txBody>
-          <a:bodyPr rtlCol="0" anchor="ctr"/>
-          <a:lstStyle/>
-          <a:p>
-            <a:pPr algn="ctr"/>
-            <a:endParaRPr lang="vi-VN"/>
-          </a:p>
-        </p:txBody>
-      </p:sp>
-      <p:sp>
-        <p:nvSpPr>
-          <p:cNvPr id="82" name="Hình chữ nhật 81">
-            <a:extLst>
-              <a:ext uri="{FF2B5EF4-FFF2-40B4-BE49-F238E27FC236}">
-                <a16:creationId xmlns:a16="http://schemas.microsoft.com/office/drawing/2014/main" id="{01773877-9E74-4A8C-B3DD-3F6ADE2B5793}"/>
-              </a:ext>
-            </a:extLst>
-          </p:cNvPr>
-          <p:cNvSpPr/>
-          <p:nvPr/>
-        </p:nvSpPr>
-        <p:spPr>
-          <a:xfrm>
-            <a:off x="190500" y="3251879"/>
-            <a:ext cx="3820617" cy="2022535"/>
-          </a:xfrm>
-          <a:prstGeom prst="rect">
-            <a:avLst/>
-          </a:prstGeom>
-          <a:noFill/>
-          <a:ln>
-            <a:solidFill>
-              <a:schemeClr val="tx1"/>
-            </a:solidFill>
-            <a:prstDash val="lgDash"/>
-          </a:ln>
-        </p:spPr>
-        <p:style>
-          <a:lnRef idx="2">
-            <a:schemeClr val="accent6"/>
-          </a:lnRef>
-          <a:fillRef idx="1">
-            <a:schemeClr val="lt1"/>
-          </a:fillRef>
-          <a:effectRef idx="0">
-            <a:schemeClr val="accent6"/>
-          </a:effectRef>
-          <a:fontRef idx="minor">
-            <a:schemeClr val="dk1"/>
-          </a:fontRef>
-        </p:style>
-        <p:txBody>
-          <a:bodyPr rtlCol="0" anchor="ctr"/>
-          <a:lstStyle/>
-          <a:p>
-            <a:pPr algn="ctr"/>
-            <a:endParaRPr lang="vi-VN"/>
-          </a:p>
-        </p:txBody>
-      </p:sp>
-      <p:sp>
-        <p:nvSpPr>
-          <p:cNvPr id="124" name="Hộp Văn bản 123">
-            <a:extLst>
-              <a:ext uri="{FF2B5EF4-FFF2-40B4-BE49-F238E27FC236}">
-                <a16:creationId xmlns:a16="http://schemas.microsoft.com/office/drawing/2014/main" id="{A1BF95F9-C3CE-440D-91FE-A09D0DC68F44}"/>
-              </a:ext>
-            </a:extLst>
-          </p:cNvPr>
-          <p:cNvSpPr txBox="1"/>
-          <p:nvPr/>
-        </p:nvSpPr>
-        <p:spPr>
-          <a:xfrm>
-            <a:off x="1298712" y="5823054"/>
-            <a:ext cx="1655502" cy="369332"/>
-          </a:xfrm>
-          <a:prstGeom prst="rect">
-            <a:avLst/>
-          </a:prstGeom>
-          <a:noFill/>
-        </p:spPr>
-        <p:txBody>
-          <a:bodyPr wrap="square" rtlCol="0">
-            <a:spAutoFit/>
-          </a:bodyPr>
-          <a:lstStyle/>
-          <a:p>
-            <a:r>
-              <a:rPr lang="en-US"/>
-              <a:t>Detailed class</a:t>
-            </a:r>
-            <a:endParaRPr lang="vi-VN"/>
-          </a:p>
-        </p:txBody>
-      </p:sp>
-      <p:cxnSp>
-        <p:nvCxnSpPr>
-          <p:cNvPr id="125" name="Đường kết nối Mũi tên Thẳng 124">
-            <a:extLst>
-              <a:ext uri="{FF2B5EF4-FFF2-40B4-BE49-F238E27FC236}">
-                <a16:creationId xmlns:a16="http://schemas.microsoft.com/office/drawing/2014/main" id="{BAAD01C2-E612-422A-BC57-5C0416140F51}"/>
-              </a:ext>
-            </a:extLst>
-          </p:cNvPr>
-          <p:cNvCxnSpPr>
-            <a:cxnSpLocks/>
-            <a:endCxn id="52" idx="2"/>
-          </p:cNvCxnSpPr>
-          <p:nvPr/>
-        </p:nvCxnSpPr>
-        <p:spPr>
-          <a:xfrm flipV="1">
-            <a:off x="2095649" y="5076348"/>
-            <a:ext cx="0" cy="695506"/>
-          </a:xfrm>
-          <a:prstGeom prst="straightConnector1">
-            <a:avLst/>
-          </a:prstGeom>
-          <a:ln>
-            <a:tailEnd type="triangle"/>
-          </a:ln>
-        </p:spPr>
-        <p:style>
-          <a:lnRef idx="1">
-            <a:schemeClr val="dk1"/>
-          </a:lnRef>
-          <a:fillRef idx="0">
-            <a:schemeClr val="dk1"/>
-          </a:fillRef>
-          <a:effectRef idx="0">
-            <a:schemeClr val="dk1"/>
-          </a:effectRef>
-          <a:fontRef idx="minor">
-            <a:schemeClr val="tx1"/>
-          </a:fontRef>
-        </p:style>
-      </p:cxnSp>
-      <p:sp>
-        <p:nvSpPr>
-          <p:cNvPr id="5" name="Chỗ dành sẵn cho Số hiệu Bản chiếu 4">
-            <a:extLst>
-              <a:ext uri="{FF2B5EF4-FFF2-40B4-BE49-F238E27FC236}">
-                <a16:creationId xmlns:a16="http://schemas.microsoft.com/office/drawing/2014/main" id="{691CB117-07D3-46C1-A103-A0A90744DD90}"/>
-              </a:ext>
-            </a:extLst>
-          </p:cNvPr>
-          <p:cNvSpPr>
-            <a:spLocks noGrp="1"/>
-          </p:cNvSpPr>
-          <p:nvPr>
-            <p:ph type="sldNum" sz="quarter" idx="12"/>
-          </p:nvPr>
-        </p:nvSpPr>
-        <p:spPr/>
-        <p:txBody>
-          <a:bodyPr/>
-          <a:lstStyle/>
-          <a:p>
-            <a:fld id="{480537A9-B8B1-481D-9BE4-179EB839AE15}" type="slidenum">
-              <a:rPr lang="vi-VN" smtClean="0"/>
-              <a:t>25</a:t>
-            </a:fld>
-            <a:endParaRPr lang="vi-VN"/>
-          </a:p>
-        </p:txBody>
-      </p:sp>
-    </p:spTree>
-    <p:extLst>
-      <p:ext uri="{BB962C8B-B14F-4D97-AF65-F5344CB8AC3E}">
-        <p14:creationId xmlns:p14="http://schemas.microsoft.com/office/powerpoint/2010/main" val="2312876597"/>
-      </p:ext>
-    </p:extLst>
-  </p:cSld>
-  <p:clrMapOvr>
-    <a:masterClrMapping/>
-  </p:clrMapOvr>
-</p:sld>
-</file>
-
-<file path=ppt/slides/slide26.xml><?xml version="1.0" encoding="utf-8"?>
-<p:sld xmlns:a="http://schemas.openxmlformats.org/drawingml/2006/main" xmlns:r="http://schemas.openxmlformats.org/officeDocument/2006/relationships" xmlns:p="http://schemas.openxmlformats.org/presentationml/2006/main">
-  <p:cSld>
-    <p:spTree>
-      <p:nvGrpSpPr>
-        <p:cNvPr id="1" name=""/>
-        <p:cNvGrpSpPr/>
-        <p:nvPr/>
-      </p:nvGrpSpPr>
-      <p:grpSpPr>
-        <a:xfrm>
-          <a:off x="0" y="0"/>
-          <a:ext cx="0" cy="0"/>
-          <a:chOff x="0" y="0"/>
-          <a:chExt cx="0" cy="0"/>
-        </a:xfrm>
-      </p:grpSpPr>
-      <p:sp>
-        <p:nvSpPr>
-          <p:cNvPr id="2" name="Tiêu đề 1">
-            <a:extLst>
-              <a:ext uri="{FF2B5EF4-FFF2-40B4-BE49-F238E27FC236}">
-                <a16:creationId xmlns:a16="http://schemas.microsoft.com/office/drawing/2014/main" id="{1B15421A-2C78-43B8-B729-6F63C1945CD5}"/>
-              </a:ext>
-            </a:extLst>
-          </p:cNvPr>
-          <p:cNvSpPr>
-            <a:spLocks noGrp="1"/>
-          </p:cNvSpPr>
-          <p:nvPr>
-            <p:ph type="title"/>
-          </p:nvPr>
-        </p:nvSpPr>
-        <p:spPr/>
-        <p:txBody>
-          <a:bodyPr/>
-          <a:lstStyle/>
-          <a:p>
-            <a:r>
-              <a:rPr lang="en-US"/>
-              <a:t>Class diagram</a:t>
-            </a:r>
-            <a:endParaRPr lang="vi-VN"/>
-          </a:p>
-        </p:txBody>
-      </p:sp>
-      <p:sp>
-        <p:nvSpPr>
-          <p:cNvPr id="3" name="Chỗ dành sẵn cho Nội dung 2">
-            <a:extLst>
-              <a:ext uri="{FF2B5EF4-FFF2-40B4-BE49-F238E27FC236}">
-                <a16:creationId xmlns:a16="http://schemas.microsoft.com/office/drawing/2014/main" id="{A40BE2C5-402F-4D0B-A7D0-CBEC5B9B17E6}"/>
-              </a:ext>
-            </a:extLst>
-          </p:cNvPr>
-          <p:cNvSpPr>
-            <a:spLocks noGrp="1"/>
-          </p:cNvSpPr>
-          <p:nvPr>
-            <p:ph idx="1"/>
-          </p:nvPr>
-        </p:nvSpPr>
-        <p:spPr/>
-        <p:txBody>
-          <a:bodyPr/>
-          <a:lstStyle/>
-          <a:p>
-            <a:pPr marL="0" indent="0">
-              <a:buNone/>
-            </a:pPr>
-            <a:r>
-              <a:rPr lang="en-US"/>
-              <a:t>The class diagram is the hardest diagram. Defining classes base on:</a:t>
-            </a:r>
-          </a:p>
-          <a:p>
-            <a:pPr marL="0" indent="0">
-              <a:buNone/>
-            </a:pPr>
-            <a:r>
-              <a:rPr lang="en-US"/>
-              <a:t>- Requirement</a:t>
-            </a:r>
-          </a:p>
-          <a:p>
-            <a:pPr marL="0" indent="0">
-              <a:buNone/>
-            </a:pPr>
-            <a:r>
-              <a:rPr lang="en-US"/>
-              <a:t>- Usecase diagram</a:t>
-            </a:r>
-          </a:p>
-          <a:p>
-            <a:pPr marL="0" indent="0">
-              <a:buNone/>
-            </a:pPr>
-            <a:endParaRPr lang="en-US"/>
-          </a:p>
-          <a:p>
-            <a:pPr marL="0" indent="0">
-              <a:buNone/>
-            </a:pPr>
-            <a:r>
-              <a:rPr lang="en-US"/>
-              <a:t>Entity =&gt; Attribute =&gt; Method =&gt; Relationship</a:t>
-            </a:r>
-          </a:p>
-        </p:txBody>
-      </p:sp>
-      <p:sp>
-        <p:nvSpPr>
-          <p:cNvPr id="4" name="Chỗ dành sẵn cho Số hiệu Bản chiếu 3">
-            <a:extLst>
-              <a:ext uri="{FF2B5EF4-FFF2-40B4-BE49-F238E27FC236}">
-                <a16:creationId xmlns:a16="http://schemas.microsoft.com/office/drawing/2014/main" id="{CFCEBAFE-9CA0-4E42-BD76-8A34227648ED}"/>
-              </a:ext>
-            </a:extLst>
-          </p:cNvPr>
-          <p:cNvSpPr>
-            <a:spLocks noGrp="1"/>
-          </p:cNvSpPr>
-          <p:nvPr>
-            <p:ph type="sldNum" sz="quarter" idx="12"/>
-          </p:nvPr>
-        </p:nvSpPr>
-        <p:spPr/>
-        <p:txBody>
-          <a:bodyPr/>
-          <a:lstStyle/>
-          <a:p>
-            <a:fld id="{480537A9-B8B1-481D-9BE4-179EB839AE15}" type="slidenum">
-              <a:rPr lang="vi-VN" smtClean="0"/>
-              <a:t>26</a:t>
-            </a:fld>
-            <a:endParaRPr lang="vi-VN"/>
-          </a:p>
-        </p:txBody>
-      </p:sp>
-    </p:spTree>
-    <p:extLst>
-      <p:ext uri="{BB962C8B-B14F-4D97-AF65-F5344CB8AC3E}">
-        <p14:creationId xmlns:p14="http://schemas.microsoft.com/office/powerpoint/2010/main" val="1061595512"/>
-      </p:ext>
-    </p:extLst>
-  </p:cSld>
-  <p:clrMapOvr>
-    <a:masterClrMapping/>
-  </p:clrMapOvr>
-</p:sld>
-</file>
-
-<file path=ppt/slides/slide27.xml><?xml version="1.0" encoding="utf-8"?>
-<p:sld xmlns:a="http://schemas.openxmlformats.org/drawingml/2006/main" xmlns:r="http://schemas.openxmlformats.org/officeDocument/2006/relationships" xmlns:p="http://schemas.openxmlformats.org/presentationml/2006/main">
-  <p:cSld>
-    <p:spTree>
-      <p:nvGrpSpPr>
-        <p:cNvPr id="1" name=""/>
-        <p:cNvGrpSpPr/>
-        <p:nvPr/>
-      </p:nvGrpSpPr>
-      <p:grpSpPr>
-        <a:xfrm>
-          <a:off x="0" y="0"/>
-          <a:ext cx="0" cy="0"/>
-          <a:chOff x="0" y="0"/>
-          <a:chExt cx="0" cy="0"/>
-        </a:xfrm>
-      </p:grpSpPr>
-      <p:sp>
-        <p:nvSpPr>
-          <p:cNvPr id="2" name="Tiêu đề 1">
-            <a:extLst>
-              <a:ext uri="{FF2B5EF4-FFF2-40B4-BE49-F238E27FC236}">
-                <a16:creationId xmlns:a16="http://schemas.microsoft.com/office/drawing/2014/main" id="{F26B3E9E-9CC2-4E72-B69F-5A6B3EACA5BB}"/>
-              </a:ext>
-            </a:extLst>
-          </p:cNvPr>
-          <p:cNvSpPr>
-            <a:spLocks noGrp="1"/>
-          </p:cNvSpPr>
-          <p:nvPr>
-            <p:ph type="title"/>
-          </p:nvPr>
-        </p:nvSpPr>
-        <p:spPr>
-          <a:xfrm>
-            <a:off x="1298712" y="365125"/>
-            <a:ext cx="9458187" cy="1325563"/>
-          </a:xfrm>
-        </p:spPr>
-        <p:txBody>
-          <a:bodyPr/>
-          <a:lstStyle/>
-          <a:p>
-            <a:r>
-              <a:rPr lang="en-US"/>
-              <a:t>Database diagram</a:t>
-            </a:r>
-            <a:endParaRPr lang="vi-VN"/>
-          </a:p>
-        </p:txBody>
-      </p:sp>
-      <p:graphicFrame>
-        <p:nvGraphicFramePr>
-          <p:cNvPr id="3" name="Bảng 3">
-            <a:extLst>
-              <a:ext uri="{FF2B5EF4-FFF2-40B4-BE49-F238E27FC236}">
-                <a16:creationId xmlns:a16="http://schemas.microsoft.com/office/drawing/2014/main" id="{76B10348-9061-45EC-BB9B-CD02744AA8D7}"/>
-              </a:ext>
-            </a:extLst>
-          </p:cNvPr>
-          <p:cNvGraphicFramePr>
-            <a:graphicFrameLocks noGrp="1"/>
-          </p:cNvGraphicFramePr>
-          <p:nvPr>
-            <p:extLst>
-              <p:ext uri="{D42A27DB-BD31-4B8C-83A1-F6EECF244321}">
-                <p14:modId xmlns:p14="http://schemas.microsoft.com/office/powerpoint/2010/main" val="3935924514"/>
-              </p:ext>
-            </p:extLst>
-          </p:nvPr>
-        </p:nvGraphicFramePr>
-        <p:xfrm>
-          <a:off x="1298712" y="1945640"/>
-          <a:ext cx="1810248" cy="1280160"/>
-        </p:xfrm>
-        <a:graphic>
-          <a:graphicData uri="http://schemas.openxmlformats.org/drawingml/2006/table">
-            <a:tbl>
-              <a:tblPr firstRow="1" bandRow="1">
-                <a:tableStyleId>{5C22544A-7EE6-4342-B048-85BDC9FD1C3A}</a:tableStyleId>
-              </a:tblPr>
-              <a:tblGrid>
-                <a:gridCol w="1810248">
-                  <a:extLst>
-                    <a:ext uri="{9D8B030D-6E8A-4147-A177-3AD203B41FA5}">
-                      <a16:colId xmlns:a16="http://schemas.microsoft.com/office/drawing/2014/main" val="2414103788"/>
-                    </a:ext>
-                  </a:extLst>
-                </a:gridCol>
-              </a:tblGrid>
-              <a:tr h="0">
-                <a:tc>
-                  <a:txBody>
-                    <a:bodyPr/>
-                    <a:lstStyle/>
-                    <a:p>
-                      <a:r>
-                        <a:rPr lang="en-US">
-                          <a:solidFill>
-                            <a:schemeClr val="tx1"/>
-                          </a:solidFill>
-                        </a:rPr>
-                        <a:t>CUSTOMER</a:t>
-                      </a:r>
-                      <a:endParaRPr lang="vi-VN">
-                        <a:solidFill>
-                          <a:schemeClr val="tx1"/>
-                        </a:solidFill>
-                      </a:endParaRPr>
-                    </a:p>
-                  </a:txBody>
-                  <a:tcPr>
-                    <a:lnL w="12700" cap="flat" cmpd="sng" algn="ctr">
-                      <a:solidFill>
-                        <a:schemeClr val="tx1"/>
-                      </a:solidFill>
-                      <a:prstDash val="solid"/>
-                      <a:round/>
-                      <a:headEnd type="none" w="med" len="med"/>
-                      <a:tailEnd type="none" w="med" len="med"/>
-                    </a:lnL>
-                    <a:lnR w="12700" cap="flat" cmpd="sng" algn="ctr">
-                      <a:solidFill>
-                        <a:schemeClr val="tx1"/>
-                      </a:solidFill>
-                      <a:prstDash val="solid"/>
-                      <a:round/>
-                      <a:headEnd type="none" w="med" len="med"/>
-                      <a:tailEnd type="none" w="med" len="med"/>
-                    </a:lnR>
-                    <a:lnT w="12700" cap="flat" cmpd="sng" algn="ctr">
-                      <a:solidFill>
-                        <a:schemeClr val="tx1"/>
-                      </a:solidFill>
-                      <a:prstDash val="solid"/>
-                      <a:round/>
-                      <a:headEnd type="none" w="med" len="med"/>
-                      <a:tailEnd type="none" w="med" len="med"/>
-                    </a:lnT>
-                    <a:lnB w="12700" cap="flat" cmpd="sng" algn="ctr">
-                      <a:solidFill>
-                        <a:schemeClr val="tx1"/>
-                      </a:solidFill>
-                      <a:prstDash val="solid"/>
-                      <a:round/>
-                      <a:headEnd type="none" w="med" len="med"/>
-                      <a:tailEnd type="none" w="med" len="med"/>
-                    </a:lnB>
-                    <a:noFill/>
-                  </a:tcPr>
-                </a:tc>
-                <a:extLst>
-                  <a:ext uri="{0D108BD9-81ED-4DB2-BD59-A6C34878D82A}">
-                    <a16:rowId xmlns:a16="http://schemas.microsoft.com/office/drawing/2014/main" val="18368608"/>
-                  </a:ext>
-                </a:extLst>
-              </a:tr>
-              <a:tr h="0">
-                <a:tc>
-                  <a:txBody>
-                    <a:bodyPr/>
-                    <a:lstStyle/>
-                    <a:p>
-                      <a:r>
-                        <a:rPr lang="en-US">
-                          <a:solidFill>
-                            <a:schemeClr val="tx1"/>
-                          </a:solidFill>
-                        </a:rPr>
-                        <a:t>ID (PK)</a:t>
-                      </a:r>
-                    </a:p>
-                    <a:p>
-                      <a:r>
-                        <a:rPr lang="en-US">
-                          <a:solidFill>
-                            <a:schemeClr val="tx1"/>
-                          </a:solidFill>
-                        </a:rPr>
-                        <a:t>ID_Account (FK)</a:t>
-                      </a:r>
-                    </a:p>
-                    <a:p>
-                      <a:r>
-                        <a:rPr lang="en-US">
-                          <a:solidFill>
-                            <a:schemeClr val="tx1"/>
-                          </a:solidFill>
-                        </a:rPr>
-                        <a:t>Name</a:t>
-                      </a:r>
-                      <a:endParaRPr lang="vi-VN">
-                        <a:solidFill>
-                          <a:schemeClr val="tx1"/>
-                        </a:solidFill>
-                      </a:endParaRPr>
-                    </a:p>
-                  </a:txBody>
-                  <a:tcPr>
-                    <a:lnL w="12700" cap="flat" cmpd="sng" algn="ctr">
-                      <a:solidFill>
-                        <a:schemeClr val="tx1"/>
-                      </a:solidFill>
-                      <a:prstDash val="solid"/>
-                      <a:round/>
-                      <a:headEnd type="none" w="med" len="med"/>
-                      <a:tailEnd type="none" w="med" len="med"/>
-                    </a:lnL>
-                    <a:lnR w="12700" cap="flat" cmpd="sng" algn="ctr">
-                      <a:solidFill>
-                        <a:schemeClr val="tx1"/>
-                      </a:solidFill>
-                      <a:prstDash val="solid"/>
-                      <a:round/>
-                      <a:headEnd type="none" w="med" len="med"/>
-                      <a:tailEnd type="none" w="med" len="med"/>
-                    </a:lnR>
-                    <a:lnT w="12700" cap="flat" cmpd="sng" algn="ctr">
-                      <a:solidFill>
-                        <a:schemeClr val="tx1"/>
-                      </a:solidFill>
-                      <a:prstDash val="solid"/>
-                      <a:round/>
-                      <a:headEnd type="none" w="med" len="med"/>
-                      <a:tailEnd type="none" w="med" len="med"/>
-                    </a:lnT>
-                    <a:lnB w="12700" cap="flat" cmpd="sng" algn="ctr">
-                      <a:solidFill>
-                        <a:schemeClr val="tx1"/>
-                      </a:solidFill>
-                      <a:prstDash val="solid"/>
-                      <a:round/>
-                      <a:headEnd type="none" w="med" len="med"/>
-                      <a:tailEnd type="none" w="med" len="med"/>
-                    </a:lnB>
-                    <a:noFill/>
-                  </a:tcPr>
-                </a:tc>
-                <a:extLst>
-                  <a:ext uri="{0D108BD9-81ED-4DB2-BD59-A6C34878D82A}">
-                    <a16:rowId xmlns:a16="http://schemas.microsoft.com/office/drawing/2014/main" val="2369838159"/>
-                  </a:ext>
-                </a:extLst>
-              </a:tr>
-            </a:tbl>
-          </a:graphicData>
-        </a:graphic>
-      </p:graphicFrame>
-      <p:graphicFrame>
-        <p:nvGraphicFramePr>
-          <p:cNvPr id="52" name="Bảng 3">
-            <a:extLst>
-              <a:ext uri="{FF2B5EF4-FFF2-40B4-BE49-F238E27FC236}">
-                <a16:creationId xmlns:a16="http://schemas.microsoft.com/office/drawing/2014/main" id="{829FE17F-2FF4-4265-A4F3-9B8338D51DB7}"/>
-              </a:ext>
-            </a:extLst>
-          </p:cNvPr>
-          <p:cNvGraphicFramePr>
-            <a:graphicFrameLocks noGrp="1"/>
-          </p:cNvGraphicFramePr>
-          <p:nvPr>
-            <p:extLst>
-              <p:ext uri="{D42A27DB-BD31-4B8C-83A1-F6EECF244321}">
-                <p14:modId xmlns:p14="http://schemas.microsoft.com/office/powerpoint/2010/main" val="3640348046"/>
-              </p:ext>
-            </p:extLst>
-          </p:nvPr>
-        </p:nvGraphicFramePr>
-        <p:xfrm>
-          <a:off x="1298712" y="3799741"/>
-          <a:ext cx="1810248" cy="1554480"/>
-        </p:xfrm>
-        <a:graphic>
-          <a:graphicData uri="http://schemas.openxmlformats.org/drawingml/2006/table">
-            <a:tbl>
-              <a:tblPr firstRow="1" bandRow="1">
-                <a:tableStyleId>{5C22544A-7EE6-4342-B048-85BDC9FD1C3A}</a:tableStyleId>
-              </a:tblPr>
-              <a:tblGrid>
-                <a:gridCol w="1810248">
-                  <a:extLst>
-                    <a:ext uri="{9D8B030D-6E8A-4147-A177-3AD203B41FA5}">
-                      <a16:colId xmlns:a16="http://schemas.microsoft.com/office/drawing/2014/main" val="2414103788"/>
-                    </a:ext>
-                  </a:extLst>
-                </a:gridCol>
-              </a:tblGrid>
-              <a:tr h="0">
-                <a:tc>
-                  <a:txBody>
-                    <a:bodyPr/>
-                    <a:lstStyle/>
-                    <a:p>
-                      <a:r>
-                        <a:rPr lang="en-US">
-                          <a:solidFill>
-                            <a:schemeClr val="tx1"/>
-                          </a:solidFill>
-                        </a:rPr>
-                        <a:t>EMPLOYEE</a:t>
-                      </a:r>
-                      <a:endParaRPr lang="vi-VN">
-                        <a:solidFill>
-                          <a:schemeClr val="tx1"/>
-                        </a:solidFill>
-                      </a:endParaRPr>
-                    </a:p>
-                  </a:txBody>
-                  <a:tcPr>
-                    <a:lnL w="12700" cap="flat" cmpd="sng" algn="ctr">
-                      <a:solidFill>
-                        <a:schemeClr val="tx1"/>
-                      </a:solidFill>
-                      <a:prstDash val="solid"/>
-                      <a:round/>
-                      <a:headEnd type="none" w="med" len="med"/>
-                      <a:tailEnd type="none" w="med" len="med"/>
-                    </a:lnL>
-                    <a:lnR w="12700" cap="flat" cmpd="sng" algn="ctr">
-                      <a:solidFill>
-                        <a:schemeClr val="tx1"/>
-                      </a:solidFill>
-                      <a:prstDash val="solid"/>
-                      <a:round/>
-                      <a:headEnd type="none" w="med" len="med"/>
-                      <a:tailEnd type="none" w="med" len="med"/>
-                    </a:lnR>
-                    <a:lnT w="12700" cap="flat" cmpd="sng" algn="ctr">
-                      <a:solidFill>
-                        <a:schemeClr val="tx1"/>
-                      </a:solidFill>
-                      <a:prstDash val="solid"/>
-                      <a:round/>
-                      <a:headEnd type="none" w="med" len="med"/>
-                      <a:tailEnd type="none" w="med" len="med"/>
-                    </a:lnT>
-                    <a:lnB w="12700" cap="flat" cmpd="sng" algn="ctr">
-                      <a:solidFill>
-                        <a:schemeClr val="tx1"/>
-                      </a:solidFill>
-                      <a:prstDash val="solid"/>
-                      <a:round/>
-                      <a:headEnd type="none" w="med" len="med"/>
-                      <a:tailEnd type="none" w="med" len="med"/>
-                    </a:lnB>
-                    <a:noFill/>
-                  </a:tcPr>
-                </a:tc>
-                <a:extLst>
-                  <a:ext uri="{0D108BD9-81ED-4DB2-BD59-A6C34878D82A}">
-                    <a16:rowId xmlns:a16="http://schemas.microsoft.com/office/drawing/2014/main" val="18368608"/>
-                  </a:ext>
-                </a:extLst>
-              </a:tr>
-              <a:tr h="0">
-                <a:tc>
-                  <a:txBody>
-                    <a:bodyPr/>
-                    <a:lstStyle/>
-                    <a:p>
-                      <a:r>
-                        <a:rPr lang="en-US">
-                          <a:solidFill>
-                            <a:schemeClr val="tx1"/>
-                          </a:solidFill>
-                        </a:rPr>
-                        <a:t>ID (PK)</a:t>
-                      </a:r>
-                    </a:p>
-                    <a:p>
-                      <a:r>
-                        <a:rPr lang="en-US">
-                          <a:solidFill>
-                            <a:schemeClr val="tx1"/>
-                          </a:solidFill>
-                        </a:rPr>
-                        <a:t>ID_Account (FK)</a:t>
-                      </a:r>
-                    </a:p>
-                    <a:p>
-                      <a:r>
-                        <a:rPr lang="en-US">
-                          <a:solidFill>
-                            <a:schemeClr val="tx1"/>
-                          </a:solidFill>
-                        </a:rPr>
-                        <a:t>Name</a:t>
-                      </a:r>
-                    </a:p>
-                    <a:p>
-                      <a:r>
-                        <a:rPr lang="en-US">
-                          <a:solidFill>
-                            <a:schemeClr val="tx1"/>
-                          </a:solidFill>
-                        </a:rPr>
-                        <a:t>ID_Manager</a:t>
-                      </a:r>
-                      <a:endParaRPr lang="vi-VN">
-                        <a:solidFill>
-                          <a:schemeClr val="tx1"/>
-                        </a:solidFill>
-                      </a:endParaRPr>
-                    </a:p>
-                  </a:txBody>
-                  <a:tcPr>
-                    <a:lnL w="12700" cap="flat" cmpd="sng" algn="ctr">
-                      <a:solidFill>
-                        <a:schemeClr val="tx1"/>
-                      </a:solidFill>
-                      <a:prstDash val="solid"/>
-                      <a:round/>
-                      <a:headEnd type="none" w="med" len="med"/>
-                      <a:tailEnd type="none" w="med" len="med"/>
-                    </a:lnL>
-                    <a:lnR w="12700" cap="flat" cmpd="sng" algn="ctr">
-                      <a:solidFill>
-                        <a:schemeClr val="tx1"/>
-                      </a:solidFill>
-                      <a:prstDash val="solid"/>
-                      <a:round/>
-                      <a:headEnd type="none" w="med" len="med"/>
-                      <a:tailEnd type="none" w="med" len="med"/>
-                    </a:lnR>
-                    <a:lnT w="12700" cap="flat" cmpd="sng" algn="ctr">
-                      <a:solidFill>
-                        <a:schemeClr val="tx1"/>
-                      </a:solidFill>
-                      <a:prstDash val="solid"/>
-                      <a:round/>
-                      <a:headEnd type="none" w="med" len="med"/>
-                      <a:tailEnd type="none" w="med" len="med"/>
-                    </a:lnT>
-                    <a:lnB w="12700" cap="flat" cmpd="sng" algn="ctr">
-                      <a:solidFill>
-                        <a:schemeClr val="tx1"/>
-                      </a:solidFill>
-                      <a:prstDash val="solid"/>
-                      <a:round/>
-                      <a:headEnd type="none" w="med" len="med"/>
-                      <a:tailEnd type="none" w="med" len="med"/>
-                    </a:lnB>
-                    <a:noFill/>
-                  </a:tcPr>
-                </a:tc>
-                <a:extLst>
-                  <a:ext uri="{0D108BD9-81ED-4DB2-BD59-A6C34878D82A}">
-                    <a16:rowId xmlns:a16="http://schemas.microsoft.com/office/drawing/2014/main" val="2369838159"/>
-                  </a:ext>
-                </a:extLst>
-              </a:tr>
-            </a:tbl>
-          </a:graphicData>
-        </a:graphic>
-      </p:graphicFrame>
-      <p:graphicFrame>
-        <p:nvGraphicFramePr>
-          <p:cNvPr id="53" name="Bảng 3">
-            <a:extLst>
-              <a:ext uri="{FF2B5EF4-FFF2-40B4-BE49-F238E27FC236}">
-                <a16:creationId xmlns:a16="http://schemas.microsoft.com/office/drawing/2014/main" id="{703C1BA3-8886-4DB6-AAF9-2636A277FE89}"/>
-              </a:ext>
-            </a:extLst>
-          </p:cNvPr>
-          <p:cNvGraphicFramePr>
-            <a:graphicFrameLocks noGrp="1"/>
-          </p:cNvGraphicFramePr>
-          <p:nvPr>
-            <p:extLst>
-              <p:ext uri="{D42A27DB-BD31-4B8C-83A1-F6EECF244321}">
-                <p14:modId xmlns:p14="http://schemas.microsoft.com/office/powerpoint/2010/main" val="4269824571"/>
-              </p:ext>
-            </p:extLst>
-          </p:nvPr>
-        </p:nvGraphicFramePr>
-        <p:xfrm>
-          <a:off x="5103922" y="1576939"/>
-          <a:ext cx="1655503" cy="1554480"/>
-        </p:xfrm>
-        <a:graphic>
-          <a:graphicData uri="http://schemas.openxmlformats.org/drawingml/2006/table">
-            <a:tbl>
-              <a:tblPr firstRow="1" bandRow="1">
-                <a:tableStyleId>{5C22544A-7EE6-4342-B048-85BDC9FD1C3A}</a:tableStyleId>
-              </a:tblPr>
-              <a:tblGrid>
-                <a:gridCol w="1655503">
-                  <a:extLst>
-                    <a:ext uri="{9D8B030D-6E8A-4147-A177-3AD203B41FA5}">
-                      <a16:colId xmlns:a16="http://schemas.microsoft.com/office/drawing/2014/main" val="2414103788"/>
-                    </a:ext>
-                  </a:extLst>
-                </a:gridCol>
-              </a:tblGrid>
-              <a:tr h="287514">
-                <a:tc>
-                  <a:txBody>
-                    <a:bodyPr/>
-                    <a:lstStyle/>
-                    <a:p>
-                      <a:r>
-                        <a:rPr lang="en-US">
-                          <a:solidFill>
-                            <a:schemeClr val="tx1"/>
-                          </a:solidFill>
-                        </a:rPr>
-                        <a:t>ACCOUNT</a:t>
-                      </a:r>
-                      <a:endParaRPr lang="vi-VN">
-                        <a:solidFill>
-                          <a:schemeClr val="tx1"/>
-                        </a:solidFill>
-                      </a:endParaRPr>
-                    </a:p>
-                  </a:txBody>
-                  <a:tcPr>
-                    <a:lnL w="12700" cap="flat" cmpd="sng" algn="ctr">
-                      <a:solidFill>
-                        <a:schemeClr val="tx1"/>
-                      </a:solidFill>
-                      <a:prstDash val="solid"/>
-                      <a:round/>
-                      <a:headEnd type="none" w="med" len="med"/>
-                      <a:tailEnd type="none" w="med" len="med"/>
-                    </a:lnL>
-                    <a:lnR w="12700" cap="flat" cmpd="sng" algn="ctr">
-                      <a:solidFill>
-                        <a:schemeClr val="tx1"/>
-                      </a:solidFill>
-                      <a:prstDash val="solid"/>
-                      <a:round/>
-                      <a:headEnd type="none" w="med" len="med"/>
-                      <a:tailEnd type="none" w="med" len="med"/>
-                    </a:lnR>
-                    <a:lnT w="12700" cap="flat" cmpd="sng" algn="ctr">
-                      <a:solidFill>
-                        <a:schemeClr val="tx1"/>
-                      </a:solidFill>
-                      <a:prstDash val="solid"/>
-                      <a:round/>
-                      <a:headEnd type="none" w="med" len="med"/>
-                      <a:tailEnd type="none" w="med" len="med"/>
-                    </a:lnT>
-                    <a:lnB w="12700" cap="flat" cmpd="sng" algn="ctr">
-                      <a:solidFill>
-                        <a:schemeClr val="tx1"/>
-                      </a:solidFill>
-                      <a:prstDash val="solid"/>
-                      <a:round/>
-                      <a:headEnd type="none" w="med" len="med"/>
-                      <a:tailEnd type="none" w="med" len="med"/>
-                    </a:lnB>
-                    <a:noFill/>
-                  </a:tcPr>
-                </a:tc>
-                <a:extLst>
-                  <a:ext uri="{0D108BD9-81ED-4DB2-BD59-A6C34878D82A}">
-                    <a16:rowId xmlns:a16="http://schemas.microsoft.com/office/drawing/2014/main" val="18368608"/>
-                  </a:ext>
-                </a:extLst>
-              </a:tr>
-              <a:tr h="934419">
-                <a:tc>
-                  <a:txBody>
-                    <a:bodyPr/>
-                    <a:lstStyle/>
-                    <a:p>
-                      <a:r>
-                        <a:rPr lang="en-US">
-                          <a:solidFill>
-                            <a:schemeClr val="tx1"/>
-                          </a:solidFill>
-                        </a:rPr>
-                        <a:t>ID (PK)</a:t>
-                      </a:r>
-                    </a:p>
-                    <a:p>
-                      <a:r>
-                        <a:rPr lang="en-US">
-                          <a:solidFill>
-                            <a:schemeClr val="tx1"/>
-                          </a:solidFill>
-                        </a:rPr>
-                        <a:t>Username</a:t>
-                      </a:r>
-                    </a:p>
-                    <a:p>
-                      <a:r>
-                        <a:rPr lang="en-US">
-                          <a:solidFill>
-                            <a:schemeClr val="tx1"/>
-                          </a:solidFill>
-                        </a:rPr>
-                        <a:t>Hash</a:t>
-                      </a:r>
-                    </a:p>
-                    <a:p>
-                      <a:r>
-                        <a:rPr lang="en-US">
-                          <a:solidFill>
-                            <a:schemeClr val="tx1"/>
-                          </a:solidFill>
-                        </a:rPr>
-                        <a:t>Type</a:t>
-                      </a:r>
-                      <a:endParaRPr lang="vi-VN">
-                        <a:solidFill>
-                          <a:schemeClr val="tx1"/>
-                        </a:solidFill>
-                      </a:endParaRPr>
-                    </a:p>
-                  </a:txBody>
-                  <a:tcPr>
-                    <a:lnL w="12700" cap="flat" cmpd="sng" algn="ctr">
-                      <a:solidFill>
-                        <a:schemeClr val="tx1"/>
-                      </a:solidFill>
-                      <a:prstDash val="solid"/>
-                      <a:round/>
-                      <a:headEnd type="none" w="med" len="med"/>
-                      <a:tailEnd type="none" w="med" len="med"/>
-                    </a:lnL>
-                    <a:lnR w="12700" cap="flat" cmpd="sng" algn="ctr">
-                      <a:solidFill>
-                        <a:schemeClr val="tx1"/>
-                      </a:solidFill>
-                      <a:prstDash val="solid"/>
-                      <a:round/>
-                      <a:headEnd type="none" w="med" len="med"/>
-                      <a:tailEnd type="none" w="med" len="med"/>
-                    </a:lnR>
-                    <a:lnT w="12700" cap="flat" cmpd="sng" algn="ctr">
-                      <a:solidFill>
-                        <a:schemeClr val="tx1"/>
-                      </a:solidFill>
-                      <a:prstDash val="solid"/>
-                      <a:round/>
-                      <a:headEnd type="none" w="med" len="med"/>
-                      <a:tailEnd type="none" w="med" len="med"/>
-                    </a:lnT>
-                    <a:lnB w="12700" cap="flat" cmpd="sng" algn="ctr">
-                      <a:solidFill>
-                        <a:schemeClr val="tx1"/>
-                      </a:solidFill>
-                      <a:prstDash val="solid"/>
-                      <a:round/>
-                      <a:headEnd type="none" w="med" len="med"/>
-                      <a:tailEnd type="none" w="med" len="med"/>
-                    </a:lnB>
-                    <a:noFill/>
-                  </a:tcPr>
-                </a:tc>
-                <a:extLst>
-                  <a:ext uri="{0D108BD9-81ED-4DB2-BD59-A6C34878D82A}">
-                    <a16:rowId xmlns:a16="http://schemas.microsoft.com/office/drawing/2014/main" val="2369838159"/>
-                  </a:ext>
-                </a:extLst>
-              </a:tr>
-            </a:tbl>
-          </a:graphicData>
-        </a:graphic>
-      </p:graphicFrame>
-      <p:graphicFrame>
-        <p:nvGraphicFramePr>
-          <p:cNvPr id="54" name="Bảng 3">
-            <a:extLst>
-              <a:ext uri="{FF2B5EF4-FFF2-40B4-BE49-F238E27FC236}">
-                <a16:creationId xmlns:a16="http://schemas.microsoft.com/office/drawing/2014/main" id="{C2FA16F9-92E5-48CF-A243-3137436D37AB}"/>
-              </a:ext>
-            </a:extLst>
-          </p:cNvPr>
-          <p:cNvGraphicFramePr>
-            <a:graphicFrameLocks noGrp="1"/>
-          </p:cNvGraphicFramePr>
-          <p:nvPr>
-            <p:extLst>
-              <p:ext uri="{D42A27DB-BD31-4B8C-83A1-F6EECF244321}">
-                <p14:modId xmlns:p14="http://schemas.microsoft.com/office/powerpoint/2010/main" val="403390294"/>
-              </p:ext>
-            </p:extLst>
-          </p:nvPr>
-        </p:nvGraphicFramePr>
-        <p:xfrm>
-          <a:off x="6067865" y="3784625"/>
-          <a:ext cx="1927477" cy="1828800"/>
-        </p:xfrm>
-        <a:graphic>
-          <a:graphicData uri="http://schemas.openxmlformats.org/drawingml/2006/table">
-            <a:tbl>
-              <a:tblPr firstRow="1" bandRow="1">
-                <a:tableStyleId>{5C22544A-7EE6-4342-B048-85BDC9FD1C3A}</a:tableStyleId>
-              </a:tblPr>
-              <a:tblGrid>
-                <a:gridCol w="1927477">
-                  <a:extLst>
-                    <a:ext uri="{9D8B030D-6E8A-4147-A177-3AD203B41FA5}">
-                      <a16:colId xmlns:a16="http://schemas.microsoft.com/office/drawing/2014/main" val="2414103788"/>
-                    </a:ext>
-                  </a:extLst>
-                </a:gridCol>
-              </a:tblGrid>
-              <a:tr h="0">
-                <a:tc>
-                  <a:txBody>
-                    <a:bodyPr/>
-                    <a:lstStyle/>
-                    <a:p>
-                      <a:r>
-                        <a:rPr lang="en-US">
-                          <a:solidFill>
-                            <a:schemeClr val="tx1"/>
-                          </a:solidFill>
-                        </a:rPr>
-                        <a:t>BILL</a:t>
-                      </a:r>
-                      <a:endParaRPr lang="vi-VN">
-                        <a:solidFill>
-                          <a:schemeClr val="tx1"/>
-                        </a:solidFill>
-                      </a:endParaRPr>
-                    </a:p>
-                  </a:txBody>
-                  <a:tcPr>
-                    <a:lnL w="12700" cap="flat" cmpd="sng" algn="ctr">
-                      <a:solidFill>
-                        <a:schemeClr val="tx1"/>
-                      </a:solidFill>
-                      <a:prstDash val="solid"/>
-                      <a:round/>
-                      <a:headEnd type="none" w="med" len="med"/>
-                      <a:tailEnd type="none" w="med" len="med"/>
-                    </a:lnL>
-                    <a:lnR w="12700" cap="flat" cmpd="sng" algn="ctr">
-                      <a:solidFill>
-                        <a:schemeClr val="tx1"/>
-                      </a:solidFill>
-                      <a:prstDash val="solid"/>
-                      <a:round/>
-                      <a:headEnd type="none" w="med" len="med"/>
-                      <a:tailEnd type="none" w="med" len="med"/>
-                    </a:lnR>
-                    <a:lnT w="12700" cap="flat" cmpd="sng" algn="ctr">
-                      <a:solidFill>
-                        <a:schemeClr val="tx1"/>
-                      </a:solidFill>
-                      <a:prstDash val="solid"/>
-                      <a:round/>
-                      <a:headEnd type="none" w="med" len="med"/>
-                      <a:tailEnd type="none" w="med" len="med"/>
-                    </a:lnT>
-                    <a:lnB w="12700" cap="flat" cmpd="sng" algn="ctr">
-                      <a:solidFill>
-                        <a:schemeClr val="tx1"/>
-                      </a:solidFill>
-                      <a:prstDash val="solid"/>
-                      <a:round/>
-                      <a:headEnd type="none" w="med" len="med"/>
-                      <a:tailEnd type="none" w="med" len="med"/>
-                    </a:lnB>
-                    <a:noFill/>
-                  </a:tcPr>
-                </a:tc>
-                <a:extLst>
-                  <a:ext uri="{0D108BD9-81ED-4DB2-BD59-A6C34878D82A}">
-                    <a16:rowId xmlns:a16="http://schemas.microsoft.com/office/drawing/2014/main" val="18368608"/>
-                  </a:ext>
-                </a:extLst>
-              </a:tr>
-              <a:tr h="0">
-                <a:tc>
-                  <a:txBody>
-                    <a:bodyPr/>
-                    <a:lstStyle/>
-                    <a:p>
-                      <a:r>
-                        <a:rPr lang="en-US">
-                          <a:solidFill>
-                            <a:schemeClr val="tx1"/>
-                          </a:solidFill>
-                        </a:rPr>
-                        <a:t>ID (PK)</a:t>
-                      </a:r>
-                    </a:p>
-                    <a:p>
-                      <a:r>
-                        <a:rPr lang="en-US">
-                          <a:solidFill>
-                            <a:schemeClr val="tx1"/>
-                          </a:solidFill>
-                        </a:rPr>
-                        <a:t>ID_Customer (FK)</a:t>
-                      </a:r>
-                    </a:p>
-                    <a:p>
-                      <a:r>
-                        <a:rPr lang="en-US">
-                          <a:solidFill>
-                            <a:schemeClr val="tx1"/>
-                          </a:solidFill>
-                        </a:rPr>
-                        <a:t>ID_Employee (FK)</a:t>
-                      </a:r>
-                    </a:p>
-                    <a:p>
-                      <a:r>
-                        <a:rPr lang="en-US">
-                          <a:solidFill>
-                            <a:schemeClr val="tx1"/>
-                          </a:solidFill>
-                        </a:rPr>
-                        <a:t>Date</a:t>
-                      </a:r>
-                    </a:p>
-                    <a:p>
-                      <a:r>
-                        <a:rPr lang="en-US">
-                          <a:solidFill>
-                            <a:schemeClr val="tx1"/>
-                          </a:solidFill>
-                        </a:rPr>
-                        <a:t>Type</a:t>
-                      </a:r>
-                      <a:endParaRPr lang="vi-VN">
-                        <a:solidFill>
-                          <a:schemeClr val="tx1"/>
-                        </a:solidFill>
-                      </a:endParaRPr>
-                    </a:p>
-                  </a:txBody>
-                  <a:tcPr>
-                    <a:lnL w="12700" cap="flat" cmpd="sng" algn="ctr">
-                      <a:solidFill>
-                        <a:schemeClr val="tx1"/>
-                      </a:solidFill>
-                      <a:prstDash val="solid"/>
-                      <a:round/>
-                      <a:headEnd type="none" w="med" len="med"/>
-                      <a:tailEnd type="none" w="med" len="med"/>
-                    </a:lnL>
-                    <a:lnR w="12700" cap="flat" cmpd="sng" algn="ctr">
-                      <a:solidFill>
-                        <a:schemeClr val="tx1"/>
-                      </a:solidFill>
-                      <a:prstDash val="solid"/>
-                      <a:round/>
-                      <a:headEnd type="none" w="med" len="med"/>
-                      <a:tailEnd type="none" w="med" len="med"/>
-                    </a:lnR>
-                    <a:lnT w="12700" cap="flat" cmpd="sng" algn="ctr">
-                      <a:solidFill>
-                        <a:schemeClr val="tx1"/>
-                      </a:solidFill>
-                      <a:prstDash val="solid"/>
-                      <a:round/>
-                      <a:headEnd type="none" w="med" len="med"/>
-                      <a:tailEnd type="none" w="med" len="med"/>
-                    </a:lnT>
-                    <a:lnB w="12700" cap="flat" cmpd="sng" algn="ctr">
-                      <a:solidFill>
-                        <a:schemeClr val="tx1"/>
-                      </a:solidFill>
-                      <a:prstDash val="solid"/>
-                      <a:round/>
-                      <a:headEnd type="none" w="med" len="med"/>
-                      <a:tailEnd type="none" w="med" len="med"/>
-                    </a:lnB>
-                    <a:noFill/>
-                  </a:tcPr>
-                </a:tc>
-                <a:extLst>
-                  <a:ext uri="{0D108BD9-81ED-4DB2-BD59-A6C34878D82A}">
-                    <a16:rowId xmlns:a16="http://schemas.microsoft.com/office/drawing/2014/main" val="2369838159"/>
-                  </a:ext>
-                </a:extLst>
-              </a:tr>
-            </a:tbl>
-          </a:graphicData>
-        </a:graphic>
-      </p:graphicFrame>
-      <p:graphicFrame>
-        <p:nvGraphicFramePr>
-          <p:cNvPr id="55" name="Bảng 3">
-            <a:extLst>
-              <a:ext uri="{FF2B5EF4-FFF2-40B4-BE49-F238E27FC236}">
-                <a16:creationId xmlns:a16="http://schemas.microsoft.com/office/drawing/2014/main" id="{66E37E75-46E2-4E91-AFDE-5989EEF379C9}"/>
-              </a:ext>
-            </a:extLst>
-          </p:cNvPr>
-          <p:cNvGraphicFramePr>
-            <a:graphicFrameLocks noGrp="1"/>
-          </p:cNvGraphicFramePr>
-          <p:nvPr>
-            <p:extLst>
-              <p:ext uri="{D42A27DB-BD31-4B8C-83A1-F6EECF244321}">
-                <p14:modId xmlns:p14="http://schemas.microsoft.com/office/powerpoint/2010/main" val="4178978818"/>
-              </p:ext>
-            </p:extLst>
-          </p:nvPr>
-        </p:nvGraphicFramePr>
-        <p:xfrm>
-          <a:off x="8452136" y="1490932"/>
-          <a:ext cx="1655503" cy="1005840"/>
-        </p:xfrm>
-        <a:graphic>
-          <a:graphicData uri="http://schemas.openxmlformats.org/drawingml/2006/table">
-            <a:tbl>
-              <a:tblPr firstRow="1" bandRow="1">
-                <a:tableStyleId>{5C22544A-7EE6-4342-B048-85BDC9FD1C3A}</a:tableStyleId>
-              </a:tblPr>
-              <a:tblGrid>
-                <a:gridCol w="1655503">
-                  <a:extLst>
-                    <a:ext uri="{9D8B030D-6E8A-4147-A177-3AD203B41FA5}">
-                      <a16:colId xmlns:a16="http://schemas.microsoft.com/office/drawing/2014/main" val="2414103788"/>
-                    </a:ext>
-                  </a:extLst>
-                </a:gridCol>
-              </a:tblGrid>
-              <a:tr h="0">
-                <a:tc>
-                  <a:txBody>
-                    <a:bodyPr/>
-                    <a:lstStyle/>
-                    <a:p>
-                      <a:r>
-                        <a:rPr lang="en-US">
-                          <a:solidFill>
-                            <a:schemeClr val="tx1"/>
-                          </a:solidFill>
-                        </a:rPr>
-                        <a:t>DETAIL_BILL</a:t>
-                      </a:r>
-                      <a:endParaRPr lang="vi-VN">
-                        <a:solidFill>
-                          <a:schemeClr val="tx1"/>
-                        </a:solidFill>
-                      </a:endParaRPr>
-                    </a:p>
-                  </a:txBody>
-                  <a:tcPr>
-                    <a:lnL w="12700" cap="flat" cmpd="sng" algn="ctr">
-                      <a:solidFill>
-                        <a:schemeClr val="tx1"/>
-                      </a:solidFill>
-                      <a:prstDash val="solid"/>
-                      <a:round/>
-                      <a:headEnd type="none" w="med" len="med"/>
-                      <a:tailEnd type="none" w="med" len="med"/>
-                    </a:lnL>
-                    <a:lnR w="12700" cap="flat" cmpd="sng" algn="ctr">
-                      <a:solidFill>
-                        <a:schemeClr val="tx1"/>
-                      </a:solidFill>
-                      <a:prstDash val="solid"/>
-                      <a:round/>
-                      <a:headEnd type="none" w="med" len="med"/>
-                      <a:tailEnd type="none" w="med" len="med"/>
-                    </a:lnR>
-                    <a:lnT w="12700" cap="flat" cmpd="sng" algn="ctr">
-                      <a:solidFill>
-                        <a:schemeClr val="tx1"/>
-                      </a:solidFill>
-                      <a:prstDash val="solid"/>
-                      <a:round/>
-                      <a:headEnd type="none" w="med" len="med"/>
-                      <a:tailEnd type="none" w="med" len="med"/>
-                    </a:lnT>
-                    <a:lnB w="12700" cap="flat" cmpd="sng" algn="ctr">
-                      <a:solidFill>
-                        <a:schemeClr val="tx1"/>
-                      </a:solidFill>
-                      <a:prstDash val="solid"/>
-                      <a:round/>
-                      <a:headEnd type="none" w="med" len="med"/>
-                      <a:tailEnd type="none" w="med" len="med"/>
-                    </a:lnB>
-                    <a:noFill/>
-                  </a:tcPr>
-                </a:tc>
-                <a:extLst>
-                  <a:ext uri="{0D108BD9-81ED-4DB2-BD59-A6C34878D82A}">
-                    <a16:rowId xmlns:a16="http://schemas.microsoft.com/office/drawing/2014/main" val="18368608"/>
-                  </a:ext>
-                </a:extLst>
-              </a:tr>
-              <a:tr h="0">
-                <a:tc>
-                  <a:txBody>
-                    <a:bodyPr/>
-                    <a:lstStyle/>
-                    <a:p>
-                      <a:r>
-                        <a:rPr lang="en-US">
-                          <a:solidFill>
-                            <a:schemeClr val="tx1"/>
-                          </a:solidFill>
-                        </a:rPr>
-                        <a:t>ID_Bill (FK)</a:t>
-                      </a:r>
-                    </a:p>
-                    <a:p>
-                      <a:r>
-                        <a:rPr lang="en-US">
-                          <a:solidFill>
-                            <a:schemeClr val="tx1"/>
-                          </a:solidFill>
-                        </a:rPr>
-                        <a:t>ID_Item (FK)</a:t>
-                      </a:r>
-                      <a:endParaRPr lang="vi-VN">
-                        <a:solidFill>
-                          <a:schemeClr val="tx1"/>
-                        </a:solidFill>
-                      </a:endParaRPr>
-                    </a:p>
-                  </a:txBody>
-                  <a:tcPr>
-                    <a:lnL w="12700" cap="flat" cmpd="sng" algn="ctr">
-                      <a:solidFill>
-                        <a:schemeClr val="tx1"/>
-                      </a:solidFill>
-                      <a:prstDash val="solid"/>
-                      <a:round/>
-                      <a:headEnd type="none" w="med" len="med"/>
-                      <a:tailEnd type="none" w="med" len="med"/>
-                    </a:lnL>
-                    <a:lnR w="12700" cap="flat" cmpd="sng" algn="ctr">
-                      <a:solidFill>
-                        <a:schemeClr val="tx1"/>
-                      </a:solidFill>
-                      <a:prstDash val="solid"/>
-                      <a:round/>
-                      <a:headEnd type="none" w="med" len="med"/>
-                      <a:tailEnd type="none" w="med" len="med"/>
-                    </a:lnR>
-                    <a:lnT w="12700" cap="flat" cmpd="sng" algn="ctr">
-                      <a:solidFill>
-                        <a:schemeClr val="tx1"/>
-                      </a:solidFill>
-                      <a:prstDash val="solid"/>
-                      <a:round/>
-                      <a:headEnd type="none" w="med" len="med"/>
-                      <a:tailEnd type="none" w="med" len="med"/>
-                    </a:lnT>
-                    <a:lnB w="12700" cap="flat" cmpd="sng" algn="ctr">
-                      <a:solidFill>
-                        <a:schemeClr val="tx1"/>
-                      </a:solidFill>
-                      <a:prstDash val="solid"/>
-                      <a:round/>
-                      <a:headEnd type="none" w="med" len="med"/>
-                      <a:tailEnd type="none" w="med" len="med"/>
-                    </a:lnB>
-                    <a:noFill/>
-                  </a:tcPr>
-                </a:tc>
-                <a:extLst>
-                  <a:ext uri="{0D108BD9-81ED-4DB2-BD59-A6C34878D82A}">
-                    <a16:rowId xmlns:a16="http://schemas.microsoft.com/office/drawing/2014/main" val="2369838159"/>
-                  </a:ext>
-                </a:extLst>
-              </a:tr>
-            </a:tbl>
-          </a:graphicData>
-        </a:graphic>
-      </p:graphicFrame>
-      <p:graphicFrame>
-        <p:nvGraphicFramePr>
-          <p:cNvPr id="57" name="Bảng 3">
-            <a:extLst>
-              <a:ext uri="{FF2B5EF4-FFF2-40B4-BE49-F238E27FC236}">
-                <a16:creationId xmlns:a16="http://schemas.microsoft.com/office/drawing/2014/main" id="{B5AC7339-C85D-4326-8F3A-C1AC24658E44}"/>
-              </a:ext>
-            </a:extLst>
-          </p:cNvPr>
-          <p:cNvGraphicFramePr>
-            <a:graphicFrameLocks noGrp="1"/>
-          </p:cNvGraphicFramePr>
-          <p:nvPr>
-            <p:extLst>
-              <p:ext uri="{D42A27DB-BD31-4B8C-83A1-F6EECF244321}">
-                <p14:modId xmlns:p14="http://schemas.microsoft.com/office/powerpoint/2010/main" val="4072973305"/>
-              </p:ext>
-            </p:extLst>
-          </p:nvPr>
-        </p:nvGraphicFramePr>
-        <p:xfrm>
-          <a:off x="8953258" y="3429000"/>
-          <a:ext cx="2042363" cy="1854200"/>
-        </p:xfrm>
-        <a:graphic>
-          <a:graphicData uri="http://schemas.openxmlformats.org/drawingml/2006/table">
-            <a:tbl>
-              <a:tblPr firstRow="1" bandRow="1">
-                <a:tableStyleId>{5C22544A-7EE6-4342-B048-85BDC9FD1C3A}</a:tableStyleId>
-              </a:tblPr>
-              <a:tblGrid>
-                <a:gridCol w="2042363">
-                  <a:extLst>
-                    <a:ext uri="{9D8B030D-6E8A-4147-A177-3AD203B41FA5}">
-                      <a16:colId xmlns:a16="http://schemas.microsoft.com/office/drawing/2014/main" val="2414103788"/>
-                    </a:ext>
-                  </a:extLst>
-                </a:gridCol>
-              </a:tblGrid>
-              <a:tr h="370840">
-                <a:tc>
-                  <a:txBody>
-                    <a:bodyPr/>
-                    <a:lstStyle/>
-                    <a:p>
-                      <a:r>
-                        <a:rPr lang="en-US">
-                          <a:solidFill>
-                            <a:schemeClr val="tx1"/>
-                          </a:solidFill>
-                        </a:rPr>
-                        <a:t>ITEM</a:t>
-                      </a:r>
-                      <a:endParaRPr lang="vi-VN">
-                        <a:solidFill>
-                          <a:schemeClr val="tx1"/>
-                        </a:solidFill>
-                      </a:endParaRPr>
-                    </a:p>
-                  </a:txBody>
-                  <a:tcPr>
-                    <a:lnL w="12700" cap="flat" cmpd="sng" algn="ctr">
-                      <a:solidFill>
-                        <a:schemeClr val="tx1"/>
-                      </a:solidFill>
-                      <a:prstDash val="solid"/>
-                      <a:round/>
-                      <a:headEnd type="none" w="med" len="med"/>
-                      <a:tailEnd type="none" w="med" len="med"/>
-                    </a:lnL>
-                    <a:lnR w="12700" cap="flat" cmpd="sng" algn="ctr">
-                      <a:solidFill>
-                        <a:schemeClr val="tx1"/>
-                      </a:solidFill>
-                      <a:prstDash val="solid"/>
-                      <a:round/>
-                      <a:headEnd type="none" w="med" len="med"/>
-                      <a:tailEnd type="none" w="med" len="med"/>
-                    </a:lnR>
-                    <a:lnT w="12700" cap="flat" cmpd="sng" algn="ctr">
-                      <a:solidFill>
-                        <a:schemeClr val="tx1"/>
-                      </a:solidFill>
-                      <a:prstDash val="solid"/>
-                      <a:round/>
-                      <a:headEnd type="none" w="med" len="med"/>
-                      <a:tailEnd type="none" w="med" len="med"/>
-                    </a:lnT>
-                    <a:lnB w="12700" cap="flat" cmpd="sng" algn="ctr">
-                      <a:solidFill>
-                        <a:schemeClr val="tx1"/>
-                      </a:solidFill>
-                      <a:prstDash val="solid"/>
-                      <a:round/>
-                      <a:headEnd type="none" w="med" len="med"/>
-                      <a:tailEnd type="none" w="med" len="med"/>
-                    </a:lnB>
-                    <a:noFill/>
-                  </a:tcPr>
-                </a:tc>
-                <a:extLst>
-                  <a:ext uri="{0D108BD9-81ED-4DB2-BD59-A6C34878D82A}">
-                    <a16:rowId xmlns:a16="http://schemas.microsoft.com/office/drawing/2014/main" val="18368608"/>
-                  </a:ext>
-                </a:extLst>
-              </a:tr>
-              <a:tr h="1483360">
-                <a:tc>
-                  <a:txBody>
-                    <a:bodyPr/>
-                    <a:lstStyle/>
-                    <a:p>
-                      <a:r>
-                        <a:rPr lang="en-US">
-                          <a:solidFill>
-                            <a:schemeClr val="tx1"/>
-                          </a:solidFill>
-                        </a:rPr>
-                        <a:t>ID (PK)</a:t>
-                      </a:r>
-                    </a:p>
-                    <a:p>
-                      <a:r>
-                        <a:rPr lang="en-US">
-                          <a:solidFill>
-                            <a:schemeClr val="tx1"/>
-                          </a:solidFill>
-                        </a:rPr>
-                        <a:t>Name</a:t>
-                      </a:r>
-                    </a:p>
-                    <a:p>
-                      <a:r>
-                        <a:rPr lang="en-US">
-                          <a:solidFill>
-                            <a:schemeClr val="tx1"/>
-                          </a:solidFill>
-                        </a:rPr>
-                        <a:t>Price</a:t>
-                      </a:r>
-                    </a:p>
-                    <a:p>
-                      <a:r>
-                        <a:rPr lang="en-US">
-                          <a:solidFill>
-                            <a:schemeClr val="tx1"/>
-                          </a:solidFill>
-                        </a:rPr>
-                        <a:t>Type</a:t>
-                      </a:r>
-                      <a:endParaRPr lang="vi-VN">
-                        <a:solidFill>
-                          <a:schemeClr val="tx1"/>
-                        </a:solidFill>
-                      </a:endParaRPr>
-                    </a:p>
-                  </a:txBody>
-                  <a:tcPr>
-                    <a:lnL w="12700" cap="flat" cmpd="sng" algn="ctr">
-                      <a:solidFill>
-                        <a:schemeClr val="tx1"/>
-                      </a:solidFill>
-                      <a:prstDash val="solid"/>
-                      <a:round/>
-                      <a:headEnd type="none" w="med" len="med"/>
-                      <a:tailEnd type="none" w="med" len="med"/>
-                    </a:lnL>
-                    <a:lnR w="12700" cap="flat" cmpd="sng" algn="ctr">
-                      <a:solidFill>
-                        <a:schemeClr val="tx1"/>
-                      </a:solidFill>
-                      <a:prstDash val="solid"/>
-                      <a:round/>
-                      <a:headEnd type="none" w="med" len="med"/>
-                      <a:tailEnd type="none" w="med" len="med"/>
-                    </a:lnR>
-                    <a:lnT w="12700" cap="flat" cmpd="sng" algn="ctr">
-                      <a:solidFill>
-                        <a:schemeClr val="tx1"/>
-                      </a:solidFill>
-                      <a:prstDash val="solid"/>
-                      <a:round/>
-                      <a:headEnd type="none" w="med" len="med"/>
-                      <a:tailEnd type="none" w="med" len="med"/>
-                    </a:lnT>
-                    <a:lnB w="12700" cap="flat" cmpd="sng" algn="ctr">
-                      <a:solidFill>
-                        <a:schemeClr val="tx1"/>
-                      </a:solidFill>
-                      <a:prstDash val="solid"/>
-                      <a:round/>
-                      <a:headEnd type="none" w="med" len="med"/>
-                      <a:tailEnd type="none" w="med" len="med"/>
-                    </a:lnB>
-                    <a:noFill/>
-                  </a:tcPr>
-                </a:tc>
-                <a:extLst>
-                  <a:ext uri="{0D108BD9-81ED-4DB2-BD59-A6C34878D82A}">
-                    <a16:rowId xmlns:a16="http://schemas.microsoft.com/office/drawing/2014/main" val="2369838159"/>
-                  </a:ext>
-                </a:extLst>
-              </a:tr>
-            </a:tbl>
-          </a:graphicData>
-        </a:graphic>
-      </p:graphicFrame>
-      <p:graphicFrame>
-        <p:nvGraphicFramePr>
-          <p:cNvPr id="101" name="Bảng 3">
-            <a:extLst>
-              <a:ext uri="{FF2B5EF4-FFF2-40B4-BE49-F238E27FC236}">
-                <a16:creationId xmlns:a16="http://schemas.microsoft.com/office/drawing/2014/main" id="{901DDF99-8C0F-4649-B81F-30149E40EE82}"/>
-              </a:ext>
-            </a:extLst>
-          </p:cNvPr>
-          <p:cNvGraphicFramePr>
-            <a:graphicFrameLocks noGrp="1"/>
-          </p:cNvGraphicFramePr>
-          <p:nvPr>
-            <p:extLst>
-              <p:ext uri="{D42A27DB-BD31-4B8C-83A1-F6EECF244321}">
-                <p14:modId xmlns:p14="http://schemas.microsoft.com/office/powerpoint/2010/main" val="767821564"/>
-              </p:ext>
-            </p:extLst>
-          </p:nvPr>
-        </p:nvGraphicFramePr>
-        <p:xfrm>
-          <a:off x="3831036" y="5281061"/>
-          <a:ext cx="1927477" cy="731520"/>
-        </p:xfrm>
-        <a:graphic>
-          <a:graphicData uri="http://schemas.openxmlformats.org/drawingml/2006/table">
-            <a:tbl>
-              <a:tblPr firstRow="1" bandRow="1">
-                <a:tableStyleId>{5C22544A-7EE6-4342-B048-85BDC9FD1C3A}</a:tableStyleId>
-              </a:tblPr>
-              <a:tblGrid>
-                <a:gridCol w="1927477">
-                  <a:extLst>
-                    <a:ext uri="{9D8B030D-6E8A-4147-A177-3AD203B41FA5}">
-                      <a16:colId xmlns:a16="http://schemas.microsoft.com/office/drawing/2014/main" val="2414103788"/>
-                    </a:ext>
-                  </a:extLst>
-                </a:gridCol>
-              </a:tblGrid>
-              <a:tr h="0">
-                <a:tc>
-                  <a:txBody>
-                    <a:bodyPr/>
-                    <a:lstStyle/>
-                    <a:p>
-                      <a:r>
-                        <a:rPr lang="en-US">
-                          <a:solidFill>
-                            <a:schemeClr val="tx1"/>
-                          </a:solidFill>
-                        </a:rPr>
-                        <a:t>IMPORT_BILL</a:t>
-                      </a:r>
-                      <a:endParaRPr lang="vi-VN">
-                        <a:solidFill>
-                          <a:schemeClr val="tx1"/>
-                        </a:solidFill>
-                      </a:endParaRPr>
-                    </a:p>
-                  </a:txBody>
-                  <a:tcPr>
-                    <a:lnL w="12700" cap="flat" cmpd="sng" algn="ctr">
-                      <a:solidFill>
-                        <a:schemeClr val="tx1"/>
-                      </a:solidFill>
-                      <a:prstDash val="solid"/>
-                      <a:round/>
-                      <a:headEnd type="none" w="med" len="med"/>
-                      <a:tailEnd type="none" w="med" len="med"/>
-                    </a:lnL>
-                    <a:lnR w="12700" cap="flat" cmpd="sng" algn="ctr">
-                      <a:solidFill>
-                        <a:schemeClr val="tx1"/>
-                      </a:solidFill>
-                      <a:prstDash val="solid"/>
-                      <a:round/>
-                      <a:headEnd type="none" w="med" len="med"/>
-                      <a:tailEnd type="none" w="med" len="med"/>
-                    </a:lnR>
-                    <a:lnT w="12700" cap="flat" cmpd="sng" algn="ctr">
-                      <a:solidFill>
-                        <a:schemeClr val="tx1"/>
-                      </a:solidFill>
-                      <a:prstDash val="solid"/>
-                      <a:round/>
-                      <a:headEnd type="none" w="med" len="med"/>
-                      <a:tailEnd type="none" w="med" len="med"/>
-                    </a:lnT>
-                    <a:lnB w="12700" cap="flat" cmpd="sng" algn="ctr">
-                      <a:solidFill>
-                        <a:schemeClr val="tx1"/>
-                      </a:solidFill>
-                      <a:prstDash val="solid"/>
-                      <a:round/>
-                      <a:headEnd type="none" w="med" len="med"/>
-                      <a:tailEnd type="none" w="med" len="med"/>
-                    </a:lnB>
-                    <a:noFill/>
-                  </a:tcPr>
-                </a:tc>
-                <a:extLst>
-                  <a:ext uri="{0D108BD9-81ED-4DB2-BD59-A6C34878D82A}">
-                    <a16:rowId xmlns:a16="http://schemas.microsoft.com/office/drawing/2014/main" val="18368608"/>
-                  </a:ext>
-                </a:extLst>
-              </a:tr>
-              <a:tr h="0">
-                <a:tc>
-                  <a:txBody>
-                    <a:bodyPr/>
-                    <a:lstStyle/>
-                    <a:p>
-                      <a:r>
-                        <a:rPr lang="en-US">
-                          <a:solidFill>
-                            <a:schemeClr val="tx1"/>
-                          </a:solidFill>
-                        </a:rPr>
-                        <a:t>…</a:t>
-                      </a:r>
-                      <a:endParaRPr lang="vi-VN">
-                        <a:solidFill>
-                          <a:schemeClr val="tx1"/>
-                        </a:solidFill>
-                      </a:endParaRPr>
-                    </a:p>
-                  </a:txBody>
-                  <a:tcPr>
-                    <a:lnL w="12700" cap="flat" cmpd="sng" algn="ctr">
-                      <a:solidFill>
-                        <a:schemeClr val="tx1"/>
-                      </a:solidFill>
-                      <a:prstDash val="solid"/>
-                      <a:round/>
-                      <a:headEnd type="none" w="med" len="med"/>
-                      <a:tailEnd type="none" w="med" len="med"/>
-                    </a:lnL>
-                    <a:lnR w="12700" cap="flat" cmpd="sng" algn="ctr">
-                      <a:solidFill>
-                        <a:schemeClr val="tx1"/>
-                      </a:solidFill>
-                      <a:prstDash val="solid"/>
-                      <a:round/>
-                      <a:headEnd type="none" w="med" len="med"/>
-                      <a:tailEnd type="none" w="med" len="med"/>
-                    </a:lnR>
-                    <a:lnT w="12700" cap="flat" cmpd="sng" algn="ctr">
-                      <a:solidFill>
-                        <a:schemeClr val="tx1"/>
-                      </a:solidFill>
-                      <a:prstDash val="solid"/>
-                      <a:round/>
-                      <a:headEnd type="none" w="med" len="med"/>
-                      <a:tailEnd type="none" w="med" len="med"/>
-                    </a:lnT>
-                    <a:lnB w="12700" cap="flat" cmpd="sng" algn="ctr">
-                      <a:solidFill>
-                        <a:schemeClr val="tx1"/>
-                      </a:solidFill>
-                      <a:prstDash val="solid"/>
-                      <a:round/>
-                      <a:headEnd type="none" w="med" len="med"/>
-                      <a:tailEnd type="none" w="med" len="med"/>
-                    </a:lnB>
-                    <a:noFill/>
-                  </a:tcPr>
-                </a:tc>
-                <a:extLst>
-                  <a:ext uri="{0D108BD9-81ED-4DB2-BD59-A6C34878D82A}">
-                    <a16:rowId xmlns:a16="http://schemas.microsoft.com/office/drawing/2014/main" val="2369838159"/>
-                  </a:ext>
-                </a:extLst>
-              </a:tr>
-            </a:tbl>
-          </a:graphicData>
-        </a:graphic>
-      </p:graphicFrame>
-      <mc:AlternateContent xmlns:mc="http://schemas.openxmlformats.org/markup-compatibility/2006" xmlns:p14="http://schemas.microsoft.com/office/powerpoint/2010/main">
-        <mc:Choice Requires="p14">
-          <p:contentPart p14:bwMode="auto" r:id="rId2">
-            <p14:nvContentPartPr>
-              <p14:cNvPr id="4" name="Viết tay 3">
-                <a:extLst>
-                  <a:ext uri="{FF2B5EF4-FFF2-40B4-BE49-F238E27FC236}">
-                    <a16:creationId xmlns:a16="http://schemas.microsoft.com/office/drawing/2014/main" id="{4DED5FF5-AB90-429F-A4F1-F96632AF86DE}"/>
-                  </a:ext>
-                </a:extLst>
-              </p14:cNvPr>
-              <p14:cNvContentPartPr/>
-              <p14:nvPr/>
-            </p14:nvContentPartPr>
-            <p14:xfrm>
-              <a:off x="3119760" y="2617920"/>
-              <a:ext cx="161640" cy="260280"/>
-            </p14:xfrm>
-          </p:contentPart>
-        </mc:Choice>
-        <mc:Fallback xmlns="">
-          <p:pic>
-            <p:nvPicPr>
-              <p:cNvPr id="4" name="Viết tay 3">
-                <a:extLst>
-                  <a:ext uri="{FF2B5EF4-FFF2-40B4-BE49-F238E27FC236}">
-                    <a16:creationId xmlns:a16="http://schemas.microsoft.com/office/drawing/2014/main" id="{4DED5FF5-AB90-429F-A4F1-F96632AF86DE}"/>
-                  </a:ext>
-                </a:extLst>
-              </p:cNvPr>
-              <p:cNvPicPr/>
-              <p:nvPr/>
-            </p:nvPicPr>
-            <p:blipFill>
-              <a:blip r:embed="rId3"/>
-              <a:stretch>
-                <a:fillRect/>
-              </a:stretch>
-            </p:blipFill>
-            <p:spPr>
-              <a:xfrm>
-                <a:off x="3110400" y="2608560"/>
-                <a:ext cx="180360" cy="279000"/>
-              </a:xfrm>
-              <a:prstGeom prst="rect">
-                <a:avLst/>
-              </a:prstGeom>
-            </p:spPr>
-          </p:pic>
-        </mc:Fallback>
-      </mc:AlternateContent>
-      <mc:AlternateContent xmlns:mc="http://schemas.openxmlformats.org/markup-compatibility/2006" xmlns:p14="http://schemas.microsoft.com/office/powerpoint/2010/main">
-        <mc:Choice Requires="p14">
-          <p:contentPart p14:bwMode="auto" r:id="rId4">
-            <p14:nvContentPartPr>
-              <p14:cNvPr id="5" name="Viết tay 4">
-                <a:extLst>
-                  <a:ext uri="{FF2B5EF4-FFF2-40B4-BE49-F238E27FC236}">
-                    <a16:creationId xmlns:a16="http://schemas.microsoft.com/office/drawing/2014/main" id="{9BDF63D0-AD29-4A8A-A15E-8839B37F930A}"/>
-                  </a:ext>
-                </a:extLst>
-              </p14:cNvPr>
-              <p14:cNvContentPartPr/>
-              <p14:nvPr/>
-            </p14:nvContentPartPr>
-            <p14:xfrm>
-              <a:off x="3299040" y="2071080"/>
-              <a:ext cx="1802160" cy="681480"/>
-            </p14:xfrm>
-          </p:contentPart>
-        </mc:Choice>
-        <mc:Fallback xmlns="">
-          <p:pic>
-            <p:nvPicPr>
-              <p:cNvPr id="5" name="Viết tay 4">
-                <a:extLst>
-                  <a:ext uri="{FF2B5EF4-FFF2-40B4-BE49-F238E27FC236}">
-                    <a16:creationId xmlns:a16="http://schemas.microsoft.com/office/drawing/2014/main" id="{9BDF63D0-AD29-4A8A-A15E-8839B37F930A}"/>
-                  </a:ext>
-                </a:extLst>
-              </p:cNvPr>
-              <p:cNvPicPr/>
-              <p:nvPr/>
-            </p:nvPicPr>
-            <p:blipFill>
-              <a:blip r:embed="rId5"/>
-              <a:stretch>
-                <a:fillRect/>
-              </a:stretch>
-            </p:blipFill>
-            <p:spPr>
-              <a:xfrm>
-                <a:off x="3289680" y="2061720"/>
-                <a:ext cx="1820880" cy="700200"/>
-              </a:xfrm>
-              <a:prstGeom prst="rect">
-                <a:avLst/>
-              </a:prstGeom>
-            </p:spPr>
-          </p:pic>
-        </mc:Fallback>
-      </mc:AlternateContent>
-      <p:sp>
-        <p:nvSpPr>
-          <p:cNvPr id="28" name="Hộp Văn bản 27">
-            <a:extLst>
-              <a:ext uri="{FF2B5EF4-FFF2-40B4-BE49-F238E27FC236}">
-                <a16:creationId xmlns:a16="http://schemas.microsoft.com/office/drawing/2014/main" id="{51634E56-EECF-4A1A-AADE-E16AC0DE66B6}"/>
-              </a:ext>
-            </a:extLst>
-          </p:cNvPr>
-          <p:cNvSpPr txBox="1"/>
-          <p:nvPr/>
-        </p:nvSpPr>
-        <p:spPr>
-          <a:xfrm>
-            <a:off x="6789453" y="923733"/>
-            <a:ext cx="767047" cy="369332"/>
-          </a:xfrm>
-          <a:prstGeom prst="rect">
-            <a:avLst/>
-          </a:prstGeom>
-          <a:noFill/>
-        </p:spPr>
-        <p:txBody>
-          <a:bodyPr wrap="square" rtlCol="0">
-            <a:spAutoFit/>
-          </a:bodyPr>
-          <a:lstStyle/>
-          <a:p>
-            <a:r>
-              <a:rPr lang="en-US"/>
-              <a:t>Table</a:t>
-            </a:r>
-            <a:endParaRPr lang="vi-VN"/>
-          </a:p>
-        </p:txBody>
-      </p:sp>
-      <p:cxnSp>
-        <p:nvCxnSpPr>
-          <p:cNvPr id="29" name="Đường kết nối Mũi tên Thẳng 28">
-            <a:extLst>
-              <a:ext uri="{FF2B5EF4-FFF2-40B4-BE49-F238E27FC236}">
-                <a16:creationId xmlns:a16="http://schemas.microsoft.com/office/drawing/2014/main" id="{3C898AA6-67EA-4104-8330-10DE1E797529}"/>
-              </a:ext>
-            </a:extLst>
-          </p:cNvPr>
-          <p:cNvCxnSpPr>
-            <a:cxnSpLocks/>
-          </p:cNvCxnSpPr>
-          <p:nvPr/>
-        </p:nvCxnSpPr>
-        <p:spPr>
-          <a:xfrm flipH="1">
-            <a:off x="6522167" y="1334769"/>
-            <a:ext cx="499302" cy="421322"/>
-          </a:xfrm>
-          <a:prstGeom prst="straightConnector1">
-            <a:avLst/>
-          </a:prstGeom>
-          <a:ln>
-            <a:tailEnd type="triangle"/>
-          </a:ln>
-        </p:spPr>
-        <p:style>
-          <a:lnRef idx="1">
-            <a:schemeClr val="dk1"/>
-          </a:lnRef>
-          <a:fillRef idx="0">
-            <a:schemeClr val="dk1"/>
-          </a:fillRef>
-          <a:effectRef idx="0">
-            <a:schemeClr val="dk1"/>
-          </a:effectRef>
-          <a:fontRef idx="minor">
-            <a:schemeClr val="tx1"/>
-          </a:fontRef>
-        </p:style>
-      </p:cxnSp>
-      <p:sp>
-        <p:nvSpPr>
-          <p:cNvPr id="30" name="Hộp Văn bản 29">
-            <a:extLst>
-              <a:ext uri="{FF2B5EF4-FFF2-40B4-BE49-F238E27FC236}">
-                <a16:creationId xmlns:a16="http://schemas.microsoft.com/office/drawing/2014/main" id="{B1B36502-053A-42FC-A9C6-AE9B48FF35FE}"/>
-              </a:ext>
-            </a:extLst>
-          </p:cNvPr>
-          <p:cNvSpPr txBox="1"/>
-          <p:nvPr/>
-        </p:nvSpPr>
-        <p:spPr>
-          <a:xfrm>
-            <a:off x="6824723" y="1994874"/>
-            <a:ext cx="731777" cy="369332"/>
-          </a:xfrm>
-          <a:prstGeom prst="rect">
-            <a:avLst/>
-          </a:prstGeom>
-          <a:noFill/>
-        </p:spPr>
-        <p:txBody>
-          <a:bodyPr wrap="square" rtlCol="0">
-            <a:spAutoFit/>
-          </a:bodyPr>
-          <a:lstStyle/>
-          <a:p>
-            <a:r>
-              <a:rPr lang="en-US"/>
-              <a:t>Field</a:t>
-            </a:r>
-            <a:endParaRPr lang="vi-VN"/>
-          </a:p>
-        </p:txBody>
-      </p:sp>
-      <p:cxnSp>
-        <p:nvCxnSpPr>
-          <p:cNvPr id="31" name="Đường kết nối Mũi tên Thẳng 30">
-            <a:extLst>
-              <a:ext uri="{FF2B5EF4-FFF2-40B4-BE49-F238E27FC236}">
-                <a16:creationId xmlns:a16="http://schemas.microsoft.com/office/drawing/2014/main" id="{1DCBDA9A-A27A-4CDC-A3FA-896AC89FA1C0}"/>
-              </a:ext>
-            </a:extLst>
-          </p:cNvPr>
-          <p:cNvCxnSpPr>
-            <a:cxnSpLocks/>
-          </p:cNvCxnSpPr>
-          <p:nvPr/>
-        </p:nvCxnSpPr>
-        <p:spPr>
-          <a:xfrm flipH="1">
-            <a:off x="6522167" y="2457900"/>
-            <a:ext cx="392003" cy="255584"/>
-          </a:xfrm>
-          <a:prstGeom prst="straightConnector1">
-            <a:avLst/>
-          </a:prstGeom>
-          <a:ln>
-            <a:tailEnd type="triangle"/>
-          </a:ln>
-        </p:spPr>
-        <p:style>
-          <a:lnRef idx="1">
-            <a:schemeClr val="dk1"/>
-          </a:lnRef>
-          <a:fillRef idx="0">
-            <a:schemeClr val="dk1"/>
-          </a:fillRef>
-          <a:effectRef idx="0">
-            <a:schemeClr val="dk1"/>
-          </a:effectRef>
-          <a:fontRef idx="minor">
-            <a:schemeClr val="tx1"/>
-          </a:fontRef>
-        </p:style>
-      </p:cxnSp>
-      <p:sp>
-        <p:nvSpPr>
-          <p:cNvPr id="33" name="Hộp Văn bản 32">
-            <a:extLst>
-              <a:ext uri="{FF2B5EF4-FFF2-40B4-BE49-F238E27FC236}">
-                <a16:creationId xmlns:a16="http://schemas.microsoft.com/office/drawing/2014/main" id="{C9FE20D8-8EE2-42B0-92F6-066F27A191EF}"/>
-              </a:ext>
-            </a:extLst>
-          </p:cNvPr>
-          <p:cNvSpPr txBox="1"/>
-          <p:nvPr/>
-        </p:nvSpPr>
-        <p:spPr>
-          <a:xfrm>
-            <a:off x="6997846" y="1472350"/>
-            <a:ext cx="767047" cy="369332"/>
-          </a:xfrm>
-          <a:prstGeom prst="rect">
-            <a:avLst/>
-          </a:prstGeom>
-          <a:noFill/>
-        </p:spPr>
-        <p:txBody>
-          <a:bodyPr wrap="square" rtlCol="0">
-            <a:spAutoFit/>
-          </a:bodyPr>
-          <a:lstStyle/>
-          <a:p>
-            <a:r>
-              <a:rPr lang="en-US"/>
-              <a:t>Key</a:t>
-            </a:r>
-            <a:endParaRPr lang="vi-VN"/>
-          </a:p>
-        </p:txBody>
-      </p:sp>
-      <p:cxnSp>
-        <p:nvCxnSpPr>
-          <p:cNvPr id="34" name="Đường kết nối Mũi tên Thẳng 33">
-            <a:extLst>
-              <a:ext uri="{FF2B5EF4-FFF2-40B4-BE49-F238E27FC236}">
-                <a16:creationId xmlns:a16="http://schemas.microsoft.com/office/drawing/2014/main" id="{4EFB28D8-C74D-45B3-A949-115897F55045}"/>
-              </a:ext>
-            </a:extLst>
-          </p:cNvPr>
-          <p:cNvCxnSpPr>
-            <a:cxnSpLocks/>
-          </p:cNvCxnSpPr>
-          <p:nvPr/>
-        </p:nvCxnSpPr>
-        <p:spPr>
-          <a:xfrm flipH="1">
-            <a:off x="6557437" y="1794408"/>
-            <a:ext cx="499302" cy="421322"/>
-          </a:xfrm>
-          <a:prstGeom prst="straightConnector1">
-            <a:avLst/>
-          </a:prstGeom>
-          <a:ln>
-            <a:tailEnd type="triangle"/>
-          </a:ln>
-        </p:spPr>
-        <p:style>
-          <a:lnRef idx="1">
-            <a:schemeClr val="dk1"/>
-          </a:lnRef>
-          <a:fillRef idx="0">
-            <a:schemeClr val="dk1"/>
-          </a:fillRef>
-          <a:effectRef idx="0">
-            <a:schemeClr val="dk1"/>
-          </a:effectRef>
-          <a:fontRef idx="minor">
-            <a:schemeClr val="tx1"/>
-          </a:fontRef>
-        </p:style>
-      </p:cxnSp>
-      <p:sp>
-        <p:nvSpPr>
-          <p:cNvPr id="36" name="Hộp Văn bản 35">
-            <a:extLst>
-              <a:ext uri="{FF2B5EF4-FFF2-40B4-BE49-F238E27FC236}">
-                <a16:creationId xmlns:a16="http://schemas.microsoft.com/office/drawing/2014/main" id="{4DD4A889-9915-478A-B849-7DBC36ABF0A6}"/>
-              </a:ext>
-            </a:extLst>
-          </p:cNvPr>
-          <p:cNvSpPr txBox="1"/>
-          <p:nvPr/>
-        </p:nvSpPr>
-        <p:spPr>
-          <a:xfrm>
-            <a:off x="3556000" y="3244334"/>
-            <a:ext cx="1422400" cy="369332"/>
-          </a:xfrm>
-          <a:prstGeom prst="rect">
-            <a:avLst/>
-          </a:prstGeom>
-          <a:noFill/>
-        </p:spPr>
-        <p:txBody>
-          <a:bodyPr wrap="square" rtlCol="0">
-            <a:spAutoFit/>
-          </a:bodyPr>
-          <a:lstStyle/>
-          <a:p>
-            <a:r>
-              <a:rPr lang="en-US"/>
-              <a:t>Relatiopship</a:t>
-            </a:r>
-            <a:endParaRPr lang="vi-VN"/>
-          </a:p>
-        </p:txBody>
-      </p:sp>
-      <p:cxnSp>
-        <p:nvCxnSpPr>
-          <p:cNvPr id="37" name="Đường kết nối Mũi tên Thẳng 36">
-            <a:extLst>
-              <a:ext uri="{FF2B5EF4-FFF2-40B4-BE49-F238E27FC236}">
-                <a16:creationId xmlns:a16="http://schemas.microsoft.com/office/drawing/2014/main" id="{42AC5BF5-6791-44D7-A021-9012E2828E22}"/>
-              </a:ext>
-            </a:extLst>
-          </p:cNvPr>
-          <p:cNvCxnSpPr>
-            <a:cxnSpLocks/>
-            <a:stCxn id="36" idx="0"/>
-          </p:cNvCxnSpPr>
-          <p:nvPr/>
-        </p:nvCxnSpPr>
-        <p:spPr>
-          <a:xfrm flipH="1" flipV="1">
-            <a:off x="3996660" y="2617422"/>
-            <a:ext cx="270540" cy="626912"/>
-          </a:xfrm>
-          <a:prstGeom prst="straightConnector1">
-            <a:avLst/>
-          </a:prstGeom>
-          <a:ln>
-            <a:tailEnd type="triangle"/>
-          </a:ln>
-        </p:spPr>
-        <p:style>
-          <a:lnRef idx="1">
-            <a:schemeClr val="dk1"/>
-          </a:lnRef>
-          <a:fillRef idx="0">
-            <a:schemeClr val="dk1"/>
-          </a:fillRef>
-          <a:effectRef idx="0">
-            <a:schemeClr val="dk1"/>
-          </a:effectRef>
-          <a:fontRef idx="minor">
-            <a:schemeClr val="tx1"/>
-          </a:fontRef>
-        </p:style>
-      </p:cxnSp>
-      <p:sp>
-        <p:nvSpPr>
-          <p:cNvPr id="6" name="Chỗ dành sẵn cho Số hiệu Bản chiếu 5">
-            <a:extLst>
-              <a:ext uri="{FF2B5EF4-FFF2-40B4-BE49-F238E27FC236}">
-                <a16:creationId xmlns:a16="http://schemas.microsoft.com/office/drawing/2014/main" id="{FDBEDC06-578F-45F1-8EE5-659388EF1314}"/>
-              </a:ext>
-            </a:extLst>
-          </p:cNvPr>
-          <p:cNvSpPr>
-            <a:spLocks noGrp="1"/>
-          </p:cNvSpPr>
-          <p:nvPr>
-            <p:ph type="sldNum" sz="quarter" idx="12"/>
-          </p:nvPr>
-        </p:nvSpPr>
-        <p:spPr/>
-        <p:txBody>
-          <a:bodyPr/>
-          <a:lstStyle/>
-          <a:p>
-            <a:fld id="{480537A9-B8B1-481D-9BE4-179EB839AE15}" type="slidenum">
-              <a:rPr lang="vi-VN" smtClean="0"/>
-              <a:t>27</a:t>
-            </a:fld>
-            <a:endParaRPr lang="vi-VN"/>
-          </a:p>
-        </p:txBody>
-      </p:sp>
-    </p:spTree>
-    <p:extLst>
-      <p:ext uri="{BB962C8B-B14F-4D97-AF65-F5344CB8AC3E}">
-        <p14:creationId xmlns:p14="http://schemas.microsoft.com/office/powerpoint/2010/main" val="3431505560"/>
-      </p:ext>
-    </p:extLst>
-  </p:cSld>
-  <p:clrMapOvr>
-    <a:masterClrMapping/>
-  </p:clrMapOvr>
-</p:sld>
-</file>
-
-<file path=ppt/slides/slide28.xml><?xml version="1.0" encoding="utf-8"?>
-<p:sld xmlns:a="http://schemas.openxmlformats.org/drawingml/2006/main" xmlns:r="http://schemas.openxmlformats.org/officeDocument/2006/relationships" xmlns:p="http://schemas.openxmlformats.org/presentationml/2006/main">
-  <p:cSld>
-    <p:spTree>
-      <p:nvGrpSpPr>
-        <p:cNvPr id="1" name=""/>
-        <p:cNvGrpSpPr/>
-        <p:nvPr/>
-      </p:nvGrpSpPr>
-      <p:grpSpPr>
-        <a:xfrm>
-          <a:off x="0" y="0"/>
-          <a:ext cx="0" cy="0"/>
-          <a:chOff x="0" y="0"/>
-          <a:chExt cx="0" cy="0"/>
-        </a:xfrm>
-      </p:grpSpPr>
-      <p:sp>
-        <p:nvSpPr>
-          <p:cNvPr id="2" name="Tiêu đề 1">
-            <a:extLst>
-              <a:ext uri="{FF2B5EF4-FFF2-40B4-BE49-F238E27FC236}">
-                <a16:creationId xmlns:a16="http://schemas.microsoft.com/office/drawing/2014/main" id="{1B15421A-2C78-43B8-B729-6F63C1945CD5}"/>
-              </a:ext>
-            </a:extLst>
-          </p:cNvPr>
-          <p:cNvSpPr>
-            <a:spLocks noGrp="1"/>
-          </p:cNvSpPr>
-          <p:nvPr>
-            <p:ph type="title"/>
-          </p:nvPr>
-        </p:nvSpPr>
-        <p:spPr/>
-        <p:txBody>
-          <a:bodyPr/>
-          <a:lstStyle/>
-          <a:p>
-            <a:r>
-              <a:rPr lang="en-US"/>
-              <a:t>Database diagram</a:t>
-            </a:r>
-            <a:endParaRPr lang="vi-VN"/>
-          </a:p>
-        </p:txBody>
-      </p:sp>
-      <p:sp>
-        <p:nvSpPr>
-          <p:cNvPr id="3" name="Chỗ dành sẵn cho Nội dung 2">
-            <a:extLst>
-              <a:ext uri="{FF2B5EF4-FFF2-40B4-BE49-F238E27FC236}">
-                <a16:creationId xmlns:a16="http://schemas.microsoft.com/office/drawing/2014/main" id="{A40BE2C5-402F-4D0B-A7D0-CBEC5B9B17E6}"/>
-              </a:ext>
-            </a:extLst>
-          </p:cNvPr>
-          <p:cNvSpPr>
-            <a:spLocks noGrp="1"/>
-          </p:cNvSpPr>
-          <p:nvPr>
-            <p:ph idx="1"/>
-          </p:nvPr>
-        </p:nvSpPr>
-        <p:spPr/>
-        <p:txBody>
-          <a:bodyPr/>
-          <a:lstStyle/>
-          <a:p>
-            <a:pPr marL="0" indent="0">
-              <a:buNone/>
-            </a:pPr>
-            <a:r>
-              <a:rPr lang="en-US"/>
-              <a:t>Map classes to tables:</a:t>
-            </a:r>
-          </a:p>
-          <a:p>
-            <a:pPr marL="0" indent="0">
-              <a:buNone/>
-            </a:pPr>
-            <a:r>
-              <a:rPr lang="en-US"/>
-              <a:t>- Add key</a:t>
-            </a:r>
-          </a:p>
-          <a:p>
-            <a:pPr>
-              <a:buFontTx/>
-              <a:buChar char="-"/>
-            </a:pPr>
-            <a:r>
-              <a:rPr lang="en-US"/>
-              <a:t>Attribute =&gt; Field</a:t>
-            </a:r>
-          </a:p>
-          <a:p>
-            <a:pPr>
-              <a:buFontTx/>
-              <a:buChar char="-"/>
-            </a:pPr>
-            <a:r>
-              <a:rPr lang="en-US"/>
-              <a:t>Relationship =&gt; Foreign Key</a:t>
-            </a:r>
-          </a:p>
-        </p:txBody>
-      </p:sp>
-      <p:sp>
-        <p:nvSpPr>
-          <p:cNvPr id="4" name="Chỗ dành sẵn cho Số hiệu Bản chiếu 3">
-            <a:extLst>
-              <a:ext uri="{FF2B5EF4-FFF2-40B4-BE49-F238E27FC236}">
-                <a16:creationId xmlns:a16="http://schemas.microsoft.com/office/drawing/2014/main" id="{1EBB4C8E-33B2-4EAD-93D9-073669DDBD26}"/>
-              </a:ext>
-            </a:extLst>
-          </p:cNvPr>
-          <p:cNvSpPr>
-            <a:spLocks noGrp="1"/>
-          </p:cNvSpPr>
-          <p:nvPr>
-            <p:ph type="sldNum" sz="quarter" idx="12"/>
-          </p:nvPr>
-        </p:nvSpPr>
-        <p:spPr/>
-        <p:txBody>
-          <a:bodyPr/>
-          <a:lstStyle/>
-          <a:p>
-            <a:fld id="{480537A9-B8B1-481D-9BE4-179EB839AE15}" type="slidenum">
-              <a:rPr lang="vi-VN" smtClean="0"/>
-              <a:t>28</a:t>
-            </a:fld>
-            <a:endParaRPr lang="vi-VN"/>
-          </a:p>
-        </p:txBody>
-      </p:sp>
-    </p:spTree>
-    <p:extLst>
-      <p:ext uri="{BB962C8B-B14F-4D97-AF65-F5344CB8AC3E}">
-        <p14:creationId xmlns:p14="http://schemas.microsoft.com/office/powerpoint/2010/main" val="402236361"/>
-      </p:ext>
-    </p:extLst>
-  </p:cSld>
-  <p:clrMapOvr>
-    <a:masterClrMapping/>
-  </p:clrMapOvr>
-</p:sld>
-</file>
-
-<file path=ppt/slides/slide29.xml><?xml version="1.0" encoding="utf-8"?>
-<p:sld xmlns:a="http://schemas.openxmlformats.org/drawingml/2006/main" xmlns:r="http://schemas.openxmlformats.org/officeDocument/2006/relationships" xmlns:p="http://schemas.openxmlformats.org/presentationml/2006/main">
-  <p:cSld>
-    <p:spTree>
-      <p:nvGrpSpPr>
-        <p:cNvPr id="1" name=""/>
-        <p:cNvGrpSpPr/>
-        <p:nvPr/>
-      </p:nvGrpSpPr>
-      <p:grpSpPr>
-        <a:xfrm>
-          <a:off x="0" y="0"/>
-          <a:ext cx="0" cy="0"/>
-          <a:chOff x="0" y="0"/>
-          <a:chExt cx="0" cy="0"/>
-        </a:xfrm>
-      </p:grpSpPr>
-      <p:sp>
-        <p:nvSpPr>
-          <p:cNvPr id="2" name="Tiêu đề 1">
-            <a:extLst>
-              <a:ext uri="{FF2B5EF4-FFF2-40B4-BE49-F238E27FC236}">
-                <a16:creationId xmlns:a16="http://schemas.microsoft.com/office/drawing/2014/main" id="{7BF379E3-8DA4-4A15-A1CA-18B73EB48098}"/>
-              </a:ext>
-            </a:extLst>
-          </p:cNvPr>
-          <p:cNvSpPr>
-            <a:spLocks noGrp="1"/>
-          </p:cNvSpPr>
-          <p:nvPr>
-            <p:ph type="title"/>
-          </p:nvPr>
-        </p:nvSpPr>
-        <p:spPr/>
-        <p:txBody>
-          <a:bodyPr/>
-          <a:lstStyle/>
-          <a:p>
-            <a:r>
-              <a:rPr lang="en-US"/>
-              <a:t>Exercise</a:t>
-            </a:r>
-            <a:endParaRPr lang="vi-VN"/>
-          </a:p>
-        </p:txBody>
-      </p:sp>
-      <p:sp>
-        <p:nvSpPr>
-          <p:cNvPr id="3" name="Chỗ dành sẵn cho Nội dung 2">
-            <a:extLst>
-              <a:ext uri="{FF2B5EF4-FFF2-40B4-BE49-F238E27FC236}">
-                <a16:creationId xmlns:a16="http://schemas.microsoft.com/office/drawing/2014/main" id="{4167ECE6-9269-4B9C-891D-F82262AF4A9F}"/>
-              </a:ext>
-            </a:extLst>
-          </p:cNvPr>
-          <p:cNvSpPr>
-            <a:spLocks noGrp="1"/>
-          </p:cNvSpPr>
-          <p:nvPr>
-            <p:ph idx="1"/>
-          </p:nvPr>
-        </p:nvSpPr>
-        <p:spPr/>
-        <p:txBody>
-          <a:bodyPr>
-            <a:noAutofit/>
-          </a:bodyPr>
-          <a:lstStyle/>
-          <a:p>
-            <a:pPr marL="0" indent="0">
-              <a:buNone/>
-            </a:pPr>
-            <a:r>
-              <a:rPr lang="en-US"/>
-              <a:t>Library management database</a:t>
-            </a:r>
-          </a:p>
-          <a:p>
-            <a:pPr marL="0" indent="0">
-              <a:buNone/>
-            </a:pPr>
-            <a:endParaRPr lang="en-US"/>
-          </a:p>
-          <a:p>
-            <a:pPr>
-              <a:buFontTx/>
-              <a:buChar char="-"/>
-            </a:pPr>
-            <a:r>
-              <a:rPr lang="en-US"/>
-              <a:t>Book</a:t>
-            </a:r>
-          </a:p>
-          <a:p>
-            <a:pPr>
-              <a:buFontTx/>
-              <a:buChar char="-"/>
-            </a:pPr>
-            <a:r>
-              <a:rPr lang="en-US"/>
-              <a:t>Reader</a:t>
-            </a:r>
-          </a:p>
-          <a:p>
-            <a:pPr>
-              <a:buFontTx/>
-              <a:buChar char="-"/>
-            </a:pPr>
-            <a:r>
-              <a:rPr lang="en-US"/>
-              <a:t>…</a:t>
-            </a:r>
-          </a:p>
-          <a:p>
-            <a:pPr marL="0" indent="0">
-              <a:buNone/>
-            </a:pPr>
-            <a:endParaRPr lang="en-US"/>
-          </a:p>
-        </p:txBody>
-      </p:sp>
-      <p:sp>
-        <p:nvSpPr>
-          <p:cNvPr id="4" name="Chỗ dành sẵn cho Số hiệu Bản chiếu 3">
-            <a:extLst>
-              <a:ext uri="{FF2B5EF4-FFF2-40B4-BE49-F238E27FC236}">
-                <a16:creationId xmlns:a16="http://schemas.microsoft.com/office/drawing/2014/main" id="{2B485C81-650D-4106-A195-1238C5480D8B}"/>
-              </a:ext>
-            </a:extLst>
-          </p:cNvPr>
-          <p:cNvSpPr>
-            <a:spLocks noGrp="1"/>
-          </p:cNvSpPr>
-          <p:nvPr>
-            <p:ph type="sldNum" sz="quarter" idx="12"/>
-          </p:nvPr>
-        </p:nvSpPr>
-        <p:spPr/>
-        <p:txBody>
-          <a:bodyPr/>
-          <a:lstStyle/>
-          <a:p>
-            <a:fld id="{480537A9-B8B1-481D-9BE4-179EB839AE15}" type="slidenum">
-              <a:rPr lang="vi-VN" smtClean="0"/>
-              <a:t>29</a:t>
-            </a:fld>
-            <a:endParaRPr lang="vi-VN"/>
-          </a:p>
-        </p:txBody>
-      </p:sp>
-    </p:spTree>
-    <p:extLst>
-      <p:ext uri="{BB962C8B-B14F-4D97-AF65-F5344CB8AC3E}">
-        <p14:creationId xmlns:p14="http://schemas.microsoft.com/office/powerpoint/2010/main" val="2941658693"/>
-      </p:ext>
-    </p:extLst>
-  </p:cSld>
-  <p:clrMapOvr>
-    <a:masterClrMapping/>
-  </p:clrMapOvr>
-</p:sld>
-</file>
-
 <file path=ppt/slides/slide3.xml><?xml version="1.0" encoding="utf-8"?>
 <p:sld xmlns:a="http://schemas.openxmlformats.org/drawingml/2006/main" xmlns:r="http://schemas.openxmlformats.org/officeDocument/2006/relationships" xmlns:p="http://schemas.openxmlformats.org/presentationml/2006/main">
   <p:cSld>
@@ -25338,236 +20230,6 @@
     <p:extLst>
       <p:ext uri="{BB962C8B-B14F-4D97-AF65-F5344CB8AC3E}">
         <p14:creationId xmlns:p14="http://schemas.microsoft.com/office/powerpoint/2010/main" val="1718786851"/>
-      </p:ext>
-    </p:extLst>
-  </p:cSld>
-  <p:clrMapOvr>
-    <a:masterClrMapping/>
-  </p:clrMapOvr>
-</p:sld>
-</file>
-
-<file path=ppt/slides/slide30.xml><?xml version="1.0" encoding="utf-8"?>
-<p:sld xmlns:a="http://schemas.openxmlformats.org/drawingml/2006/main" xmlns:r="http://schemas.openxmlformats.org/officeDocument/2006/relationships" xmlns:p="http://schemas.openxmlformats.org/presentationml/2006/main">
-  <p:cSld>
-    <p:spTree>
-      <p:nvGrpSpPr>
-        <p:cNvPr id="1" name=""/>
-        <p:cNvGrpSpPr/>
-        <p:nvPr/>
-      </p:nvGrpSpPr>
-      <p:grpSpPr>
-        <a:xfrm>
-          <a:off x="0" y="0"/>
-          <a:ext cx="0" cy="0"/>
-          <a:chOff x="0" y="0"/>
-          <a:chExt cx="0" cy="0"/>
-        </a:xfrm>
-      </p:grpSpPr>
-      <p:sp>
-        <p:nvSpPr>
-          <p:cNvPr id="2" name="Tiêu đề 1">
-            <a:extLst>
-              <a:ext uri="{FF2B5EF4-FFF2-40B4-BE49-F238E27FC236}">
-                <a16:creationId xmlns:a16="http://schemas.microsoft.com/office/drawing/2014/main" id="{4B915052-3C5E-47FD-BAAB-C3DE3C0A0019}"/>
-              </a:ext>
-            </a:extLst>
-          </p:cNvPr>
-          <p:cNvSpPr>
-            <a:spLocks noGrp="1"/>
-          </p:cNvSpPr>
-          <p:nvPr>
-            <p:ph type="title"/>
-          </p:nvPr>
-        </p:nvSpPr>
-        <p:spPr/>
-        <p:txBody>
-          <a:bodyPr/>
-          <a:lstStyle/>
-          <a:p>
-            <a:r>
-              <a:rPr lang="en-US"/>
-              <a:t>Homework</a:t>
-            </a:r>
-            <a:endParaRPr lang="vi-VN"/>
-          </a:p>
-        </p:txBody>
-      </p:sp>
-      <p:sp>
-        <p:nvSpPr>
-          <p:cNvPr id="3" name="Chỗ dành sẵn cho Nội dung 2">
-            <a:extLst>
-              <a:ext uri="{FF2B5EF4-FFF2-40B4-BE49-F238E27FC236}">
-                <a16:creationId xmlns:a16="http://schemas.microsoft.com/office/drawing/2014/main" id="{B2A6EC0C-F150-4F00-9956-37643371B243}"/>
-              </a:ext>
-            </a:extLst>
-          </p:cNvPr>
-          <p:cNvSpPr>
-            <a:spLocks noGrp="1"/>
-          </p:cNvSpPr>
-          <p:nvPr>
-            <p:ph idx="1"/>
-          </p:nvPr>
-        </p:nvSpPr>
-        <p:spPr>
-          <a:xfrm>
-            <a:off x="838200" y="1825625"/>
-            <a:ext cx="10717696" cy="4351338"/>
-          </a:xfrm>
-        </p:spPr>
-        <p:txBody>
-          <a:bodyPr/>
-          <a:lstStyle/>
-          <a:p>
-            <a:pPr marL="0" indent="0">
-              <a:buNone/>
-            </a:pPr>
-            <a:r>
-              <a:rPr lang="en-US"/>
-              <a:t>Research about business (ref Git/References/SampleBAReport)</a:t>
-            </a:r>
-          </a:p>
-          <a:p>
-            <a:pPr marL="0" indent="0">
-              <a:buNone/>
-            </a:pPr>
-            <a:r>
-              <a:rPr lang="en-US"/>
-              <a:t>Draw database diagram of your project.</a:t>
-            </a:r>
-          </a:p>
-          <a:p>
-            <a:pPr marL="0" indent="0">
-              <a:buNone/>
-            </a:pPr>
-            <a:r>
-              <a:rPr lang="en-US"/>
-              <a:t>Deadline: 2 weeks.</a:t>
-            </a:r>
-          </a:p>
-        </p:txBody>
-      </p:sp>
-      <p:sp>
-        <p:nvSpPr>
-          <p:cNvPr id="4" name="Chỗ dành sẵn cho Số hiệu Bản chiếu 3">
-            <a:extLst>
-              <a:ext uri="{FF2B5EF4-FFF2-40B4-BE49-F238E27FC236}">
-                <a16:creationId xmlns:a16="http://schemas.microsoft.com/office/drawing/2014/main" id="{18F04665-3162-4231-96AC-969CFA29F8EB}"/>
-              </a:ext>
-            </a:extLst>
-          </p:cNvPr>
-          <p:cNvSpPr>
-            <a:spLocks noGrp="1"/>
-          </p:cNvSpPr>
-          <p:nvPr>
-            <p:ph type="sldNum" sz="quarter" idx="12"/>
-          </p:nvPr>
-        </p:nvSpPr>
-        <p:spPr/>
-        <p:txBody>
-          <a:bodyPr/>
-          <a:lstStyle/>
-          <a:p>
-            <a:fld id="{480537A9-B8B1-481D-9BE4-179EB839AE15}" type="slidenum">
-              <a:rPr lang="vi-VN" smtClean="0"/>
-              <a:t>30</a:t>
-            </a:fld>
-            <a:endParaRPr lang="vi-VN"/>
-          </a:p>
-        </p:txBody>
-      </p:sp>
-    </p:spTree>
-    <p:extLst>
-      <p:ext uri="{BB962C8B-B14F-4D97-AF65-F5344CB8AC3E}">
-        <p14:creationId xmlns:p14="http://schemas.microsoft.com/office/powerpoint/2010/main" val="2413377356"/>
-      </p:ext>
-    </p:extLst>
-  </p:cSld>
-  <p:clrMapOvr>
-    <a:masterClrMapping/>
-  </p:clrMapOvr>
-</p:sld>
-</file>
-
-<file path=ppt/slides/slide31.xml><?xml version="1.0" encoding="utf-8"?>
-<p:sld xmlns:a="http://schemas.openxmlformats.org/drawingml/2006/main" xmlns:r="http://schemas.openxmlformats.org/officeDocument/2006/relationships" xmlns:p="http://schemas.openxmlformats.org/presentationml/2006/main">
-  <p:cSld>
-    <p:spTree>
-      <p:nvGrpSpPr>
-        <p:cNvPr id="1" name=""/>
-        <p:cNvGrpSpPr/>
-        <p:nvPr/>
-      </p:nvGrpSpPr>
-      <p:grpSpPr>
-        <a:xfrm>
-          <a:off x="0" y="0"/>
-          <a:ext cx="0" cy="0"/>
-          <a:chOff x="0" y="0"/>
-          <a:chExt cx="0" cy="0"/>
-        </a:xfrm>
-      </p:grpSpPr>
-      <p:sp>
-        <p:nvSpPr>
-          <p:cNvPr id="2" name="Tiêu đề 1">
-            <a:extLst>
-              <a:ext uri="{FF2B5EF4-FFF2-40B4-BE49-F238E27FC236}">
-                <a16:creationId xmlns:a16="http://schemas.microsoft.com/office/drawing/2014/main" id="{795E3B59-2632-488B-9E9F-875DFE7024F8}"/>
-              </a:ext>
-            </a:extLst>
-          </p:cNvPr>
-          <p:cNvSpPr>
-            <a:spLocks noGrp="1"/>
-          </p:cNvSpPr>
-          <p:nvPr>
-            <p:ph type="title"/>
-          </p:nvPr>
-        </p:nvSpPr>
-        <p:spPr/>
-        <p:txBody>
-          <a:bodyPr/>
-          <a:lstStyle/>
-          <a:p>
-            <a:r>
-              <a:rPr lang="en-US"/>
-              <a:t>Question</a:t>
-            </a:r>
-            <a:endParaRPr lang="vi-VN"/>
-          </a:p>
-        </p:txBody>
-      </p:sp>
-      <p:sp>
-        <p:nvSpPr>
-          <p:cNvPr id="3" name="Chỗ dành sẵn cho Số hiệu Bản chiếu 2">
-            <a:extLst>
-              <a:ext uri="{FF2B5EF4-FFF2-40B4-BE49-F238E27FC236}">
-                <a16:creationId xmlns:a16="http://schemas.microsoft.com/office/drawing/2014/main" id="{C9310D72-3E88-4E22-84D0-44D5AB1C5135}"/>
-              </a:ext>
-            </a:extLst>
-          </p:cNvPr>
-          <p:cNvSpPr>
-            <a:spLocks noGrp="1"/>
-          </p:cNvSpPr>
-          <p:nvPr>
-            <p:ph type="sldNum" sz="quarter" idx="12"/>
-          </p:nvPr>
-        </p:nvSpPr>
-        <p:spPr/>
-        <p:txBody>
-          <a:bodyPr/>
-          <a:lstStyle/>
-          <a:p>
-            <a:fld id="{480537A9-B8B1-481D-9BE4-179EB839AE15}" type="slidenum">
-              <a:rPr lang="vi-VN" smtClean="0"/>
-              <a:t>31</a:t>
-            </a:fld>
-            <a:endParaRPr lang="vi-VN"/>
-          </a:p>
-        </p:txBody>
-      </p:sp>
-    </p:spTree>
-    <p:extLst>
-      <p:ext uri="{BB962C8B-B14F-4D97-AF65-F5344CB8AC3E}">
-        <p14:creationId xmlns:p14="http://schemas.microsoft.com/office/powerpoint/2010/main" val="3193866037"/>
       </p:ext>
     </p:extLst>
   </p:cSld>
